--- a/se_prog/slides/07_EnumerationPackagesRecursion.pptx
+++ b/se_prog/slides/07_EnumerationPackagesRecursion.pptx
@@ -5,7 +5,7 @@
     <p:sldMasterId id="2147483648" r:id="rId1"/>
   </p:sldMasterIdLst>
   <p:notesMasterIdLst>
-    <p:notesMasterId r:id="rId39"/>
+    <p:notesMasterId r:id="rId36"/>
   </p:notesMasterIdLst>
   <p:sldIdLst>
     <p:sldId id="368" r:id="rId2"/>
@@ -25,26 +25,23 @@
     <p:sldId id="333" r:id="rId16"/>
     <p:sldId id="329" r:id="rId17"/>
     <p:sldId id="332" r:id="rId18"/>
-    <p:sldId id="362" r:id="rId19"/>
-    <p:sldId id="340" r:id="rId20"/>
-    <p:sldId id="369" r:id="rId21"/>
-    <p:sldId id="304" r:id="rId22"/>
-    <p:sldId id="325" r:id="rId23"/>
-    <p:sldId id="314" r:id="rId24"/>
-    <p:sldId id="343" r:id="rId25"/>
-    <p:sldId id="345" r:id="rId26"/>
-    <p:sldId id="346" r:id="rId27"/>
-    <p:sldId id="347" r:id="rId28"/>
-    <p:sldId id="356" r:id="rId29"/>
-    <p:sldId id="317" r:id="rId30"/>
-    <p:sldId id="358" r:id="rId31"/>
-    <p:sldId id="365" r:id="rId32"/>
-    <p:sldId id="338" r:id="rId33"/>
-    <p:sldId id="342" r:id="rId34"/>
-    <p:sldId id="300" r:id="rId35"/>
-    <p:sldId id="344" r:id="rId36"/>
-    <p:sldId id="366" r:id="rId37"/>
-    <p:sldId id="301" r:id="rId38"/>
+    <p:sldId id="369" r:id="rId19"/>
+    <p:sldId id="304" r:id="rId20"/>
+    <p:sldId id="325" r:id="rId21"/>
+    <p:sldId id="314" r:id="rId22"/>
+    <p:sldId id="343" r:id="rId23"/>
+    <p:sldId id="345" r:id="rId24"/>
+    <p:sldId id="346" r:id="rId25"/>
+    <p:sldId id="347" r:id="rId26"/>
+    <p:sldId id="356" r:id="rId27"/>
+    <p:sldId id="317" r:id="rId28"/>
+    <p:sldId id="358" r:id="rId29"/>
+    <p:sldId id="365" r:id="rId30"/>
+    <p:sldId id="338" r:id="rId31"/>
+    <p:sldId id="342" r:id="rId32"/>
+    <p:sldId id="300" r:id="rId33"/>
+    <p:sldId id="344" r:id="rId34"/>
+    <p:sldId id="366" r:id="rId35"/>
   </p:sldIdLst>
   <p:sldSz cx="12192000" cy="6858000"/>
   <p:notesSz cx="6858000" cy="9144000"/>
@@ -315,7 +312,7 @@
               <a:pPr>
                 <a:defRPr/>
               </a:pPr>
-              <a:t>22.11.2019</a:t>
+              <a:t>30.11.2019</a:t>
             </a:fld>
             <a:endParaRPr lang="de-DE"/>
           </a:p>
@@ -1994,330 +1991,6 @@
       </p:grpSpPr>
       <p:sp>
         <p:nvSpPr>
-          <p:cNvPr id="43009" name="Folienbildplatzhalter 1"/>
-          <p:cNvSpPr>
-            <a:spLocks noGrp="1" noRot="1" noChangeAspect="1"/>
-          </p:cNvSpPr>
-          <p:nvPr>
-            <p:ph type="sldImg"/>
-          </p:nvPr>
-        </p:nvSpPr>
-        <p:spPr bwMode="auto">
-          <a:xfrm>
-            <a:off x="381000" y="685800"/>
-            <a:ext cx="6096000" cy="3429000"/>
-          </a:xfrm>
-          <a:noFill/>
-          <a:ln>
-            <a:solidFill>
-              <a:srgbClr val="000000"/>
-            </a:solidFill>
-            <a:miter lim="800000"/>
-            <a:headEnd/>
-            <a:tailEnd/>
-          </a:ln>
-        </p:spPr>
-      </p:sp>
-      <p:sp>
-        <p:nvSpPr>
-          <p:cNvPr id="43010" name="Notizenplatzhalter 2"/>
-          <p:cNvSpPr>
-            <a:spLocks noGrp="1"/>
-          </p:cNvSpPr>
-          <p:nvPr>
-            <p:ph type="body" idx="1"/>
-          </p:nvPr>
-        </p:nvSpPr>
-        <p:spPr bwMode="auto">
-          <a:noFill/>
-        </p:spPr>
-        <p:txBody>
-          <a:bodyPr wrap="square" numCol="1" anchor="t" anchorCtr="0" compatLnSpc="1">
-            <a:prstTxWarp prst="textNoShape">
-              <a:avLst/>
-            </a:prstTxWarp>
-          </a:bodyPr>
-          <a:lstStyle/>
-          <a:p>
-            <a:pPr>
-              <a:spcBef>
-                <a:spcPct val="0"/>
-              </a:spcBef>
-            </a:pPr>
-            <a:r>
-              <a:rPr lang="de-DE"/>
-              <a:t>Geschätzte Zeit:</a:t>
-            </a:r>
-          </a:p>
-          <a:p>
-            <a:pPr>
-              <a:spcBef>
-                <a:spcPct val="0"/>
-              </a:spcBef>
-            </a:pPr>
-            <a:r>
-              <a:rPr lang="de-DE"/>
-              <a:t>3:26</a:t>
-            </a:r>
-          </a:p>
-          <a:p>
-            <a:pPr>
-              <a:spcBef>
-                <a:spcPct val="0"/>
-              </a:spcBef>
-            </a:pPr>
-            <a:endParaRPr lang="de-DE"/>
-          </a:p>
-        </p:txBody>
-      </p:sp>
-      <p:sp>
-        <p:nvSpPr>
-          <p:cNvPr id="43011" name="Foliennummernplatzhalter 3"/>
-          <p:cNvSpPr>
-            <a:spLocks noGrp="1"/>
-          </p:cNvSpPr>
-          <p:nvPr>
-            <p:ph type="sldNum" sz="quarter" idx="5"/>
-          </p:nvPr>
-        </p:nvSpPr>
-        <p:spPr bwMode="auto">
-          <a:noFill/>
-          <a:ln>
-            <a:miter lim="800000"/>
-            <a:headEnd/>
-            <a:tailEnd/>
-          </a:ln>
-        </p:spPr>
-        <p:txBody>
-          <a:bodyPr wrap="square" numCol="1" anchorCtr="0" compatLnSpc="1">
-            <a:prstTxWarp prst="textNoShape">
-              <a:avLst/>
-            </a:prstTxWarp>
-          </a:bodyPr>
-          <a:lstStyle/>
-          <a:p>
-            <a:pPr fontAlgn="base">
-              <a:spcBef>
-                <a:spcPct val="0"/>
-              </a:spcBef>
-              <a:spcAft>
-                <a:spcPct val="0"/>
-              </a:spcAft>
-            </a:pPr>
-            <a:fld id="{278D9755-3A08-4D08-8660-CF4FC914981E}" type="slidenum">
-              <a:rPr lang="de-DE">
-                <a:cs typeface="Arial" charset="0"/>
-              </a:rPr>
-              <a:pPr fontAlgn="base">
-                <a:spcBef>
-                  <a:spcPct val="0"/>
-                </a:spcBef>
-                <a:spcAft>
-                  <a:spcPct val="0"/>
-                </a:spcAft>
-              </a:pPr>
-              <a:t>18</a:t>
-            </a:fld>
-            <a:endParaRPr lang="de-DE">
-              <a:cs typeface="Arial" charset="0"/>
-            </a:endParaRPr>
-          </a:p>
-        </p:txBody>
-      </p:sp>
-    </p:spTree>
-    <p:extLst>
-      <p:ext uri="{BB962C8B-B14F-4D97-AF65-F5344CB8AC3E}">
-        <p14:creationId xmlns:p14="http://schemas.microsoft.com/office/powerpoint/2010/main" val="2234044397"/>
-      </p:ext>
-    </p:extLst>
-  </p:cSld>
-  <p:clrMapOvr>
-    <a:masterClrMapping/>
-  </p:clrMapOvr>
-</p:notes>
-</file>
-
-<file path=ppt/notesSlides/notesSlide18.xml><?xml version="1.0" encoding="utf-8"?>
-<p:notes xmlns:a="http://schemas.openxmlformats.org/drawingml/2006/main" xmlns:r="http://schemas.openxmlformats.org/officeDocument/2006/relationships" xmlns:p="http://schemas.openxmlformats.org/presentationml/2006/main">
-  <p:cSld>
-    <p:spTree>
-      <p:nvGrpSpPr>
-        <p:cNvPr id="1" name=""/>
-        <p:cNvGrpSpPr/>
-        <p:nvPr/>
-      </p:nvGrpSpPr>
-      <p:grpSpPr>
-        <a:xfrm>
-          <a:off x="0" y="0"/>
-          <a:ext cx="0" cy="0"/>
-          <a:chOff x="0" y="0"/>
-          <a:chExt cx="0" cy="0"/>
-        </a:xfrm>
-      </p:grpSpPr>
-      <p:sp>
-        <p:nvSpPr>
-          <p:cNvPr id="67585" name="Folienbildplatzhalter 1"/>
-          <p:cNvSpPr>
-            <a:spLocks noGrp="1" noRot="1" noChangeAspect="1"/>
-          </p:cNvSpPr>
-          <p:nvPr>
-            <p:ph type="sldImg"/>
-          </p:nvPr>
-        </p:nvSpPr>
-        <p:spPr bwMode="auto">
-          <a:xfrm>
-            <a:off x="381000" y="685800"/>
-            <a:ext cx="6096000" cy="3429000"/>
-          </a:xfrm>
-          <a:noFill/>
-          <a:ln>
-            <a:solidFill>
-              <a:srgbClr val="000000"/>
-            </a:solidFill>
-            <a:miter lim="800000"/>
-            <a:headEnd/>
-            <a:tailEnd/>
-          </a:ln>
-        </p:spPr>
-      </p:sp>
-      <p:sp>
-        <p:nvSpPr>
-          <p:cNvPr id="67586" name="Notizenplatzhalter 2"/>
-          <p:cNvSpPr>
-            <a:spLocks noGrp="1"/>
-          </p:cNvSpPr>
-          <p:nvPr>
-            <p:ph type="body" idx="1"/>
-          </p:nvPr>
-        </p:nvSpPr>
-        <p:spPr bwMode="auto">
-          <a:noFill/>
-        </p:spPr>
-        <p:txBody>
-          <a:bodyPr wrap="square" numCol="1" anchor="t" anchorCtr="0" compatLnSpc="1">
-            <a:prstTxWarp prst="textNoShape">
-              <a:avLst/>
-            </a:prstTxWarp>
-          </a:bodyPr>
-          <a:lstStyle/>
-          <a:p>
-            <a:pPr>
-              <a:spcBef>
-                <a:spcPct val="0"/>
-              </a:spcBef>
-            </a:pPr>
-            <a:r>
-              <a:rPr lang="de-DE"/>
-              <a:t>Geschätzte Zeit:</a:t>
-            </a:r>
-          </a:p>
-          <a:p>
-            <a:pPr>
-              <a:spcBef>
-                <a:spcPct val="0"/>
-              </a:spcBef>
-            </a:pPr>
-            <a:r>
-              <a:rPr lang="de-DE"/>
-              <a:t>1:51</a:t>
-            </a:r>
-          </a:p>
-          <a:p>
-            <a:pPr>
-              <a:spcBef>
-                <a:spcPct val="0"/>
-              </a:spcBef>
-            </a:pPr>
-            <a:endParaRPr lang="de-DE"/>
-          </a:p>
-        </p:txBody>
-      </p:sp>
-      <p:sp>
-        <p:nvSpPr>
-          <p:cNvPr id="67587" name="Foliennummernplatzhalter 3"/>
-          <p:cNvSpPr>
-            <a:spLocks noGrp="1"/>
-          </p:cNvSpPr>
-          <p:nvPr>
-            <p:ph type="sldNum" sz="quarter" idx="5"/>
-          </p:nvPr>
-        </p:nvSpPr>
-        <p:spPr bwMode="auto">
-          <a:noFill/>
-          <a:ln>
-            <a:miter lim="800000"/>
-            <a:headEnd/>
-            <a:tailEnd/>
-          </a:ln>
-        </p:spPr>
-        <p:txBody>
-          <a:bodyPr wrap="square" numCol="1" anchorCtr="0" compatLnSpc="1">
-            <a:prstTxWarp prst="textNoShape">
-              <a:avLst/>
-            </a:prstTxWarp>
-          </a:bodyPr>
-          <a:lstStyle/>
-          <a:p>
-            <a:pPr fontAlgn="base">
-              <a:spcBef>
-                <a:spcPct val="0"/>
-              </a:spcBef>
-              <a:spcAft>
-                <a:spcPct val="0"/>
-              </a:spcAft>
-            </a:pPr>
-            <a:fld id="{82B08164-9EA3-41F4-A3D9-6CAB86B8E7B0}" type="slidenum">
-              <a:rPr lang="de-DE">
-                <a:cs typeface="Arial" charset="0"/>
-              </a:rPr>
-              <a:pPr fontAlgn="base">
-                <a:spcBef>
-                  <a:spcPct val="0"/>
-                </a:spcBef>
-                <a:spcAft>
-                  <a:spcPct val="0"/>
-                </a:spcAft>
-              </a:pPr>
-              <a:t>19</a:t>
-            </a:fld>
-            <a:endParaRPr lang="de-DE">
-              <a:cs typeface="Arial" charset="0"/>
-            </a:endParaRPr>
-          </a:p>
-        </p:txBody>
-      </p:sp>
-    </p:spTree>
-    <p:extLst>
-      <p:ext uri="{BB962C8B-B14F-4D97-AF65-F5344CB8AC3E}">
-        <p14:creationId xmlns:p14="http://schemas.microsoft.com/office/powerpoint/2010/main" val="2153036024"/>
-      </p:ext>
-    </p:extLst>
-  </p:cSld>
-  <p:clrMapOvr>
-    <a:masterClrMapping/>
-  </p:clrMapOvr>
-</p:notes>
-</file>
-
-<file path=ppt/notesSlides/notesSlide19.xml><?xml version="1.0" encoding="utf-8"?>
-<p:notes xmlns:a="http://schemas.openxmlformats.org/drawingml/2006/main" xmlns:r="http://schemas.openxmlformats.org/officeDocument/2006/relationships" xmlns:p="http://schemas.openxmlformats.org/presentationml/2006/main">
-  <p:cSld>
-    <p:spTree>
-      <p:nvGrpSpPr>
-        <p:cNvPr id="1" name=""/>
-        <p:cNvGrpSpPr/>
-        <p:nvPr/>
-      </p:nvGrpSpPr>
-      <p:grpSpPr>
-        <a:xfrm>
-          <a:off x="0" y="0"/>
-          <a:ext cx="0" cy="0"/>
-          <a:chOff x="0" y="0"/>
-          <a:chExt cx="0" cy="0"/>
-        </a:xfrm>
-      </p:grpSpPr>
-      <p:sp>
-        <p:nvSpPr>
           <p:cNvPr id="49153" name="Folienbildplatzhalter 1"/>
           <p:cNvSpPr>
             <a:spLocks noGrp="1" noRot="1" noChangeAspect="1"/>
@@ -2440,7 +2113,7 @@
                   <a:spcPct val="0"/>
                 </a:spcAft>
               </a:pPr>
-              <a:t>21</a:t>
+              <a:t>19</a:t>
             </a:fld>
             <a:endParaRPr lang="de-DE">
               <a:cs typeface="Arial" charset="0"/>
@@ -2452,6 +2125,330 @@
     <p:extLst>
       <p:ext uri="{BB962C8B-B14F-4D97-AF65-F5344CB8AC3E}">
         <p14:creationId xmlns:p14="http://schemas.microsoft.com/office/powerpoint/2010/main" val="2431245190"/>
+      </p:ext>
+    </p:extLst>
+  </p:cSld>
+  <p:clrMapOvr>
+    <a:masterClrMapping/>
+  </p:clrMapOvr>
+</p:notes>
+</file>
+
+<file path=ppt/notesSlides/notesSlide18.xml><?xml version="1.0" encoding="utf-8"?>
+<p:notes xmlns:a="http://schemas.openxmlformats.org/drawingml/2006/main" xmlns:r="http://schemas.openxmlformats.org/officeDocument/2006/relationships" xmlns:p="http://schemas.openxmlformats.org/presentationml/2006/main">
+  <p:cSld>
+    <p:spTree>
+      <p:nvGrpSpPr>
+        <p:cNvPr id="1" name=""/>
+        <p:cNvGrpSpPr/>
+        <p:nvPr/>
+      </p:nvGrpSpPr>
+      <p:grpSpPr>
+        <a:xfrm>
+          <a:off x="0" y="0"/>
+          <a:ext cx="0" cy="0"/>
+          <a:chOff x="0" y="0"/>
+          <a:chExt cx="0" cy="0"/>
+        </a:xfrm>
+      </p:grpSpPr>
+      <p:sp>
+        <p:nvSpPr>
+          <p:cNvPr id="51201" name="Folienbildplatzhalter 1"/>
+          <p:cNvSpPr>
+            <a:spLocks noGrp="1" noRot="1" noChangeAspect="1"/>
+          </p:cNvSpPr>
+          <p:nvPr>
+            <p:ph type="sldImg"/>
+          </p:nvPr>
+        </p:nvSpPr>
+        <p:spPr bwMode="auto">
+          <a:xfrm>
+            <a:off x="381000" y="685800"/>
+            <a:ext cx="6096000" cy="3429000"/>
+          </a:xfrm>
+          <a:noFill/>
+          <a:ln>
+            <a:solidFill>
+              <a:srgbClr val="000000"/>
+            </a:solidFill>
+            <a:miter lim="800000"/>
+            <a:headEnd/>
+            <a:tailEnd/>
+          </a:ln>
+        </p:spPr>
+      </p:sp>
+      <p:sp>
+        <p:nvSpPr>
+          <p:cNvPr id="51202" name="Notizenplatzhalter 2"/>
+          <p:cNvSpPr>
+            <a:spLocks noGrp="1"/>
+          </p:cNvSpPr>
+          <p:nvPr>
+            <p:ph type="body" idx="1"/>
+          </p:nvPr>
+        </p:nvSpPr>
+        <p:spPr bwMode="auto">
+          <a:noFill/>
+        </p:spPr>
+        <p:txBody>
+          <a:bodyPr wrap="square" numCol="1" anchor="t" anchorCtr="0" compatLnSpc="1">
+            <a:prstTxWarp prst="textNoShape">
+              <a:avLst/>
+            </a:prstTxWarp>
+          </a:bodyPr>
+          <a:lstStyle/>
+          <a:p>
+            <a:pPr>
+              <a:spcBef>
+                <a:spcPct val="0"/>
+              </a:spcBef>
+            </a:pPr>
+            <a:r>
+              <a:rPr lang="de-DE"/>
+              <a:t>Geschätzte Zeit:</a:t>
+            </a:r>
+          </a:p>
+          <a:p>
+            <a:pPr>
+              <a:spcBef>
+                <a:spcPct val="0"/>
+              </a:spcBef>
+            </a:pPr>
+            <a:r>
+              <a:rPr lang="de-DE"/>
+              <a:t>1:32</a:t>
+            </a:r>
+          </a:p>
+          <a:p>
+            <a:pPr>
+              <a:spcBef>
+                <a:spcPct val="0"/>
+              </a:spcBef>
+            </a:pPr>
+            <a:endParaRPr lang="de-DE"/>
+          </a:p>
+        </p:txBody>
+      </p:sp>
+      <p:sp>
+        <p:nvSpPr>
+          <p:cNvPr id="51203" name="Foliennummernplatzhalter 3"/>
+          <p:cNvSpPr>
+            <a:spLocks noGrp="1"/>
+          </p:cNvSpPr>
+          <p:nvPr>
+            <p:ph type="sldNum" sz="quarter" idx="5"/>
+          </p:nvPr>
+        </p:nvSpPr>
+        <p:spPr bwMode="auto">
+          <a:noFill/>
+          <a:ln>
+            <a:miter lim="800000"/>
+            <a:headEnd/>
+            <a:tailEnd/>
+          </a:ln>
+        </p:spPr>
+        <p:txBody>
+          <a:bodyPr wrap="square" numCol="1" anchorCtr="0" compatLnSpc="1">
+            <a:prstTxWarp prst="textNoShape">
+              <a:avLst/>
+            </a:prstTxWarp>
+          </a:bodyPr>
+          <a:lstStyle/>
+          <a:p>
+            <a:pPr fontAlgn="base">
+              <a:spcBef>
+                <a:spcPct val="0"/>
+              </a:spcBef>
+              <a:spcAft>
+                <a:spcPct val="0"/>
+              </a:spcAft>
+            </a:pPr>
+            <a:fld id="{39331960-21EA-4796-9849-B574C968A944}" type="slidenum">
+              <a:rPr lang="de-DE">
+                <a:cs typeface="Arial" charset="0"/>
+              </a:rPr>
+              <a:pPr fontAlgn="base">
+                <a:spcBef>
+                  <a:spcPct val="0"/>
+                </a:spcBef>
+                <a:spcAft>
+                  <a:spcPct val="0"/>
+                </a:spcAft>
+              </a:pPr>
+              <a:t>20</a:t>
+            </a:fld>
+            <a:endParaRPr lang="de-DE">
+              <a:cs typeface="Arial" charset="0"/>
+            </a:endParaRPr>
+          </a:p>
+        </p:txBody>
+      </p:sp>
+    </p:spTree>
+    <p:extLst>
+      <p:ext uri="{BB962C8B-B14F-4D97-AF65-F5344CB8AC3E}">
+        <p14:creationId xmlns:p14="http://schemas.microsoft.com/office/powerpoint/2010/main" val="94453907"/>
+      </p:ext>
+    </p:extLst>
+  </p:cSld>
+  <p:clrMapOvr>
+    <a:masterClrMapping/>
+  </p:clrMapOvr>
+</p:notes>
+</file>
+
+<file path=ppt/notesSlides/notesSlide19.xml><?xml version="1.0" encoding="utf-8"?>
+<p:notes xmlns:a="http://schemas.openxmlformats.org/drawingml/2006/main" xmlns:r="http://schemas.openxmlformats.org/officeDocument/2006/relationships" xmlns:p="http://schemas.openxmlformats.org/presentationml/2006/main">
+  <p:cSld>
+    <p:spTree>
+      <p:nvGrpSpPr>
+        <p:cNvPr id="1" name=""/>
+        <p:cNvGrpSpPr/>
+        <p:nvPr/>
+      </p:nvGrpSpPr>
+      <p:grpSpPr>
+        <a:xfrm>
+          <a:off x="0" y="0"/>
+          <a:ext cx="0" cy="0"/>
+          <a:chOff x="0" y="0"/>
+          <a:chExt cx="0" cy="0"/>
+        </a:xfrm>
+      </p:grpSpPr>
+      <p:sp>
+        <p:nvSpPr>
+          <p:cNvPr id="53249" name="Folienbildplatzhalter 1"/>
+          <p:cNvSpPr>
+            <a:spLocks noGrp="1" noRot="1" noChangeAspect="1"/>
+          </p:cNvSpPr>
+          <p:nvPr>
+            <p:ph type="sldImg"/>
+          </p:nvPr>
+        </p:nvSpPr>
+        <p:spPr bwMode="auto">
+          <a:xfrm>
+            <a:off x="381000" y="685800"/>
+            <a:ext cx="6096000" cy="3429000"/>
+          </a:xfrm>
+          <a:noFill/>
+          <a:ln>
+            <a:solidFill>
+              <a:srgbClr val="000000"/>
+            </a:solidFill>
+            <a:miter lim="800000"/>
+            <a:headEnd/>
+            <a:tailEnd/>
+          </a:ln>
+        </p:spPr>
+      </p:sp>
+      <p:sp>
+        <p:nvSpPr>
+          <p:cNvPr id="53250" name="Notizenplatzhalter 2"/>
+          <p:cNvSpPr>
+            <a:spLocks noGrp="1"/>
+          </p:cNvSpPr>
+          <p:nvPr>
+            <p:ph type="body" idx="1"/>
+          </p:nvPr>
+        </p:nvSpPr>
+        <p:spPr bwMode="auto">
+          <a:noFill/>
+        </p:spPr>
+        <p:txBody>
+          <a:bodyPr wrap="square" numCol="1" anchor="t" anchorCtr="0" compatLnSpc="1">
+            <a:prstTxWarp prst="textNoShape">
+              <a:avLst/>
+            </a:prstTxWarp>
+          </a:bodyPr>
+          <a:lstStyle/>
+          <a:p>
+            <a:pPr>
+              <a:spcBef>
+                <a:spcPct val="0"/>
+              </a:spcBef>
+            </a:pPr>
+            <a:r>
+              <a:rPr lang="de-DE"/>
+              <a:t>Geschätzte Zeit:</a:t>
+            </a:r>
+          </a:p>
+          <a:p>
+            <a:pPr>
+              <a:spcBef>
+                <a:spcPct val="0"/>
+              </a:spcBef>
+            </a:pPr>
+            <a:r>
+              <a:rPr lang="de-DE"/>
+              <a:t>2:33</a:t>
+            </a:r>
+          </a:p>
+          <a:p>
+            <a:pPr>
+              <a:spcBef>
+                <a:spcPct val="0"/>
+              </a:spcBef>
+            </a:pPr>
+            <a:endParaRPr lang="de-DE"/>
+          </a:p>
+        </p:txBody>
+      </p:sp>
+      <p:sp>
+        <p:nvSpPr>
+          <p:cNvPr id="53251" name="Foliennummernplatzhalter 3"/>
+          <p:cNvSpPr>
+            <a:spLocks noGrp="1"/>
+          </p:cNvSpPr>
+          <p:nvPr>
+            <p:ph type="sldNum" sz="quarter" idx="5"/>
+          </p:nvPr>
+        </p:nvSpPr>
+        <p:spPr bwMode="auto">
+          <a:noFill/>
+          <a:ln>
+            <a:miter lim="800000"/>
+            <a:headEnd/>
+            <a:tailEnd/>
+          </a:ln>
+        </p:spPr>
+        <p:txBody>
+          <a:bodyPr wrap="square" numCol="1" anchorCtr="0" compatLnSpc="1">
+            <a:prstTxWarp prst="textNoShape">
+              <a:avLst/>
+            </a:prstTxWarp>
+          </a:bodyPr>
+          <a:lstStyle/>
+          <a:p>
+            <a:pPr fontAlgn="base">
+              <a:spcBef>
+                <a:spcPct val="0"/>
+              </a:spcBef>
+              <a:spcAft>
+                <a:spcPct val="0"/>
+              </a:spcAft>
+            </a:pPr>
+            <a:fld id="{AC571B47-1A26-4B81-A868-FC62F3AAF27A}" type="slidenum">
+              <a:rPr lang="de-DE">
+                <a:cs typeface="Arial" charset="0"/>
+              </a:rPr>
+              <a:pPr fontAlgn="base">
+                <a:spcBef>
+                  <a:spcPct val="0"/>
+                </a:spcBef>
+                <a:spcAft>
+                  <a:spcPct val="0"/>
+                </a:spcAft>
+              </a:pPr>
+              <a:t>21</a:t>
+            </a:fld>
+            <a:endParaRPr lang="de-DE">
+              <a:cs typeface="Arial" charset="0"/>
+            </a:endParaRPr>
+          </a:p>
+        </p:txBody>
+      </p:sp>
+    </p:spTree>
+    <p:extLst>
+      <p:ext uri="{BB962C8B-B14F-4D97-AF65-F5344CB8AC3E}">
+        <p14:creationId xmlns:p14="http://schemas.microsoft.com/office/powerpoint/2010/main" val="1304546024"/>
       </p:ext>
     </p:extLst>
   </p:cSld>
@@ -2634,330 +2631,6 @@
       </p:grpSpPr>
       <p:sp>
         <p:nvSpPr>
-          <p:cNvPr id="51201" name="Folienbildplatzhalter 1"/>
-          <p:cNvSpPr>
-            <a:spLocks noGrp="1" noRot="1" noChangeAspect="1"/>
-          </p:cNvSpPr>
-          <p:nvPr>
-            <p:ph type="sldImg"/>
-          </p:nvPr>
-        </p:nvSpPr>
-        <p:spPr bwMode="auto">
-          <a:xfrm>
-            <a:off x="381000" y="685800"/>
-            <a:ext cx="6096000" cy="3429000"/>
-          </a:xfrm>
-          <a:noFill/>
-          <a:ln>
-            <a:solidFill>
-              <a:srgbClr val="000000"/>
-            </a:solidFill>
-            <a:miter lim="800000"/>
-            <a:headEnd/>
-            <a:tailEnd/>
-          </a:ln>
-        </p:spPr>
-      </p:sp>
-      <p:sp>
-        <p:nvSpPr>
-          <p:cNvPr id="51202" name="Notizenplatzhalter 2"/>
-          <p:cNvSpPr>
-            <a:spLocks noGrp="1"/>
-          </p:cNvSpPr>
-          <p:nvPr>
-            <p:ph type="body" idx="1"/>
-          </p:nvPr>
-        </p:nvSpPr>
-        <p:spPr bwMode="auto">
-          <a:noFill/>
-        </p:spPr>
-        <p:txBody>
-          <a:bodyPr wrap="square" numCol="1" anchor="t" anchorCtr="0" compatLnSpc="1">
-            <a:prstTxWarp prst="textNoShape">
-              <a:avLst/>
-            </a:prstTxWarp>
-          </a:bodyPr>
-          <a:lstStyle/>
-          <a:p>
-            <a:pPr>
-              <a:spcBef>
-                <a:spcPct val="0"/>
-              </a:spcBef>
-            </a:pPr>
-            <a:r>
-              <a:rPr lang="de-DE"/>
-              <a:t>Geschätzte Zeit:</a:t>
-            </a:r>
-          </a:p>
-          <a:p>
-            <a:pPr>
-              <a:spcBef>
-                <a:spcPct val="0"/>
-              </a:spcBef>
-            </a:pPr>
-            <a:r>
-              <a:rPr lang="de-DE"/>
-              <a:t>1:32</a:t>
-            </a:r>
-          </a:p>
-          <a:p>
-            <a:pPr>
-              <a:spcBef>
-                <a:spcPct val="0"/>
-              </a:spcBef>
-            </a:pPr>
-            <a:endParaRPr lang="de-DE"/>
-          </a:p>
-        </p:txBody>
-      </p:sp>
-      <p:sp>
-        <p:nvSpPr>
-          <p:cNvPr id="51203" name="Foliennummernplatzhalter 3"/>
-          <p:cNvSpPr>
-            <a:spLocks noGrp="1"/>
-          </p:cNvSpPr>
-          <p:nvPr>
-            <p:ph type="sldNum" sz="quarter" idx="5"/>
-          </p:nvPr>
-        </p:nvSpPr>
-        <p:spPr bwMode="auto">
-          <a:noFill/>
-          <a:ln>
-            <a:miter lim="800000"/>
-            <a:headEnd/>
-            <a:tailEnd/>
-          </a:ln>
-        </p:spPr>
-        <p:txBody>
-          <a:bodyPr wrap="square" numCol="1" anchorCtr="0" compatLnSpc="1">
-            <a:prstTxWarp prst="textNoShape">
-              <a:avLst/>
-            </a:prstTxWarp>
-          </a:bodyPr>
-          <a:lstStyle/>
-          <a:p>
-            <a:pPr fontAlgn="base">
-              <a:spcBef>
-                <a:spcPct val="0"/>
-              </a:spcBef>
-              <a:spcAft>
-                <a:spcPct val="0"/>
-              </a:spcAft>
-            </a:pPr>
-            <a:fld id="{39331960-21EA-4796-9849-B574C968A944}" type="slidenum">
-              <a:rPr lang="de-DE">
-                <a:cs typeface="Arial" charset="0"/>
-              </a:rPr>
-              <a:pPr fontAlgn="base">
-                <a:spcBef>
-                  <a:spcPct val="0"/>
-                </a:spcBef>
-                <a:spcAft>
-                  <a:spcPct val="0"/>
-                </a:spcAft>
-              </a:pPr>
-              <a:t>22</a:t>
-            </a:fld>
-            <a:endParaRPr lang="de-DE">
-              <a:cs typeface="Arial" charset="0"/>
-            </a:endParaRPr>
-          </a:p>
-        </p:txBody>
-      </p:sp>
-    </p:spTree>
-    <p:extLst>
-      <p:ext uri="{BB962C8B-B14F-4D97-AF65-F5344CB8AC3E}">
-        <p14:creationId xmlns:p14="http://schemas.microsoft.com/office/powerpoint/2010/main" val="94453907"/>
-      </p:ext>
-    </p:extLst>
-  </p:cSld>
-  <p:clrMapOvr>
-    <a:masterClrMapping/>
-  </p:clrMapOvr>
-</p:notes>
-</file>
-
-<file path=ppt/notesSlides/notesSlide21.xml><?xml version="1.0" encoding="utf-8"?>
-<p:notes xmlns:a="http://schemas.openxmlformats.org/drawingml/2006/main" xmlns:r="http://schemas.openxmlformats.org/officeDocument/2006/relationships" xmlns:p="http://schemas.openxmlformats.org/presentationml/2006/main">
-  <p:cSld>
-    <p:spTree>
-      <p:nvGrpSpPr>
-        <p:cNvPr id="1" name=""/>
-        <p:cNvGrpSpPr/>
-        <p:nvPr/>
-      </p:nvGrpSpPr>
-      <p:grpSpPr>
-        <a:xfrm>
-          <a:off x="0" y="0"/>
-          <a:ext cx="0" cy="0"/>
-          <a:chOff x="0" y="0"/>
-          <a:chExt cx="0" cy="0"/>
-        </a:xfrm>
-      </p:grpSpPr>
-      <p:sp>
-        <p:nvSpPr>
-          <p:cNvPr id="53249" name="Folienbildplatzhalter 1"/>
-          <p:cNvSpPr>
-            <a:spLocks noGrp="1" noRot="1" noChangeAspect="1"/>
-          </p:cNvSpPr>
-          <p:nvPr>
-            <p:ph type="sldImg"/>
-          </p:nvPr>
-        </p:nvSpPr>
-        <p:spPr bwMode="auto">
-          <a:xfrm>
-            <a:off x="381000" y="685800"/>
-            <a:ext cx="6096000" cy="3429000"/>
-          </a:xfrm>
-          <a:noFill/>
-          <a:ln>
-            <a:solidFill>
-              <a:srgbClr val="000000"/>
-            </a:solidFill>
-            <a:miter lim="800000"/>
-            <a:headEnd/>
-            <a:tailEnd/>
-          </a:ln>
-        </p:spPr>
-      </p:sp>
-      <p:sp>
-        <p:nvSpPr>
-          <p:cNvPr id="53250" name="Notizenplatzhalter 2"/>
-          <p:cNvSpPr>
-            <a:spLocks noGrp="1"/>
-          </p:cNvSpPr>
-          <p:nvPr>
-            <p:ph type="body" idx="1"/>
-          </p:nvPr>
-        </p:nvSpPr>
-        <p:spPr bwMode="auto">
-          <a:noFill/>
-        </p:spPr>
-        <p:txBody>
-          <a:bodyPr wrap="square" numCol="1" anchor="t" anchorCtr="0" compatLnSpc="1">
-            <a:prstTxWarp prst="textNoShape">
-              <a:avLst/>
-            </a:prstTxWarp>
-          </a:bodyPr>
-          <a:lstStyle/>
-          <a:p>
-            <a:pPr>
-              <a:spcBef>
-                <a:spcPct val="0"/>
-              </a:spcBef>
-            </a:pPr>
-            <a:r>
-              <a:rPr lang="de-DE"/>
-              <a:t>Geschätzte Zeit:</a:t>
-            </a:r>
-          </a:p>
-          <a:p>
-            <a:pPr>
-              <a:spcBef>
-                <a:spcPct val="0"/>
-              </a:spcBef>
-            </a:pPr>
-            <a:r>
-              <a:rPr lang="de-DE"/>
-              <a:t>2:33</a:t>
-            </a:r>
-          </a:p>
-          <a:p>
-            <a:pPr>
-              <a:spcBef>
-                <a:spcPct val="0"/>
-              </a:spcBef>
-            </a:pPr>
-            <a:endParaRPr lang="de-DE"/>
-          </a:p>
-        </p:txBody>
-      </p:sp>
-      <p:sp>
-        <p:nvSpPr>
-          <p:cNvPr id="53251" name="Foliennummernplatzhalter 3"/>
-          <p:cNvSpPr>
-            <a:spLocks noGrp="1"/>
-          </p:cNvSpPr>
-          <p:nvPr>
-            <p:ph type="sldNum" sz="quarter" idx="5"/>
-          </p:nvPr>
-        </p:nvSpPr>
-        <p:spPr bwMode="auto">
-          <a:noFill/>
-          <a:ln>
-            <a:miter lim="800000"/>
-            <a:headEnd/>
-            <a:tailEnd/>
-          </a:ln>
-        </p:spPr>
-        <p:txBody>
-          <a:bodyPr wrap="square" numCol="1" anchorCtr="0" compatLnSpc="1">
-            <a:prstTxWarp prst="textNoShape">
-              <a:avLst/>
-            </a:prstTxWarp>
-          </a:bodyPr>
-          <a:lstStyle/>
-          <a:p>
-            <a:pPr fontAlgn="base">
-              <a:spcBef>
-                <a:spcPct val="0"/>
-              </a:spcBef>
-              <a:spcAft>
-                <a:spcPct val="0"/>
-              </a:spcAft>
-            </a:pPr>
-            <a:fld id="{AC571B47-1A26-4B81-A868-FC62F3AAF27A}" type="slidenum">
-              <a:rPr lang="de-DE">
-                <a:cs typeface="Arial" charset="0"/>
-              </a:rPr>
-              <a:pPr fontAlgn="base">
-                <a:spcBef>
-                  <a:spcPct val="0"/>
-                </a:spcBef>
-                <a:spcAft>
-                  <a:spcPct val="0"/>
-                </a:spcAft>
-              </a:pPr>
-              <a:t>23</a:t>
-            </a:fld>
-            <a:endParaRPr lang="de-DE">
-              <a:cs typeface="Arial" charset="0"/>
-            </a:endParaRPr>
-          </a:p>
-        </p:txBody>
-      </p:sp>
-    </p:spTree>
-    <p:extLst>
-      <p:ext uri="{BB962C8B-B14F-4D97-AF65-F5344CB8AC3E}">
-        <p14:creationId xmlns:p14="http://schemas.microsoft.com/office/powerpoint/2010/main" val="1304546024"/>
-      </p:ext>
-    </p:extLst>
-  </p:cSld>
-  <p:clrMapOvr>
-    <a:masterClrMapping/>
-  </p:clrMapOvr>
-</p:notes>
-</file>
-
-<file path=ppt/notesSlides/notesSlide22.xml><?xml version="1.0" encoding="utf-8"?>
-<p:notes xmlns:a="http://schemas.openxmlformats.org/drawingml/2006/main" xmlns:r="http://schemas.openxmlformats.org/officeDocument/2006/relationships" xmlns:p="http://schemas.openxmlformats.org/presentationml/2006/main">
-  <p:cSld>
-    <p:spTree>
-      <p:nvGrpSpPr>
-        <p:cNvPr id="1" name=""/>
-        <p:cNvGrpSpPr/>
-        <p:nvPr/>
-      </p:nvGrpSpPr>
-      <p:grpSpPr>
-        <a:xfrm>
-          <a:off x="0" y="0"/>
-          <a:ext cx="0" cy="0"/>
-          <a:chOff x="0" y="0"/>
-          <a:chExt cx="0" cy="0"/>
-        </a:xfrm>
-      </p:grpSpPr>
-      <p:sp>
-        <p:nvSpPr>
           <p:cNvPr id="55297" name="Folienbildplatzhalter 1"/>
           <p:cNvSpPr>
             <a:spLocks noGrp="1" noRot="1" noChangeAspect="1"/>
@@ -3099,7 +2772,7 @@
                   <a:spcPct val="0"/>
                 </a:spcAft>
               </a:pPr>
-              <a:t>24</a:t>
+              <a:t>22</a:t>
             </a:fld>
             <a:endParaRPr lang="de-DE">
               <a:cs typeface="Arial" charset="0"/>
@@ -3120,7 +2793,7 @@
 </p:notes>
 </file>
 
-<file path=ppt/notesSlides/notesSlide23.xml><?xml version="1.0" encoding="utf-8"?>
+<file path=ppt/notesSlides/notesSlide21.xml><?xml version="1.0" encoding="utf-8"?>
 <p:notes xmlns:a="http://schemas.openxmlformats.org/drawingml/2006/main" xmlns:r="http://schemas.openxmlformats.org/officeDocument/2006/relationships" xmlns:p="http://schemas.openxmlformats.org/presentationml/2006/main">
   <p:cSld>
     <p:spTree>
@@ -3261,7 +2934,7 @@
                   <a:spcPct val="0"/>
                 </a:spcAft>
               </a:pPr>
-              <a:t>25</a:t>
+              <a:t>23</a:t>
             </a:fld>
             <a:endParaRPr lang="de-DE">
               <a:cs typeface="Arial" charset="0"/>
@@ -3282,7 +2955,7 @@
 </p:notes>
 </file>
 
-<file path=ppt/notesSlides/notesSlide24.xml><?xml version="1.0" encoding="utf-8"?>
+<file path=ppt/notesSlides/notesSlide22.xml><?xml version="1.0" encoding="utf-8"?>
 <p:notes xmlns:a="http://schemas.openxmlformats.org/drawingml/2006/main" xmlns:r="http://schemas.openxmlformats.org/officeDocument/2006/relationships" xmlns:p="http://schemas.openxmlformats.org/presentationml/2006/main">
   <p:cSld>
     <p:spTree>
@@ -3423,7 +3096,7 @@
                   <a:spcPct val="0"/>
                 </a:spcAft>
               </a:pPr>
-              <a:t>26</a:t>
+              <a:t>24</a:t>
             </a:fld>
             <a:endParaRPr lang="de-DE">
               <a:cs typeface="Arial" charset="0"/>
@@ -3444,7 +3117,7 @@
 </p:notes>
 </file>
 
-<file path=ppt/notesSlides/notesSlide25.xml><?xml version="1.0" encoding="utf-8"?>
+<file path=ppt/notesSlides/notesSlide23.xml><?xml version="1.0" encoding="utf-8"?>
 <p:notes xmlns:a="http://schemas.openxmlformats.org/drawingml/2006/main" xmlns:r="http://schemas.openxmlformats.org/officeDocument/2006/relationships" xmlns:p="http://schemas.openxmlformats.org/presentationml/2006/main">
   <p:cSld>
     <p:spTree>
@@ -3585,7 +3258,7 @@
                   <a:spcPct val="0"/>
                 </a:spcAft>
               </a:pPr>
-              <a:t>27</a:t>
+              <a:t>25</a:t>
             </a:fld>
             <a:endParaRPr lang="de-DE">
               <a:cs typeface="Arial" charset="0"/>
@@ -3606,7 +3279,7 @@
 </p:notes>
 </file>
 
-<file path=ppt/notesSlides/notesSlide26.xml><?xml version="1.0" encoding="utf-8"?>
+<file path=ppt/notesSlides/notesSlide24.xml><?xml version="1.0" encoding="utf-8"?>
 <p:notes xmlns:a="http://schemas.openxmlformats.org/drawingml/2006/main" xmlns:r="http://schemas.openxmlformats.org/officeDocument/2006/relationships" xmlns:p="http://schemas.openxmlformats.org/presentationml/2006/main">
   <p:cSld>
     <p:spTree>
@@ -3747,7 +3420,7 @@
                   <a:spcPct val="0"/>
                 </a:spcAft>
               </a:pPr>
-              <a:t>29</a:t>
+              <a:t>27</a:t>
             </a:fld>
             <a:endParaRPr lang="de-DE">
               <a:cs typeface="Arial" charset="0"/>
@@ -3768,7 +3441,7 @@
 </p:notes>
 </file>
 
-<file path=ppt/notesSlides/notesSlide27.xml><?xml version="1.0" encoding="utf-8"?>
+<file path=ppt/notesSlides/notesSlide25.xml><?xml version="1.0" encoding="utf-8"?>
 <p:notes xmlns:a="http://schemas.openxmlformats.org/drawingml/2006/main" xmlns:r="http://schemas.openxmlformats.org/officeDocument/2006/relationships" xmlns:p="http://schemas.openxmlformats.org/presentationml/2006/main">
   <p:cSld>
     <p:spTree>
@@ -3909,7 +3582,7 @@
                   <a:spcPct val="0"/>
                 </a:spcAft>
               </a:pPr>
-              <a:t>30</a:t>
+              <a:t>28</a:t>
             </a:fld>
             <a:endParaRPr lang="de-DE">
               <a:cs typeface="Arial" charset="0"/>
@@ -3930,7 +3603,7 @@
 </p:notes>
 </file>
 
-<file path=ppt/notesSlides/notesSlide28.xml><?xml version="1.0" encoding="utf-8"?>
+<file path=ppt/notesSlides/notesSlide26.xml><?xml version="1.0" encoding="utf-8"?>
 <p:notes xmlns:a="http://schemas.openxmlformats.org/drawingml/2006/main" xmlns:r="http://schemas.openxmlformats.org/officeDocument/2006/relationships" xmlns:p="http://schemas.openxmlformats.org/presentationml/2006/main">
   <p:cSld>
     <p:spTree>
@@ -4082,7 +3755,7 @@
                   <a:spcPct val="0"/>
                 </a:spcAft>
               </a:pPr>
-              <a:t>32</a:t>
+              <a:t>30</a:t>
             </a:fld>
             <a:endParaRPr lang="de-DE">
               <a:cs typeface="Arial" charset="0"/>
@@ -4103,7 +3776,7 @@
 </p:notes>
 </file>
 
-<file path=ppt/notesSlides/notesSlide29.xml><?xml version="1.0" encoding="utf-8"?>
+<file path=ppt/notesSlides/notesSlide27.xml><?xml version="1.0" encoding="utf-8"?>
 <p:notes xmlns:a="http://schemas.openxmlformats.org/drawingml/2006/main" xmlns:r="http://schemas.openxmlformats.org/officeDocument/2006/relationships" xmlns:p="http://schemas.openxmlformats.org/presentationml/2006/main">
   <p:cSld>
     <p:spTree>
@@ -4244,7 +3917,7 @@
                   <a:spcPct val="0"/>
                 </a:spcAft>
               </a:pPr>
-              <a:t>33</a:t>
+              <a:t>31</a:t>
             </a:fld>
             <a:endParaRPr lang="de-DE">
               <a:cs typeface="Arial" charset="0"/>
@@ -4256,6 +3929,330 @@
     <p:extLst>
       <p:ext uri="{BB962C8B-B14F-4D97-AF65-F5344CB8AC3E}">
         <p14:creationId xmlns:p14="http://schemas.microsoft.com/office/powerpoint/2010/main" val="1572270305"/>
+      </p:ext>
+    </p:extLst>
+  </p:cSld>
+  <p:clrMapOvr>
+    <a:masterClrMapping/>
+  </p:clrMapOvr>
+</p:notes>
+</file>
+
+<file path=ppt/notesSlides/notesSlide28.xml><?xml version="1.0" encoding="utf-8"?>
+<p:notes xmlns:a="http://schemas.openxmlformats.org/drawingml/2006/main" xmlns:r="http://schemas.openxmlformats.org/officeDocument/2006/relationships" xmlns:p="http://schemas.openxmlformats.org/presentationml/2006/main">
+  <p:cSld>
+    <p:spTree>
+      <p:nvGrpSpPr>
+        <p:cNvPr id="1" name=""/>
+        <p:cNvGrpSpPr/>
+        <p:nvPr/>
+      </p:nvGrpSpPr>
+      <p:grpSpPr>
+        <a:xfrm>
+          <a:off x="0" y="0"/>
+          <a:ext cx="0" cy="0"/>
+          <a:chOff x="0" y="0"/>
+          <a:chExt cx="0" cy="0"/>
+        </a:xfrm>
+      </p:grpSpPr>
+      <p:sp>
+        <p:nvSpPr>
+          <p:cNvPr id="89089" name="Folienbildplatzhalter 1"/>
+          <p:cNvSpPr>
+            <a:spLocks noGrp="1" noRot="1" noChangeAspect="1"/>
+          </p:cNvSpPr>
+          <p:nvPr>
+            <p:ph type="sldImg"/>
+          </p:nvPr>
+        </p:nvSpPr>
+        <p:spPr bwMode="auto">
+          <a:xfrm>
+            <a:off x="381000" y="685800"/>
+            <a:ext cx="6096000" cy="3429000"/>
+          </a:xfrm>
+          <a:noFill/>
+          <a:ln>
+            <a:solidFill>
+              <a:srgbClr val="000000"/>
+            </a:solidFill>
+            <a:miter lim="800000"/>
+            <a:headEnd/>
+            <a:tailEnd/>
+          </a:ln>
+        </p:spPr>
+      </p:sp>
+      <p:sp>
+        <p:nvSpPr>
+          <p:cNvPr id="89090" name="Notizenplatzhalter 2"/>
+          <p:cNvSpPr>
+            <a:spLocks noGrp="1"/>
+          </p:cNvSpPr>
+          <p:nvPr>
+            <p:ph type="body" idx="1"/>
+          </p:nvPr>
+        </p:nvSpPr>
+        <p:spPr bwMode="auto">
+          <a:noFill/>
+        </p:spPr>
+        <p:txBody>
+          <a:bodyPr wrap="square" numCol="1" anchor="t" anchorCtr="0" compatLnSpc="1">
+            <a:prstTxWarp prst="textNoShape">
+              <a:avLst/>
+            </a:prstTxWarp>
+          </a:bodyPr>
+          <a:lstStyle/>
+          <a:p>
+            <a:pPr>
+              <a:spcBef>
+                <a:spcPct val="0"/>
+              </a:spcBef>
+            </a:pPr>
+            <a:r>
+              <a:rPr lang="de-DE"/>
+              <a:t>Geschätzte Zeit:</a:t>
+            </a:r>
+          </a:p>
+          <a:p>
+            <a:pPr>
+              <a:spcBef>
+                <a:spcPct val="0"/>
+              </a:spcBef>
+            </a:pPr>
+            <a:r>
+              <a:rPr lang="de-DE"/>
+              <a:t>2:1h17</a:t>
+            </a:r>
+          </a:p>
+          <a:p>
+            <a:pPr>
+              <a:spcBef>
+                <a:spcPct val="0"/>
+              </a:spcBef>
+            </a:pPr>
+            <a:endParaRPr lang="de-DE"/>
+          </a:p>
+        </p:txBody>
+      </p:sp>
+      <p:sp>
+        <p:nvSpPr>
+          <p:cNvPr id="89091" name="Foliennummernplatzhalter 3"/>
+          <p:cNvSpPr>
+            <a:spLocks noGrp="1"/>
+          </p:cNvSpPr>
+          <p:nvPr>
+            <p:ph type="sldNum" sz="quarter" idx="5"/>
+          </p:nvPr>
+        </p:nvSpPr>
+        <p:spPr bwMode="auto">
+          <a:noFill/>
+          <a:ln>
+            <a:miter lim="800000"/>
+            <a:headEnd/>
+            <a:tailEnd/>
+          </a:ln>
+        </p:spPr>
+        <p:txBody>
+          <a:bodyPr wrap="square" numCol="1" anchorCtr="0" compatLnSpc="1">
+            <a:prstTxWarp prst="textNoShape">
+              <a:avLst/>
+            </a:prstTxWarp>
+          </a:bodyPr>
+          <a:lstStyle/>
+          <a:p>
+            <a:pPr fontAlgn="base">
+              <a:spcBef>
+                <a:spcPct val="0"/>
+              </a:spcBef>
+              <a:spcAft>
+                <a:spcPct val="0"/>
+              </a:spcAft>
+            </a:pPr>
+            <a:fld id="{E7F522B1-F345-421B-818C-DF117B6333CE}" type="slidenum">
+              <a:rPr lang="de-DE">
+                <a:cs typeface="Arial" charset="0"/>
+              </a:rPr>
+              <a:pPr fontAlgn="base">
+                <a:spcBef>
+                  <a:spcPct val="0"/>
+                </a:spcBef>
+                <a:spcAft>
+                  <a:spcPct val="0"/>
+                </a:spcAft>
+              </a:pPr>
+              <a:t>32</a:t>
+            </a:fld>
+            <a:endParaRPr lang="de-DE">
+              <a:cs typeface="Arial" charset="0"/>
+            </a:endParaRPr>
+          </a:p>
+        </p:txBody>
+      </p:sp>
+    </p:spTree>
+    <p:extLst>
+      <p:ext uri="{BB962C8B-B14F-4D97-AF65-F5344CB8AC3E}">
+        <p14:creationId xmlns:p14="http://schemas.microsoft.com/office/powerpoint/2010/main" val="4132265308"/>
+      </p:ext>
+    </p:extLst>
+  </p:cSld>
+  <p:clrMapOvr>
+    <a:masterClrMapping/>
+  </p:clrMapOvr>
+</p:notes>
+</file>
+
+<file path=ppt/notesSlides/notesSlide29.xml><?xml version="1.0" encoding="utf-8"?>
+<p:notes xmlns:a="http://schemas.openxmlformats.org/drawingml/2006/main" xmlns:r="http://schemas.openxmlformats.org/officeDocument/2006/relationships" xmlns:p="http://schemas.openxmlformats.org/presentationml/2006/main">
+  <p:cSld>
+    <p:spTree>
+      <p:nvGrpSpPr>
+        <p:cNvPr id="1" name=""/>
+        <p:cNvGrpSpPr/>
+        <p:nvPr/>
+      </p:nvGrpSpPr>
+      <p:grpSpPr>
+        <a:xfrm>
+          <a:off x="0" y="0"/>
+          <a:ext cx="0" cy="0"/>
+          <a:chOff x="0" y="0"/>
+          <a:chExt cx="0" cy="0"/>
+        </a:xfrm>
+      </p:grpSpPr>
+      <p:sp>
+        <p:nvSpPr>
+          <p:cNvPr id="91137" name="Folienbildplatzhalter 1"/>
+          <p:cNvSpPr>
+            <a:spLocks noGrp="1" noRot="1" noChangeAspect="1"/>
+          </p:cNvSpPr>
+          <p:nvPr>
+            <p:ph type="sldImg"/>
+          </p:nvPr>
+        </p:nvSpPr>
+        <p:spPr bwMode="auto">
+          <a:xfrm>
+            <a:off x="381000" y="685800"/>
+            <a:ext cx="6096000" cy="3429000"/>
+          </a:xfrm>
+          <a:noFill/>
+          <a:ln>
+            <a:solidFill>
+              <a:srgbClr val="000000"/>
+            </a:solidFill>
+            <a:miter lim="800000"/>
+            <a:headEnd/>
+            <a:tailEnd/>
+          </a:ln>
+        </p:spPr>
+      </p:sp>
+      <p:sp>
+        <p:nvSpPr>
+          <p:cNvPr id="91138" name="Notizenplatzhalter 2"/>
+          <p:cNvSpPr>
+            <a:spLocks noGrp="1"/>
+          </p:cNvSpPr>
+          <p:nvPr>
+            <p:ph type="body" idx="1"/>
+          </p:nvPr>
+        </p:nvSpPr>
+        <p:spPr bwMode="auto">
+          <a:noFill/>
+        </p:spPr>
+        <p:txBody>
+          <a:bodyPr wrap="square" numCol="1" anchor="t" anchorCtr="0" compatLnSpc="1">
+            <a:prstTxWarp prst="textNoShape">
+              <a:avLst/>
+            </a:prstTxWarp>
+          </a:bodyPr>
+          <a:lstStyle/>
+          <a:p>
+            <a:pPr>
+              <a:spcBef>
+                <a:spcPct val="0"/>
+              </a:spcBef>
+            </a:pPr>
+            <a:r>
+              <a:rPr lang="de-DE"/>
+              <a:t>Geschätzte Zeit:</a:t>
+            </a:r>
+          </a:p>
+          <a:p>
+            <a:pPr>
+              <a:spcBef>
+                <a:spcPct val="0"/>
+              </a:spcBef>
+            </a:pPr>
+            <a:r>
+              <a:rPr lang="de-DE"/>
+              <a:t>0:1h17</a:t>
+            </a:r>
+          </a:p>
+          <a:p>
+            <a:pPr>
+              <a:spcBef>
+                <a:spcPct val="0"/>
+              </a:spcBef>
+            </a:pPr>
+            <a:endParaRPr lang="de-DE"/>
+          </a:p>
+        </p:txBody>
+      </p:sp>
+      <p:sp>
+        <p:nvSpPr>
+          <p:cNvPr id="91139" name="Foliennummernplatzhalter 3"/>
+          <p:cNvSpPr>
+            <a:spLocks noGrp="1"/>
+          </p:cNvSpPr>
+          <p:nvPr>
+            <p:ph type="sldNum" sz="quarter" idx="5"/>
+          </p:nvPr>
+        </p:nvSpPr>
+        <p:spPr bwMode="auto">
+          <a:noFill/>
+          <a:ln>
+            <a:miter lim="800000"/>
+            <a:headEnd/>
+            <a:tailEnd/>
+          </a:ln>
+        </p:spPr>
+        <p:txBody>
+          <a:bodyPr wrap="square" numCol="1" anchorCtr="0" compatLnSpc="1">
+            <a:prstTxWarp prst="textNoShape">
+              <a:avLst/>
+            </a:prstTxWarp>
+          </a:bodyPr>
+          <a:lstStyle/>
+          <a:p>
+            <a:pPr fontAlgn="base">
+              <a:spcBef>
+                <a:spcPct val="0"/>
+              </a:spcBef>
+              <a:spcAft>
+                <a:spcPct val="0"/>
+              </a:spcAft>
+            </a:pPr>
+            <a:fld id="{8566B86D-F813-4767-821B-AC0967F38CB8}" type="slidenum">
+              <a:rPr lang="de-DE">
+                <a:cs typeface="Arial" charset="0"/>
+              </a:rPr>
+              <a:pPr fontAlgn="base">
+                <a:spcBef>
+                  <a:spcPct val="0"/>
+                </a:spcBef>
+                <a:spcAft>
+                  <a:spcPct val="0"/>
+                </a:spcAft>
+              </a:pPr>
+              <a:t>33</a:t>
+            </a:fld>
+            <a:endParaRPr lang="de-DE">
+              <a:cs typeface="Arial" charset="0"/>
+            </a:endParaRPr>
+          </a:p>
+        </p:txBody>
+      </p:sp>
+    </p:spTree>
+    <p:extLst>
+      <p:ext uri="{BB962C8B-B14F-4D97-AF65-F5344CB8AC3E}">
+        <p14:creationId xmlns:p14="http://schemas.microsoft.com/office/powerpoint/2010/main" val="1688802903"/>
       </p:ext>
     </p:extLst>
   </p:cSld>
@@ -4446,330 +4443,6 @@
       </p:grpSpPr>
       <p:sp>
         <p:nvSpPr>
-          <p:cNvPr id="89089" name="Folienbildplatzhalter 1"/>
-          <p:cNvSpPr>
-            <a:spLocks noGrp="1" noRot="1" noChangeAspect="1"/>
-          </p:cNvSpPr>
-          <p:nvPr>
-            <p:ph type="sldImg"/>
-          </p:nvPr>
-        </p:nvSpPr>
-        <p:spPr bwMode="auto">
-          <a:xfrm>
-            <a:off x="381000" y="685800"/>
-            <a:ext cx="6096000" cy="3429000"/>
-          </a:xfrm>
-          <a:noFill/>
-          <a:ln>
-            <a:solidFill>
-              <a:srgbClr val="000000"/>
-            </a:solidFill>
-            <a:miter lim="800000"/>
-            <a:headEnd/>
-            <a:tailEnd/>
-          </a:ln>
-        </p:spPr>
-      </p:sp>
-      <p:sp>
-        <p:nvSpPr>
-          <p:cNvPr id="89090" name="Notizenplatzhalter 2"/>
-          <p:cNvSpPr>
-            <a:spLocks noGrp="1"/>
-          </p:cNvSpPr>
-          <p:nvPr>
-            <p:ph type="body" idx="1"/>
-          </p:nvPr>
-        </p:nvSpPr>
-        <p:spPr bwMode="auto">
-          <a:noFill/>
-        </p:spPr>
-        <p:txBody>
-          <a:bodyPr wrap="square" numCol="1" anchor="t" anchorCtr="0" compatLnSpc="1">
-            <a:prstTxWarp prst="textNoShape">
-              <a:avLst/>
-            </a:prstTxWarp>
-          </a:bodyPr>
-          <a:lstStyle/>
-          <a:p>
-            <a:pPr>
-              <a:spcBef>
-                <a:spcPct val="0"/>
-              </a:spcBef>
-            </a:pPr>
-            <a:r>
-              <a:rPr lang="de-DE"/>
-              <a:t>Geschätzte Zeit:</a:t>
-            </a:r>
-          </a:p>
-          <a:p>
-            <a:pPr>
-              <a:spcBef>
-                <a:spcPct val="0"/>
-              </a:spcBef>
-            </a:pPr>
-            <a:r>
-              <a:rPr lang="de-DE"/>
-              <a:t>2:1h17</a:t>
-            </a:r>
-          </a:p>
-          <a:p>
-            <a:pPr>
-              <a:spcBef>
-                <a:spcPct val="0"/>
-              </a:spcBef>
-            </a:pPr>
-            <a:endParaRPr lang="de-DE"/>
-          </a:p>
-        </p:txBody>
-      </p:sp>
-      <p:sp>
-        <p:nvSpPr>
-          <p:cNvPr id="89091" name="Foliennummernplatzhalter 3"/>
-          <p:cNvSpPr>
-            <a:spLocks noGrp="1"/>
-          </p:cNvSpPr>
-          <p:nvPr>
-            <p:ph type="sldNum" sz="quarter" idx="5"/>
-          </p:nvPr>
-        </p:nvSpPr>
-        <p:spPr bwMode="auto">
-          <a:noFill/>
-          <a:ln>
-            <a:miter lim="800000"/>
-            <a:headEnd/>
-            <a:tailEnd/>
-          </a:ln>
-        </p:spPr>
-        <p:txBody>
-          <a:bodyPr wrap="square" numCol="1" anchorCtr="0" compatLnSpc="1">
-            <a:prstTxWarp prst="textNoShape">
-              <a:avLst/>
-            </a:prstTxWarp>
-          </a:bodyPr>
-          <a:lstStyle/>
-          <a:p>
-            <a:pPr fontAlgn="base">
-              <a:spcBef>
-                <a:spcPct val="0"/>
-              </a:spcBef>
-              <a:spcAft>
-                <a:spcPct val="0"/>
-              </a:spcAft>
-            </a:pPr>
-            <a:fld id="{E7F522B1-F345-421B-818C-DF117B6333CE}" type="slidenum">
-              <a:rPr lang="de-DE">
-                <a:cs typeface="Arial" charset="0"/>
-              </a:rPr>
-              <a:pPr fontAlgn="base">
-                <a:spcBef>
-                  <a:spcPct val="0"/>
-                </a:spcBef>
-                <a:spcAft>
-                  <a:spcPct val="0"/>
-                </a:spcAft>
-              </a:pPr>
-              <a:t>34</a:t>
-            </a:fld>
-            <a:endParaRPr lang="de-DE">
-              <a:cs typeface="Arial" charset="0"/>
-            </a:endParaRPr>
-          </a:p>
-        </p:txBody>
-      </p:sp>
-    </p:spTree>
-    <p:extLst>
-      <p:ext uri="{BB962C8B-B14F-4D97-AF65-F5344CB8AC3E}">
-        <p14:creationId xmlns:p14="http://schemas.microsoft.com/office/powerpoint/2010/main" val="4132265308"/>
-      </p:ext>
-    </p:extLst>
-  </p:cSld>
-  <p:clrMapOvr>
-    <a:masterClrMapping/>
-  </p:clrMapOvr>
-</p:notes>
-</file>
-
-<file path=ppt/notesSlides/notesSlide31.xml><?xml version="1.0" encoding="utf-8"?>
-<p:notes xmlns:a="http://schemas.openxmlformats.org/drawingml/2006/main" xmlns:r="http://schemas.openxmlformats.org/officeDocument/2006/relationships" xmlns:p="http://schemas.openxmlformats.org/presentationml/2006/main">
-  <p:cSld>
-    <p:spTree>
-      <p:nvGrpSpPr>
-        <p:cNvPr id="1" name=""/>
-        <p:cNvGrpSpPr/>
-        <p:nvPr/>
-      </p:nvGrpSpPr>
-      <p:grpSpPr>
-        <a:xfrm>
-          <a:off x="0" y="0"/>
-          <a:ext cx="0" cy="0"/>
-          <a:chOff x="0" y="0"/>
-          <a:chExt cx="0" cy="0"/>
-        </a:xfrm>
-      </p:grpSpPr>
-      <p:sp>
-        <p:nvSpPr>
-          <p:cNvPr id="91137" name="Folienbildplatzhalter 1"/>
-          <p:cNvSpPr>
-            <a:spLocks noGrp="1" noRot="1" noChangeAspect="1"/>
-          </p:cNvSpPr>
-          <p:nvPr>
-            <p:ph type="sldImg"/>
-          </p:nvPr>
-        </p:nvSpPr>
-        <p:spPr bwMode="auto">
-          <a:xfrm>
-            <a:off x="381000" y="685800"/>
-            <a:ext cx="6096000" cy="3429000"/>
-          </a:xfrm>
-          <a:noFill/>
-          <a:ln>
-            <a:solidFill>
-              <a:srgbClr val="000000"/>
-            </a:solidFill>
-            <a:miter lim="800000"/>
-            <a:headEnd/>
-            <a:tailEnd/>
-          </a:ln>
-        </p:spPr>
-      </p:sp>
-      <p:sp>
-        <p:nvSpPr>
-          <p:cNvPr id="91138" name="Notizenplatzhalter 2"/>
-          <p:cNvSpPr>
-            <a:spLocks noGrp="1"/>
-          </p:cNvSpPr>
-          <p:nvPr>
-            <p:ph type="body" idx="1"/>
-          </p:nvPr>
-        </p:nvSpPr>
-        <p:spPr bwMode="auto">
-          <a:noFill/>
-        </p:spPr>
-        <p:txBody>
-          <a:bodyPr wrap="square" numCol="1" anchor="t" anchorCtr="0" compatLnSpc="1">
-            <a:prstTxWarp prst="textNoShape">
-              <a:avLst/>
-            </a:prstTxWarp>
-          </a:bodyPr>
-          <a:lstStyle/>
-          <a:p>
-            <a:pPr>
-              <a:spcBef>
-                <a:spcPct val="0"/>
-              </a:spcBef>
-            </a:pPr>
-            <a:r>
-              <a:rPr lang="de-DE"/>
-              <a:t>Geschätzte Zeit:</a:t>
-            </a:r>
-          </a:p>
-          <a:p>
-            <a:pPr>
-              <a:spcBef>
-                <a:spcPct val="0"/>
-              </a:spcBef>
-            </a:pPr>
-            <a:r>
-              <a:rPr lang="de-DE"/>
-              <a:t>0:1h17</a:t>
-            </a:r>
-          </a:p>
-          <a:p>
-            <a:pPr>
-              <a:spcBef>
-                <a:spcPct val="0"/>
-              </a:spcBef>
-            </a:pPr>
-            <a:endParaRPr lang="de-DE"/>
-          </a:p>
-        </p:txBody>
-      </p:sp>
-      <p:sp>
-        <p:nvSpPr>
-          <p:cNvPr id="91139" name="Foliennummernplatzhalter 3"/>
-          <p:cNvSpPr>
-            <a:spLocks noGrp="1"/>
-          </p:cNvSpPr>
-          <p:nvPr>
-            <p:ph type="sldNum" sz="quarter" idx="5"/>
-          </p:nvPr>
-        </p:nvSpPr>
-        <p:spPr bwMode="auto">
-          <a:noFill/>
-          <a:ln>
-            <a:miter lim="800000"/>
-            <a:headEnd/>
-            <a:tailEnd/>
-          </a:ln>
-        </p:spPr>
-        <p:txBody>
-          <a:bodyPr wrap="square" numCol="1" anchorCtr="0" compatLnSpc="1">
-            <a:prstTxWarp prst="textNoShape">
-              <a:avLst/>
-            </a:prstTxWarp>
-          </a:bodyPr>
-          <a:lstStyle/>
-          <a:p>
-            <a:pPr fontAlgn="base">
-              <a:spcBef>
-                <a:spcPct val="0"/>
-              </a:spcBef>
-              <a:spcAft>
-                <a:spcPct val="0"/>
-              </a:spcAft>
-            </a:pPr>
-            <a:fld id="{8566B86D-F813-4767-821B-AC0967F38CB8}" type="slidenum">
-              <a:rPr lang="de-DE">
-                <a:cs typeface="Arial" charset="0"/>
-              </a:rPr>
-              <a:pPr fontAlgn="base">
-                <a:spcBef>
-                  <a:spcPct val="0"/>
-                </a:spcBef>
-                <a:spcAft>
-                  <a:spcPct val="0"/>
-                </a:spcAft>
-              </a:pPr>
-              <a:t>35</a:t>
-            </a:fld>
-            <a:endParaRPr lang="de-DE">
-              <a:cs typeface="Arial" charset="0"/>
-            </a:endParaRPr>
-          </a:p>
-        </p:txBody>
-      </p:sp>
-    </p:spTree>
-    <p:extLst>
-      <p:ext uri="{BB962C8B-B14F-4D97-AF65-F5344CB8AC3E}">
-        <p14:creationId xmlns:p14="http://schemas.microsoft.com/office/powerpoint/2010/main" val="1688802903"/>
-      </p:ext>
-    </p:extLst>
-  </p:cSld>
-  <p:clrMapOvr>
-    <a:masterClrMapping/>
-  </p:clrMapOvr>
-</p:notes>
-</file>
-
-<file path=ppt/notesSlides/notesSlide32.xml><?xml version="1.0" encoding="utf-8"?>
-<p:notes xmlns:a="http://schemas.openxmlformats.org/drawingml/2006/main" xmlns:r="http://schemas.openxmlformats.org/officeDocument/2006/relationships" xmlns:p="http://schemas.openxmlformats.org/presentationml/2006/main">
-  <p:cSld>
-    <p:spTree>
-      <p:nvGrpSpPr>
-        <p:cNvPr id="1" name=""/>
-        <p:cNvGrpSpPr/>
-        <p:nvPr/>
-      </p:nvGrpSpPr>
-      <p:grpSpPr>
-        <a:xfrm>
-          <a:off x="0" y="0"/>
-          <a:ext cx="0" cy="0"/>
-          <a:chOff x="0" y="0"/>
-          <a:chExt cx="0" cy="0"/>
-        </a:xfrm>
-      </p:grpSpPr>
-      <p:sp>
-        <p:nvSpPr>
           <p:cNvPr id="2" name="Folienbildplatzhalter 1"/>
           <p:cNvSpPr>
             <a:spLocks noGrp="1" noRot="1" noChangeAspect="1"/>
@@ -5084,7 +4757,7 @@
               <a:pPr>
                 <a:defRPr/>
               </a:pPr>
-              <a:t>36</a:t>
+              <a:t>34</a:t>
             </a:fld>
             <a:endParaRPr lang="de-DE"/>
           </a:p>
@@ -5094,168 +4767,6 @@
     <p:extLst>
       <p:ext uri="{BB962C8B-B14F-4D97-AF65-F5344CB8AC3E}">
         <p14:creationId xmlns:p14="http://schemas.microsoft.com/office/powerpoint/2010/main" val="2855086686"/>
-      </p:ext>
-    </p:extLst>
-  </p:cSld>
-  <p:clrMapOvr>
-    <a:masterClrMapping/>
-  </p:clrMapOvr>
-</p:notes>
-</file>
-
-<file path=ppt/notesSlides/notesSlide33.xml><?xml version="1.0" encoding="utf-8"?>
-<p:notes xmlns:a="http://schemas.openxmlformats.org/drawingml/2006/main" xmlns:r="http://schemas.openxmlformats.org/officeDocument/2006/relationships" xmlns:p="http://schemas.openxmlformats.org/presentationml/2006/main">
-  <p:cSld>
-    <p:spTree>
-      <p:nvGrpSpPr>
-        <p:cNvPr id="1" name=""/>
-        <p:cNvGrpSpPr/>
-        <p:nvPr/>
-      </p:nvGrpSpPr>
-      <p:grpSpPr>
-        <a:xfrm>
-          <a:off x="0" y="0"/>
-          <a:ext cx="0" cy="0"/>
-          <a:chOff x="0" y="0"/>
-          <a:chExt cx="0" cy="0"/>
-        </a:xfrm>
-      </p:grpSpPr>
-      <p:sp>
-        <p:nvSpPr>
-          <p:cNvPr id="96257" name="Folienbildplatzhalter 1"/>
-          <p:cNvSpPr>
-            <a:spLocks noGrp="1" noRot="1" noChangeAspect="1"/>
-          </p:cNvSpPr>
-          <p:nvPr>
-            <p:ph type="sldImg"/>
-          </p:nvPr>
-        </p:nvSpPr>
-        <p:spPr bwMode="auto">
-          <a:xfrm>
-            <a:off x="381000" y="685800"/>
-            <a:ext cx="6096000" cy="3429000"/>
-          </a:xfrm>
-          <a:noFill/>
-          <a:ln>
-            <a:solidFill>
-              <a:srgbClr val="000000"/>
-            </a:solidFill>
-            <a:miter lim="800000"/>
-            <a:headEnd/>
-            <a:tailEnd/>
-          </a:ln>
-        </p:spPr>
-      </p:sp>
-      <p:sp>
-        <p:nvSpPr>
-          <p:cNvPr id="96258" name="Notizenplatzhalter 2"/>
-          <p:cNvSpPr>
-            <a:spLocks noGrp="1"/>
-          </p:cNvSpPr>
-          <p:nvPr>
-            <p:ph type="body" idx="1"/>
-          </p:nvPr>
-        </p:nvSpPr>
-        <p:spPr bwMode="auto">
-          <a:noFill/>
-        </p:spPr>
-        <p:txBody>
-          <a:bodyPr wrap="square" numCol="1" anchor="t" anchorCtr="0" compatLnSpc="1">
-            <a:prstTxWarp prst="textNoShape">
-              <a:avLst/>
-            </a:prstTxWarp>
-          </a:bodyPr>
-          <a:lstStyle/>
-          <a:p>
-            <a:pPr>
-              <a:spcBef>
-                <a:spcPct val="0"/>
-              </a:spcBef>
-            </a:pPr>
-            <a:r>
-              <a:rPr lang="de-DE"/>
-              <a:t>Geschätzte Zeit:</a:t>
-            </a:r>
-          </a:p>
-          <a:p>
-            <a:pPr>
-              <a:spcBef>
-                <a:spcPct val="0"/>
-              </a:spcBef>
-            </a:pPr>
-            <a:r>
-              <a:rPr lang="de-DE"/>
-              <a:t>1:1h19</a:t>
-            </a:r>
-          </a:p>
-          <a:p>
-            <a:pPr>
-              <a:spcBef>
-                <a:spcPct val="0"/>
-              </a:spcBef>
-            </a:pPr>
-            <a:endParaRPr lang="de-DE"/>
-          </a:p>
-        </p:txBody>
-      </p:sp>
-      <p:sp>
-        <p:nvSpPr>
-          <p:cNvPr id="96259" name="Foliennummernplatzhalter 3"/>
-          <p:cNvSpPr>
-            <a:spLocks noGrp="1"/>
-          </p:cNvSpPr>
-          <p:nvPr>
-            <p:ph type="sldNum" sz="quarter" idx="5"/>
-          </p:nvPr>
-        </p:nvSpPr>
-        <p:spPr bwMode="auto">
-          <a:noFill/>
-          <a:ln>
-            <a:miter lim="800000"/>
-            <a:headEnd/>
-            <a:tailEnd/>
-          </a:ln>
-        </p:spPr>
-        <p:txBody>
-          <a:bodyPr wrap="square" numCol="1" anchorCtr="0" compatLnSpc="1">
-            <a:prstTxWarp prst="textNoShape">
-              <a:avLst/>
-            </a:prstTxWarp>
-          </a:bodyPr>
-          <a:lstStyle/>
-          <a:p>
-            <a:pPr fontAlgn="base">
-              <a:spcBef>
-                <a:spcPct val="0"/>
-              </a:spcBef>
-              <a:spcAft>
-                <a:spcPct val="0"/>
-              </a:spcAft>
-            </a:pPr>
-            <a:fld id="{47171741-9A25-4609-93ED-2E61A5B04534}" type="slidenum">
-              <a:rPr lang="de-DE">
-                <a:cs typeface="Arial" charset="0"/>
-              </a:rPr>
-              <a:pPr fontAlgn="base">
-                <a:spcBef>
-                  <a:spcPct val="0"/>
-                </a:spcBef>
-                <a:spcAft>
-                  <a:spcPct val="0"/>
-                </a:spcAft>
-              </a:pPr>
-              <a:t>37</a:t>
-            </a:fld>
-            <a:endParaRPr lang="de-DE">
-              <a:cs typeface="Arial" charset="0"/>
-            </a:endParaRPr>
-          </a:p>
-        </p:txBody>
-      </p:sp>
-    </p:spTree>
-    <p:extLst>
-      <p:ext uri="{BB962C8B-B14F-4D97-AF65-F5344CB8AC3E}">
-        <p14:creationId xmlns:p14="http://schemas.microsoft.com/office/powerpoint/2010/main" val="3431805431"/>
       </p:ext>
     </p:extLst>
   </p:cSld>
@@ -6445,7 +5956,7 @@
               <a:pPr>
                 <a:defRPr/>
               </a:pPr>
-              <a:t>22.11.2019</a:t>
+              <a:t>30.11.2019</a:t>
             </a:fld>
             <a:endParaRPr lang="de-DE"/>
           </a:p>
@@ -6755,7 +6266,7 @@
               <a:pPr>
                 <a:defRPr/>
               </a:pPr>
-              <a:t>22.11.2019</a:t>
+              <a:t>30.11.2019</a:t>
             </a:fld>
             <a:endParaRPr lang="de-DE"/>
           </a:p>
@@ -7199,7 +6710,7 @@
               <a:pPr>
                 <a:defRPr/>
               </a:pPr>
-              <a:t>22.11.2019</a:t>
+              <a:t>30.11.2019</a:t>
             </a:fld>
             <a:endParaRPr lang="de-DE"/>
           </a:p>
@@ -7341,7 +6852,7 @@
               <a:pPr>
                 <a:defRPr/>
               </a:pPr>
-              <a:t>22.11.2019</a:t>
+              <a:t>30.11.2019</a:t>
             </a:fld>
             <a:endParaRPr lang="de-DE"/>
           </a:p>
@@ -7461,7 +6972,7 @@
               <a:pPr>
                 <a:defRPr/>
               </a:pPr>
-              <a:t>22.11.2019</a:t>
+              <a:t>30.11.2019</a:t>
             </a:fld>
             <a:endParaRPr lang="de-DE"/>
           </a:p>
@@ -7761,7 +7272,7 @@
               <a:pPr>
                 <a:defRPr/>
               </a:pPr>
-              <a:t>22.11.2019</a:t>
+              <a:t>30.11.2019</a:t>
             </a:fld>
             <a:endParaRPr lang="de-DE"/>
           </a:p>
@@ -8044,7 +7555,7 @@
               <a:pPr>
                 <a:defRPr/>
               </a:pPr>
-              <a:t>22.11.2019</a:t>
+              <a:t>30.11.2019</a:t>
             </a:fld>
             <a:endParaRPr lang="de-DE"/>
           </a:p>
@@ -8237,7 +7748,7 @@
               <a:pPr>
                 <a:defRPr/>
               </a:pPr>
-              <a:t>22.11.2019</a:t>
+              <a:t>30.11.2019</a:t>
             </a:fld>
             <a:endParaRPr lang="de-DE"/>
           </a:p>
@@ -8440,7 +7951,7 @@
               <a:pPr>
                 <a:defRPr/>
               </a:pPr>
-              <a:t>22.11.2019</a:t>
+              <a:t>30.11.2019</a:t>
             </a:fld>
             <a:endParaRPr lang="de-DE"/>
           </a:p>
@@ -8735,7 +8246,7 @@
               <a:pPr>
                 <a:defRPr/>
               </a:pPr>
-              <a:t>22.11.2019</a:t>
+              <a:t>30.11.2019</a:t>
             </a:fld>
             <a:endParaRPr lang="de-DE"/>
           </a:p>
@@ -9120,7 +8631,7 @@
               <a:pPr>
                 <a:defRPr/>
               </a:pPr>
-              <a:t>22.11.2019</a:t>
+              <a:t>30.11.2019</a:t>
             </a:fld>
             <a:endParaRPr lang="de-DE"/>
           </a:p>
@@ -9511,7 +9022,7 @@
               <a:pPr>
                 <a:defRPr/>
               </a:pPr>
-              <a:t>22.11.2019</a:t>
+              <a:t>30.11.2019</a:t>
             </a:fld>
             <a:endParaRPr lang="de-DE"/>
           </a:p>
@@ -9905,7 +9416,7 @@
               <a:pPr>
                 <a:defRPr/>
               </a:pPr>
-              <a:t>22.11.2019</a:t>
+              <a:t>30.11.2019</a:t>
             </a:fld>
             <a:endParaRPr lang="de-DE"/>
           </a:p>
@@ -10442,7 +9953,7 @@
               <a:pPr>
                 <a:defRPr/>
               </a:pPr>
-              <a:t>22.11.2019</a:t>
+              <a:t>30.11.2019</a:t>
             </a:fld>
             <a:endParaRPr lang="de-DE"/>
           </a:p>
@@ -10754,7 +10265,7 @@
               <a:pPr>
                 <a:defRPr/>
               </a:pPr>
-              <a:t>22.11.2019</a:t>
+              <a:t>30.11.2019</a:t>
             </a:fld>
             <a:endParaRPr lang="de-DE"/>
           </a:p>
@@ -11079,7 +10590,7 @@
               <a:pPr>
                 <a:defRPr/>
               </a:pPr>
-              <a:t>22.11.2019</a:t>
+              <a:t>30.11.2019</a:t>
             </a:fld>
             <a:endParaRPr lang="de-DE"/>
           </a:p>
@@ -11354,7 +10865,7 @@
               <a:pPr>
                 <a:defRPr/>
               </a:pPr>
-              <a:t>22.11.2019</a:t>
+              <a:t>30.11.2019</a:t>
             </a:fld>
             <a:endParaRPr lang="de-DE"/>
           </a:p>
@@ -11613,7 +11124,7 @@
               <a:pPr>
                 <a:defRPr/>
               </a:pPr>
-              <a:t>22.11.2019</a:t>
+              <a:t>30.11.2019</a:t>
             </a:fld>
             <a:endParaRPr lang="de-DE"/>
           </a:p>
@@ -17353,7 +16864,61 @@
                 </a:solidFill>
                 <a:latin typeface="Consolas" pitchFamily="49" charset="0"/>
               </a:rPr>
-              <a:t>// Zugriff nur in dieser Klasse</a:t>
+              <a:t>// </a:t>
+            </a:r>
+            <a:r>
+              <a:rPr lang="de-DE" sz="1200" dirty="0" smtClean="0">
+                <a:solidFill>
+                  <a:srgbClr val="3F7F5F"/>
+                </a:solidFill>
+                <a:latin typeface="Consolas" pitchFamily="49" charset="0"/>
+              </a:rPr>
+              <a:t>Access </a:t>
+            </a:r>
+            <a:r>
+              <a:rPr lang="de-DE" sz="1200" dirty="0" err="1" smtClean="0">
+                <a:solidFill>
+                  <a:srgbClr val="3F7F5F"/>
+                </a:solidFill>
+                <a:latin typeface="Consolas" pitchFamily="49" charset="0"/>
+              </a:rPr>
+              <a:t>only</a:t>
+            </a:r>
+            <a:r>
+              <a:rPr lang="de-DE" sz="1200" dirty="0" smtClean="0">
+                <a:solidFill>
+                  <a:srgbClr val="3F7F5F"/>
+                </a:solidFill>
+                <a:latin typeface="Consolas" pitchFamily="49" charset="0"/>
+              </a:rPr>
+              <a:t> in </a:t>
+            </a:r>
+            <a:r>
+              <a:rPr lang="de-DE" sz="1200" dirty="0" err="1" smtClean="0">
+                <a:solidFill>
+                  <a:srgbClr val="3F7F5F"/>
+                </a:solidFill>
+                <a:latin typeface="Consolas" pitchFamily="49" charset="0"/>
+              </a:rPr>
+              <a:t>this</a:t>
+            </a:r>
+            <a:r>
+              <a:rPr lang="de-DE" sz="1200" dirty="0" smtClean="0">
+                <a:solidFill>
+                  <a:srgbClr val="3F7F5F"/>
+                </a:solidFill>
+                <a:latin typeface="Consolas" pitchFamily="49" charset="0"/>
+              </a:rPr>
+              <a:t> </a:t>
+            </a:r>
+            <a:r>
+              <a:rPr lang="de-DE" sz="1200" dirty="0" err="1" smtClean="0">
+                <a:solidFill>
+                  <a:srgbClr val="3F7F5F"/>
+                </a:solidFill>
+                <a:latin typeface="Consolas" pitchFamily="49" charset="0"/>
+              </a:rPr>
+              <a:t>class</a:t>
             </a:r>
             <a:endParaRPr lang="de-DE" sz="1200" dirty="0">
               <a:solidFill>
@@ -17711,13 +17276,40 @@
               <a:t>  } </a:t>
             </a:r>
             <a:r>
-              <a:rPr lang="de-DE" sz="1200" dirty="0">
+              <a:rPr lang="de-DE" sz="1200" dirty="0" smtClean="0">
                 <a:solidFill>
                   <a:srgbClr val="3F7F5F"/>
                 </a:solidFill>
                 <a:latin typeface="Consolas" pitchFamily="49" charset="0"/>
               </a:rPr>
-              <a:t>//nicht sichtbar genug</a:t>
+              <a:t>//not </a:t>
+            </a:r>
+            <a:r>
+              <a:rPr lang="de-DE" sz="1200" dirty="0" err="1" smtClean="0">
+                <a:solidFill>
+                  <a:srgbClr val="3F7F5F"/>
+                </a:solidFill>
+                <a:latin typeface="Consolas" pitchFamily="49" charset="0"/>
+              </a:rPr>
+              <a:t>visible</a:t>
+            </a:r>
+            <a:r>
+              <a:rPr lang="de-DE" sz="1200" dirty="0" smtClean="0">
+                <a:solidFill>
+                  <a:srgbClr val="3F7F5F"/>
+                </a:solidFill>
+                <a:latin typeface="Consolas" pitchFamily="49" charset="0"/>
+              </a:rPr>
+              <a:t> </a:t>
+            </a:r>
+            <a:r>
+              <a:rPr lang="de-DE" sz="1200" dirty="0" err="1" smtClean="0">
+                <a:solidFill>
+                  <a:srgbClr val="3F7F5F"/>
+                </a:solidFill>
+                <a:latin typeface="Consolas" pitchFamily="49" charset="0"/>
+              </a:rPr>
+              <a:t>enough</a:t>
             </a:r>
             <a:r>
               <a:rPr lang="de-DE" sz="1200" dirty="0">
@@ -23333,7 +22925,7 @@
 </file>
 
 <file path=ppt/slides/slide18.xml><?xml version="1.0" encoding="utf-8"?>
-<p:sld xmlns:a="http://schemas.openxmlformats.org/drawingml/2006/main" xmlns:r="http://schemas.openxmlformats.org/officeDocument/2006/relationships" xmlns:p="http://schemas.openxmlformats.org/presentationml/2006/main" show="0">
+<p:sld xmlns:a="http://schemas.openxmlformats.org/drawingml/2006/main" xmlns:r="http://schemas.openxmlformats.org/officeDocument/2006/relationships" xmlns:p="http://schemas.openxmlformats.org/presentationml/2006/main">
   <p:cSld>
     <p:spTree>
       <p:nvGrpSpPr>
@@ -23351,7 +22943,368 @@
       </p:grpSpPr>
       <p:sp>
         <p:nvSpPr>
-          <p:cNvPr id="41985" name="Titel 1"/>
+          <p:cNvPr id="6" name="Inhaltsplatzhalter 5"/>
+          <p:cNvSpPr>
+            <a:spLocks noGrp="1"/>
+          </p:cNvSpPr>
+          <p:nvPr>
+            <p:ph idx="1"/>
+          </p:nvPr>
+        </p:nvSpPr>
+        <p:spPr/>
+        <p:txBody>
+          <a:bodyPr/>
+          <a:lstStyle/>
+          <a:p>
+            <a:r>
+              <a:rPr lang="de-DE" dirty="0" err="1" smtClean="0"/>
+              <a:t>Implement</a:t>
+            </a:r>
+            <a:r>
+              <a:rPr lang="de-DE" dirty="0" smtClean="0"/>
+              <a:t> a </a:t>
+            </a:r>
+            <a:r>
+              <a:rPr lang="de-DE" dirty="0" err="1" smtClean="0"/>
+              <a:t>class</a:t>
+            </a:r>
+            <a:r>
+              <a:rPr lang="de-DE" dirty="0" smtClean="0"/>
+              <a:t> Stack </a:t>
+            </a:r>
+            <a:r>
+              <a:rPr lang="de-DE" dirty="0" err="1" smtClean="0"/>
+              <a:t>based</a:t>
+            </a:r>
+            <a:r>
+              <a:rPr lang="de-DE" dirty="0" smtClean="0"/>
+              <a:t> </a:t>
+            </a:r>
+            <a:r>
+              <a:rPr lang="de-DE" smtClean="0"/>
+              <a:t>on an </a:t>
+            </a:r>
+            <a:r>
+              <a:rPr lang="de-DE" dirty="0" err="1" smtClean="0"/>
+              <a:t>array</a:t>
+            </a:r>
+            <a:r>
+              <a:rPr lang="de-DE" dirty="0" smtClean="0"/>
+              <a:t> </a:t>
+            </a:r>
+            <a:r>
+              <a:rPr lang="de-DE" dirty="0" err="1" smtClean="0"/>
+              <a:t>to</a:t>
+            </a:r>
+            <a:r>
+              <a:rPr lang="de-DE" dirty="0" smtClean="0"/>
+              <a:t> </a:t>
+            </a:r>
+            <a:r>
+              <a:rPr lang="de-DE" dirty="0" err="1" smtClean="0"/>
+              <a:t>store</a:t>
+            </a:r>
+            <a:r>
+              <a:rPr lang="de-DE" dirty="0" smtClean="0"/>
+              <a:t> Strings</a:t>
+            </a:r>
+            <a:endParaRPr lang="de-DE" dirty="0"/>
+          </a:p>
+          <a:p>
+            <a:r>
+              <a:rPr lang="de-DE" dirty="0" err="1" smtClean="0"/>
+              <a:t>It</a:t>
+            </a:r>
+            <a:r>
+              <a:rPr lang="de-DE" dirty="0" smtClean="0"/>
+              <a:t> </a:t>
+            </a:r>
+            <a:r>
+              <a:rPr lang="de-DE" dirty="0" err="1" smtClean="0"/>
+              <a:t>should</a:t>
+            </a:r>
+            <a:r>
+              <a:rPr lang="de-DE" dirty="0" smtClean="0"/>
+              <a:t> </a:t>
+            </a:r>
+            <a:r>
+              <a:rPr lang="de-DE" dirty="0" err="1" smtClean="0"/>
+              <a:t>provide</a:t>
+            </a:r>
+            <a:r>
+              <a:rPr lang="de-DE" dirty="0" smtClean="0"/>
+              <a:t> </a:t>
+            </a:r>
+            <a:r>
+              <a:rPr lang="de-DE" dirty="0" err="1" smtClean="0"/>
+              <a:t>the</a:t>
+            </a:r>
+            <a:r>
+              <a:rPr lang="de-DE" dirty="0" smtClean="0"/>
+              <a:t> </a:t>
+            </a:r>
+            <a:r>
+              <a:rPr lang="de-DE" dirty="0" err="1" smtClean="0"/>
+              <a:t>methods</a:t>
+            </a:r>
+            <a:r>
+              <a:rPr lang="de-DE" dirty="0" smtClean="0"/>
+              <a:t>:</a:t>
+            </a:r>
+          </a:p>
+          <a:p>
+            <a:pPr lvl="1"/>
+            <a:r>
+              <a:rPr lang="de-DE" dirty="0" smtClean="0"/>
+              <a:t>push: </a:t>
+            </a:r>
+            <a:r>
+              <a:rPr lang="de-DE" dirty="0" err="1" smtClean="0"/>
+              <a:t>adds</a:t>
+            </a:r>
+            <a:r>
+              <a:rPr lang="de-DE" dirty="0" smtClean="0"/>
+              <a:t> a </a:t>
+            </a:r>
+            <a:r>
+              <a:rPr lang="de-DE" dirty="0" err="1" smtClean="0"/>
+              <a:t>string</a:t>
+            </a:r>
+            <a:r>
+              <a:rPr lang="de-DE" dirty="0" smtClean="0"/>
+              <a:t> </a:t>
+            </a:r>
+            <a:r>
+              <a:rPr lang="de-DE" dirty="0" err="1" smtClean="0"/>
+              <a:t>to</a:t>
+            </a:r>
+            <a:r>
+              <a:rPr lang="de-DE" dirty="0" smtClean="0"/>
+              <a:t> </a:t>
+            </a:r>
+            <a:r>
+              <a:rPr lang="de-DE" dirty="0" err="1" smtClean="0"/>
+              <a:t>the</a:t>
+            </a:r>
+            <a:r>
+              <a:rPr lang="de-DE" dirty="0" smtClean="0"/>
+              <a:t> </a:t>
+            </a:r>
+            <a:r>
+              <a:rPr lang="de-DE" dirty="0" err="1" smtClean="0"/>
+              <a:t>stack</a:t>
+            </a:r>
+            <a:endParaRPr lang="de-DE" dirty="0" smtClean="0"/>
+          </a:p>
+          <a:p>
+            <a:pPr lvl="1"/>
+            <a:r>
+              <a:rPr lang="de-DE" dirty="0" err="1" smtClean="0"/>
+              <a:t>pop</a:t>
+            </a:r>
+            <a:r>
+              <a:rPr lang="de-DE" dirty="0" smtClean="0"/>
+              <a:t>: </a:t>
+            </a:r>
+            <a:r>
+              <a:rPr lang="de-DE" dirty="0" err="1" smtClean="0"/>
+              <a:t>removes</a:t>
+            </a:r>
+            <a:r>
+              <a:rPr lang="de-DE" dirty="0" smtClean="0"/>
+              <a:t> </a:t>
+            </a:r>
+            <a:r>
+              <a:rPr lang="de-DE" dirty="0" err="1" smtClean="0"/>
+              <a:t>the</a:t>
+            </a:r>
+            <a:r>
+              <a:rPr lang="de-DE" dirty="0" smtClean="0"/>
+              <a:t> top </a:t>
+            </a:r>
+            <a:r>
+              <a:rPr lang="de-DE" dirty="0" err="1" smtClean="0"/>
+              <a:t>string</a:t>
+            </a:r>
+            <a:r>
+              <a:rPr lang="de-DE" dirty="0" smtClean="0"/>
+              <a:t> </a:t>
+            </a:r>
+            <a:r>
+              <a:rPr lang="de-DE" dirty="0" err="1" smtClean="0"/>
+              <a:t>from</a:t>
+            </a:r>
+            <a:r>
+              <a:rPr lang="de-DE" dirty="0" smtClean="0"/>
+              <a:t> </a:t>
+            </a:r>
+            <a:r>
+              <a:rPr lang="de-DE" dirty="0" err="1" smtClean="0"/>
+              <a:t>the</a:t>
+            </a:r>
+            <a:r>
+              <a:rPr lang="de-DE" dirty="0" smtClean="0"/>
+              <a:t> </a:t>
+            </a:r>
+            <a:r>
+              <a:rPr lang="de-DE" dirty="0" err="1" smtClean="0"/>
+              <a:t>stack</a:t>
+            </a:r>
+            <a:endParaRPr lang="de-DE" dirty="0" smtClean="0"/>
+          </a:p>
+          <a:p>
+            <a:pPr lvl="1"/>
+            <a:r>
+              <a:rPr lang="de-DE" dirty="0" err="1" smtClean="0"/>
+              <a:t>peek</a:t>
+            </a:r>
+            <a:r>
+              <a:rPr lang="de-DE" dirty="0" smtClean="0"/>
+              <a:t>: </a:t>
+            </a:r>
+            <a:r>
+              <a:rPr lang="de-DE" dirty="0" err="1" smtClean="0"/>
+              <a:t>shows</a:t>
+            </a:r>
+            <a:r>
+              <a:rPr lang="de-DE" dirty="0" smtClean="0"/>
+              <a:t> </a:t>
+            </a:r>
+            <a:r>
+              <a:rPr lang="de-DE" dirty="0" err="1" smtClean="0"/>
+              <a:t>the</a:t>
+            </a:r>
+            <a:r>
+              <a:rPr lang="de-DE" dirty="0" smtClean="0"/>
+              <a:t> top </a:t>
+            </a:r>
+            <a:r>
+              <a:rPr lang="de-DE" dirty="0" err="1" smtClean="0"/>
+              <a:t>string</a:t>
+            </a:r>
+            <a:r>
+              <a:rPr lang="de-DE" dirty="0" smtClean="0"/>
+              <a:t> </a:t>
+            </a:r>
+            <a:r>
+              <a:rPr lang="de-DE" dirty="0" err="1" smtClean="0"/>
+              <a:t>from</a:t>
+            </a:r>
+            <a:r>
+              <a:rPr lang="de-DE" dirty="0" smtClean="0"/>
+              <a:t> </a:t>
+            </a:r>
+            <a:r>
+              <a:rPr lang="de-DE" dirty="0" err="1" smtClean="0"/>
+              <a:t>the</a:t>
+            </a:r>
+            <a:r>
+              <a:rPr lang="de-DE" dirty="0" smtClean="0"/>
+              <a:t> </a:t>
+            </a:r>
+            <a:r>
+              <a:rPr lang="de-DE" dirty="0" err="1" smtClean="0"/>
+              <a:t>stack</a:t>
+            </a:r>
+            <a:r>
+              <a:rPr lang="de-DE" dirty="0" smtClean="0"/>
+              <a:t> </a:t>
+            </a:r>
+            <a:r>
+              <a:rPr lang="de-DE" dirty="0" err="1" smtClean="0"/>
+              <a:t>without</a:t>
+            </a:r>
+            <a:r>
+              <a:rPr lang="de-DE" dirty="0" smtClean="0"/>
+              <a:t> </a:t>
+            </a:r>
+            <a:r>
+              <a:rPr lang="de-DE" dirty="0" err="1" smtClean="0"/>
+              <a:t>removing</a:t>
+            </a:r>
+            <a:r>
+              <a:rPr lang="de-DE" dirty="0" smtClean="0"/>
+              <a:t> </a:t>
+            </a:r>
+            <a:r>
+              <a:rPr lang="de-DE" dirty="0" err="1" smtClean="0"/>
+              <a:t>it</a:t>
+            </a:r>
+            <a:endParaRPr lang="de-DE" dirty="0"/>
+          </a:p>
+          <a:p>
+            <a:r>
+              <a:rPr lang="de-DE" dirty="0" err="1" smtClean="0"/>
+              <a:t>Remember</a:t>
+            </a:r>
+            <a:r>
+              <a:rPr lang="de-DE" dirty="0" smtClean="0"/>
+              <a:t>: Last in, </a:t>
+            </a:r>
+            <a:r>
+              <a:rPr lang="de-DE" dirty="0" err="1" smtClean="0"/>
+              <a:t>first</a:t>
+            </a:r>
+            <a:r>
+              <a:rPr lang="de-DE" dirty="0" smtClean="0"/>
+              <a:t> out, just like a </a:t>
+            </a:r>
+            <a:r>
+              <a:rPr lang="de-DE" dirty="0" err="1" smtClean="0"/>
+              <a:t>stack</a:t>
+            </a:r>
+            <a:r>
+              <a:rPr lang="de-DE" dirty="0" smtClean="0"/>
+              <a:t> </a:t>
+            </a:r>
+            <a:r>
+              <a:rPr lang="de-DE" dirty="0" err="1" smtClean="0"/>
+              <a:t>of</a:t>
+            </a:r>
+            <a:r>
+              <a:rPr lang="de-DE" dirty="0" smtClean="0"/>
+              <a:t> </a:t>
+            </a:r>
+            <a:r>
+              <a:rPr lang="de-DE" dirty="0" err="1" smtClean="0"/>
+              <a:t>trays</a:t>
+            </a:r>
+            <a:endParaRPr lang="en-US" dirty="0"/>
+          </a:p>
+        </p:txBody>
+      </p:sp>
+      <p:sp>
+        <p:nvSpPr>
+          <p:cNvPr id="4" name="Foliennummernplatzhalter 3"/>
+          <p:cNvSpPr>
+            <a:spLocks noGrp="1"/>
+          </p:cNvSpPr>
+          <p:nvPr>
+            <p:ph type="sldNum" sz="quarter" idx="12"/>
+          </p:nvPr>
+        </p:nvSpPr>
+        <p:spPr/>
+        <p:txBody>
+          <a:bodyPr/>
+          <a:lstStyle/>
+          <a:p>
+            <a:pPr>
+              <a:defRPr/>
+            </a:pPr>
+            <a:fld id="{C0B85308-4B91-4084-B5EB-6B176834447A}" type="slidenum">
+              <a:rPr lang="de-DE" smtClean="0"/>
+              <a:pPr>
+                <a:defRPr/>
+              </a:pPr>
+              <a:t>18</a:t>
+            </a:fld>
+            <a:endParaRPr lang="de-DE" dirty="0"/>
+          </a:p>
+        </p:txBody>
+      </p:sp>
+      <p:sp>
+        <p:nvSpPr>
+          <p:cNvPr id="5" name="Titel 4"/>
           <p:cNvSpPr>
             <a:spLocks noGrp="1"/>
           </p:cNvSpPr>
@@ -23365,752 +23318,32 @@
           <a:lstStyle/>
           <a:p>
             <a:r>
-              <a:rPr lang="de-DE" dirty="0"/>
-              <a:t>Verbesserung III</a:t>
-            </a:r>
-          </a:p>
-        </p:txBody>
-      </p:sp>
-      <p:sp>
-        <p:nvSpPr>
-          <p:cNvPr id="41986" name="Inhaltsplatzhalter 2"/>
-          <p:cNvSpPr>
-            <a:spLocks noGrp="1"/>
-          </p:cNvSpPr>
-          <p:nvPr>
-            <p:ph idx="1"/>
-          </p:nvPr>
-        </p:nvSpPr>
-        <p:spPr/>
-        <p:txBody>
-          <a:bodyPr/>
-          <a:lstStyle/>
-          <a:p>
-            <a:r>
-              <a:rPr lang="de-DE" dirty="0"/>
-              <a:t>Fest definierte Schnittstelle ermöglicht volle Kontrolle über Ein- und Ausgang der Daten</a:t>
-            </a:r>
-          </a:p>
-          <a:p>
-            <a:pPr lvl="1"/>
-            <a:r>
-              <a:rPr lang="de-DE" dirty="0"/>
-              <a:t>Bereinigung von Daten</a:t>
-            </a:r>
-          </a:p>
-          <a:p>
-            <a:pPr lvl="1"/>
-            <a:r>
-              <a:rPr lang="de-DE" dirty="0"/>
-              <a:t>Prüfen, ob gewisse Aktionen erlaubt sind</a:t>
-            </a:r>
-          </a:p>
-          <a:p>
-            <a:pPr lvl="1"/>
-            <a:r>
-              <a:rPr lang="de-DE" dirty="0"/>
-              <a:t>Änderungen am Code betreffen nur eine bestimmte Stelle</a:t>
-            </a:r>
-          </a:p>
-        </p:txBody>
-      </p:sp>
-      <p:sp>
-        <p:nvSpPr>
-          <p:cNvPr id="5" name="Foliennummernplatzhalter 4"/>
-          <p:cNvSpPr>
-            <a:spLocks noGrp="1"/>
-          </p:cNvSpPr>
-          <p:nvPr>
-            <p:ph type="sldNum" sz="quarter" idx="12"/>
-          </p:nvPr>
-        </p:nvSpPr>
-        <p:spPr/>
-        <p:txBody>
-          <a:bodyPr/>
-          <a:lstStyle/>
-          <a:p>
-            <a:pPr>
-              <a:defRPr/>
-            </a:pPr>
-            <a:fld id="{86B01D84-EF27-4064-85A0-AC90B7AEAB8F}" type="slidenum">
-              <a:rPr lang="de-DE"/>
-              <a:pPr>
-                <a:defRPr/>
-              </a:pPr>
-              <a:t>18</a:t>
-            </a:fld>
-            <a:endParaRPr lang="de-DE"/>
-          </a:p>
-        </p:txBody>
-      </p:sp>
-      <p:sp>
-        <p:nvSpPr>
-          <p:cNvPr id="41987" name="Rechteck 3"/>
-          <p:cNvSpPr>
-            <a:spLocks noChangeArrowheads="1"/>
-          </p:cNvSpPr>
-          <p:nvPr/>
-        </p:nvSpPr>
-        <p:spPr bwMode="auto">
-          <a:xfrm>
-            <a:off x="2279576" y="3861048"/>
-            <a:ext cx="7704856" cy="2893100"/>
-          </a:xfrm>
-          <a:prstGeom prst="rect">
-            <a:avLst/>
-          </a:prstGeom>
-          <a:noFill/>
-          <a:ln w="9525">
-            <a:noFill/>
-            <a:miter lim="800000"/>
-            <a:headEnd/>
-            <a:tailEnd/>
-          </a:ln>
-        </p:spPr>
-        <p:txBody>
-          <a:bodyPr wrap="square">
-            <a:spAutoFit/>
-          </a:bodyPr>
-          <a:lstStyle/>
-          <a:p>
-            <a:r>
-              <a:rPr lang="en-US" sz="1400" b="1" dirty="0">
-                <a:solidFill>
-                  <a:srgbClr val="7F0055"/>
-                </a:solidFill>
-                <a:latin typeface="Consolas"/>
-              </a:rPr>
-              <a:t>public</a:t>
-            </a:r>
-            <a:r>
-              <a:rPr lang="en-US" sz="1400" b="1" dirty="0">
-                <a:solidFill>
-                  <a:srgbClr val="000000"/>
-                </a:solidFill>
-                <a:latin typeface="Consolas"/>
-              </a:rPr>
-              <a:t> </a:t>
-            </a:r>
-            <a:r>
-              <a:rPr lang="en-US" sz="1400" b="1" dirty="0" err="1">
-                <a:solidFill>
-                  <a:srgbClr val="7F0055"/>
-                </a:solidFill>
-                <a:latin typeface="Consolas"/>
-              </a:rPr>
-              <a:t>boolean</a:t>
-            </a:r>
-            <a:r>
-              <a:rPr lang="en-US" sz="1400" b="1" dirty="0">
-                <a:solidFill>
-                  <a:srgbClr val="000000"/>
-                </a:solidFill>
-                <a:latin typeface="Consolas"/>
-              </a:rPr>
-              <a:t> </a:t>
-            </a:r>
-            <a:r>
-              <a:rPr lang="en-US" sz="1400" dirty="0">
-                <a:solidFill>
-                  <a:srgbClr val="000000"/>
-                </a:solidFill>
-                <a:latin typeface="Consolas"/>
-              </a:rPr>
-              <a:t>withdraw(</a:t>
-            </a:r>
-            <a:r>
-              <a:rPr lang="en-US" sz="1400" b="1" dirty="0">
-                <a:solidFill>
-                  <a:srgbClr val="7F0055"/>
-                </a:solidFill>
-                <a:latin typeface="Consolas"/>
-              </a:rPr>
-              <a:t>double</a:t>
-            </a:r>
-            <a:r>
-              <a:rPr lang="en-US" sz="1400" dirty="0">
-                <a:solidFill>
-                  <a:srgbClr val="000000"/>
-                </a:solidFill>
-                <a:latin typeface="Consolas"/>
-              </a:rPr>
-              <a:t> amount) {</a:t>
-            </a:r>
-          </a:p>
-          <a:p>
-            <a:r>
-              <a:rPr lang="en-US" sz="1400" b="1" dirty="0">
-                <a:solidFill>
-                  <a:srgbClr val="7F0055"/>
-                </a:solidFill>
-                <a:latin typeface="Consolas"/>
-              </a:rPr>
-              <a:t>  if</a:t>
-            </a:r>
-            <a:r>
-              <a:rPr lang="en-US" sz="1400" b="1" dirty="0">
-                <a:solidFill>
-                  <a:srgbClr val="000000"/>
-                </a:solidFill>
-                <a:latin typeface="Consolas"/>
-              </a:rPr>
-              <a:t> (</a:t>
-            </a:r>
-            <a:r>
-              <a:rPr lang="en-US" sz="1400" b="1" dirty="0" err="1">
-                <a:solidFill>
-                  <a:srgbClr val="7F0055"/>
-                </a:solidFill>
-                <a:latin typeface="Consolas"/>
-              </a:rPr>
-              <a:t>this</a:t>
-            </a:r>
-            <a:r>
-              <a:rPr lang="en-US" sz="1400" b="1" dirty="0" err="1">
-                <a:solidFill>
-                  <a:srgbClr val="000000"/>
-                </a:solidFill>
-                <a:latin typeface="Consolas"/>
-              </a:rPr>
-              <a:t>.</a:t>
-            </a:r>
-            <a:r>
-              <a:rPr lang="en-US" sz="1400" dirty="0" err="1">
-                <a:solidFill>
-                  <a:srgbClr val="0000C0"/>
-                </a:solidFill>
-                <a:latin typeface="Consolas"/>
-              </a:rPr>
-              <a:t>balance</a:t>
-            </a:r>
-            <a:r>
-              <a:rPr lang="en-US" sz="1400" dirty="0">
-                <a:solidFill>
-                  <a:srgbClr val="000000"/>
-                </a:solidFill>
-                <a:latin typeface="Consolas"/>
-              </a:rPr>
-              <a:t> &lt; amount) {</a:t>
-            </a:r>
-          </a:p>
-          <a:p>
-            <a:r>
-              <a:rPr lang="de-DE" sz="1400" dirty="0">
-                <a:solidFill>
-                  <a:srgbClr val="000000"/>
-                </a:solidFill>
-                <a:latin typeface="Consolas"/>
-              </a:rPr>
-              <a:t>    </a:t>
-            </a:r>
-            <a:r>
-              <a:rPr lang="de-DE" sz="1400" dirty="0" err="1">
-                <a:solidFill>
-                  <a:srgbClr val="000000"/>
-                </a:solidFill>
-                <a:latin typeface="Consolas"/>
-              </a:rPr>
-              <a:t>System.</a:t>
-            </a:r>
-            <a:r>
-              <a:rPr lang="de-DE" sz="1400" dirty="0" err="1">
-                <a:solidFill>
-                  <a:srgbClr val="0000C0"/>
-                </a:solidFill>
-                <a:latin typeface="Consolas"/>
-              </a:rPr>
-              <a:t>out</a:t>
-            </a:r>
-            <a:r>
-              <a:rPr lang="de-DE" sz="1400" dirty="0" err="1">
-                <a:solidFill>
-                  <a:srgbClr val="000000"/>
-                </a:solidFill>
-                <a:latin typeface="Consolas"/>
-              </a:rPr>
-              <a:t>.println</a:t>
-            </a:r>
-            <a:r>
-              <a:rPr lang="de-DE" sz="1400" dirty="0">
-                <a:solidFill>
-                  <a:srgbClr val="000000"/>
-                </a:solidFill>
-                <a:latin typeface="Consolas"/>
-              </a:rPr>
-              <a:t>(</a:t>
-            </a:r>
-            <a:r>
-              <a:rPr lang="de-DE" sz="1400" dirty="0">
-                <a:solidFill>
-                  <a:srgbClr val="2A00FF"/>
-                </a:solidFill>
-                <a:latin typeface="Consolas"/>
-              </a:rPr>
-              <a:t>"So viel Geld hast du nicht. Du kannst nur "</a:t>
-            </a:r>
-          </a:p>
-          <a:p>
-            <a:r>
-              <a:rPr lang="en-US" sz="1400" dirty="0">
-                <a:solidFill>
-                  <a:srgbClr val="000000"/>
-                </a:solidFill>
-                <a:latin typeface="Consolas"/>
-              </a:rPr>
-              <a:t>          + </a:t>
-            </a:r>
-            <a:r>
-              <a:rPr lang="en-US" sz="1400" b="1" dirty="0" err="1">
-                <a:solidFill>
-                  <a:srgbClr val="7F0055"/>
-                </a:solidFill>
-                <a:latin typeface="Consolas"/>
-              </a:rPr>
-              <a:t>this</a:t>
-            </a:r>
-            <a:r>
-              <a:rPr lang="en-US" sz="1400" b="1" dirty="0" err="1">
-                <a:solidFill>
-                  <a:srgbClr val="000000"/>
-                </a:solidFill>
-                <a:latin typeface="Consolas"/>
-              </a:rPr>
-              <a:t>.</a:t>
-            </a:r>
-            <a:r>
-              <a:rPr lang="en-US" sz="1400" dirty="0" err="1">
-                <a:solidFill>
-                  <a:srgbClr val="0000C0"/>
-                </a:solidFill>
-                <a:latin typeface="Consolas"/>
-              </a:rPr>
-              <a:t>balance</a:t>
-            </a:r>
-            <a:r>
-              <a:rPr lang="en-US" sz="1400" dirty="0">
-                <a:solidFill>
-                  <a:srgbClr val="000000"/>
-                </a:solidFill>
-                <a:latin typeface="Consolas"/>
-              </a:rPr>
-              <a:t> + </a:t>
-            </a:r>
-            <a:r>
-              <a:rPr lang="en-US" sz="1400" dirty="0">
-                <a:solidFill>
-                  <a:srgbClr val="2A00FF"/>
-                </a:solidFill>
-                <a:latin typeface="Consolas"/>
-              </a:rPr>
-              <a:t>" </a:t>
-            </a:r>
-            <a:r>
-              <a:rPr lang="en-US" sz="1400" dirty="0" err="1">
-                <a:solidFill>
-                  <a:srgbClr val="2A00FF"/>
-                </a:solidFill>
-                <a:latin typeface="Consolas"/>
-              </a:rPr>
-              <a:t>abheben</a:t>
-            </a:r>
-            <a:r>
-              <a:rPr lang="en-US" sz="1400" dirty="0">
-                <a:solidFill>
-                  <a:srgbClr val="2A00FF"/>
-                </a:solidFill>
-                <a:latin typeface="Consolas"/>
-              </a:rPr>
-              <a:t>"</a:t>
-            </a:r>
-            <a:r>
-              <a:rPr lang="en-US" sz="1400" dirty="0">
-                <a:solidFill>
-                  <a:srgbClr val="000000"/>
-                </a:solidFill>
-                <a:latin typeface="Consolas"/>
-              </a:rPr>
-              <a:t>);</a:t>
-            </a:r>
-          </a:p>
-          <a:p>
-            <a:r>
-              <a:rPr lang="en-US" sz="1400" dirty="0">
-                <a:solidFill>
-                  <a:srgbClr val="000000"/>
-                </a:solidFill>
-                <a:latin typeface="Consolas"/>
-              </a:rPr>
-              <a:t>    </a:t>
-            </a:r>
-            <a:r>
-              <a:rPr lang="en-US" sz="1400" b="1" dirty="0">
-                <a:solidFill>
-                  <a:srgbClr val="7F0055"/>
-                </a:solidFill>
-                <a:latin typeface="Consolas"/>
-              </a:rPr>
-              <a:t>return false;</a:t>
-            </a:r>
-            <a:endParaRPr lang="en-US" sz="1400" dirty="0">
-              <a:solidFill>
-                <a:srgbClr val="000000"/>
-              </a:solidFill>
-              <a:latin typeface="Consolas"/>
-            </a:endParaRPr>
-          </a:p>
-          <a:p>
-            <a:r>
-              <a:rPr lang="en-US" sz="1400" dirty="0">
-                <a:solidFill>
-                  <a:srgbClr val="000000"/>
-                </a:solidFill>
-                <a:latin typeface="Consolas"/>
-              </a:rPr>
-              <a:t>  } </a:t>
-            </a:r>
-            <a:r>
-              <a:rPr lang="en-US" sz="1400" b="1" dirty="0">
-                <a:solidFill>
-                  <a:srgbClr val="7F0055"/>
-                </a:solidFill>
-                <a:latin typeface="Consolas"/>
-              </a:rPr>
-              <a:t>else</a:t>
-            </a:r>
-            <a:r>
-              <a:rPr lang="en-US" sz="1400" b="1" dirty="0">
-                <a:solidFill>
-                  <a:srgbClr val="000000"/>
-                </a:solidFill>
-                <a:latin typeface="Consolas"/>
-              </a:rPr>
-              <a:t> </a:t>
-            </a:r>
-            <a:r>
-              <a:rPr lang="en-US" sz="1400" b="1" dirty="0">
-                <a:solidFill>
-                  <a:srgbClr val="7F0055"/>
-                </a:solidFill>
-                <a:latin typeface="Consolas"/>
-              </a:rPr>
-              <a:t>if</a:t>
-            </a:r>
-            <a:r>
-              <a:rPr lang="en-US" sz="1400" b="1" dirty="0">
-                <a:solidFill>
-                  <a:srgbClr val="000000"/>
-                </a:solidFill>
-                <a:latin typeface="Consolas"/>
-              </a:rPr>
-              <a:t> </a:t>
-            </a:r>
-            <a:r>
-              <a:rPr lang="en-US" sz="1400" dirty="0">
-                <a:solidFill>
-                  <a:srgbClr val="000000"/>
-                </a:solidFill>
-                <a:latin typeface="Consolas"/>
-              </a:rPr>
-              <a:t>(amount &lt; 0) {</a:t>
-            </a:r>
-          </a:p>
-          <a:p>
-            <a:r>
-              <a:rPr lang="de-DE" sz="1400" dirty="0">
-                <a:solidFill>
-                  <a:srgbClr val="000000"/>
-                </a:solidFill>
-                <a:latin typeface="Consolas"/>
-              </a:rPr>
-              <a:t>      </a:t>
-            </a:r>
-            <a:r>
-              <a:rPr lang="de-DE" sz="1400" dirty="0" err="1">
-                <a:solidFill>
-                  <a:srgbClr val="000000"/>
-                </a:solidFill>
-                <a:latin typeface="Consolas"/>
-              </a:rPr>
-              <a:t>System.</a:t>
-            </a:r>
-            <a:r>
-              <a:rPr lang="de-DE" sz="1400" i="1" dirty="0" err="1">
-                <a:solidFill>
-                  <a:srgbClr val="0000C0"/>
-                </a:solidFill>
-                <a:latin typeface="Consolas"/>
-              </a:rPr>
-              <a:t>out</a:t>
-            </a:r>
-            <a:r>
-              <a:rPr lang="de-DE" sz="1400" i="1" dirty="0" err="1">
-                <a:solidFill>
-                  <a:srgbClr val="000000"/>
-                </a:solidFill>
-                <a:latin typeface="Consolas"/>
-              </a:rPr>
-              <a:t>.</a:t>
-            </a:r>
-            <a:r>
-              <a:rPr lang="de-DE" sz="1400" dirty="0" err="1">
-                <a:solidFill>
-                  <a:srgbClr val="000000"/>
-                </a:solidFill>
-                <a:latin typeface="Consolas"/>
-              </a:rPr>
-              <a:t>println</a:t>
-            </a:r>
-            <a:r>
-              <a:rPr lang="de-DE" sz="1400" dirty="0">
-                <a:solidFill>
-                  <a:srgbClr val="000000"/>
-                </a:solidFill>
-                <a:latin typeface="Consolas"/>
-              </a:rPr>
-              <a:t>(</a:t>
-            </a:r>
-            <a:r>
-              <a:rPr lang="de-DE" sz="1400" dirty="0">
-                <a:solidFill>
-                  <a:srgbClr val="2A00FF"/>
-                </a:solidFill>
-                <a:latin typeface="Consolas"/>
-              </a:rPr>
-              <a:t>"Das geht leider nicht"</a:t>
-            </a:r>
-            <a:r>
-              <a:rPr lang="de-DE" sz="1400" dirty="0">
-                <a:solidFill>
-                  <a:srgbClr val="000000"/>
-                </a:solidFill>
-                <a:latin typeface="Consolas"/>
-              </a:rPr>
-              <a:t>);</a:t>
-            </a:r>
-          </a:p>
-          <a:p>
-            <a:r>
-              <a:rPr lang="de-DE" sz="1400" dirty="0">
-                <a:solidFill>
-                  <a:srgbClr val="000000"/>
-                </a:solidFill>
-                <a:latin typeface="Consolas"/>
-              </a:rPr>
-              <a:t>    </a:t>
-            </a:r>
-            <a:r>
-              <a:rPr lang="en-US" sz="1400" b="1" dirty="0">
-                <a:solidFill>
-                  <a:srgbClr val="7F0055"/>
-                </a:solidFill>
-                <a:latin typeface="Consolas"/>
-              </a:rPr>
-              <a:t>return false;</a:t>
-            </a:r>
-            <a:endParaRPr lang="de-DE" sz="1400" dirty="0">
-              <a:solidFill>
-                <a:srgbClr val="000000"/>
-              </a:solidFill>
-              <a:latin typeface="Consolas"/>
-            </a:endParaRPr>
-          </a:p>
-          <a:p>
-            <a:r>
-              <a:rPr lang="en-US" sz="1400" dirty="0">
-                <a:solidFill>
-                  <a:srgbClr val="000000"/>
-                </a:solidFill>
-                <a:latin typeface="Consolas"/>
-              </a:rPr>
-              <a:t>  } </a:t>
-            </a:r>
-            <a:r>
-              <a:rPr lang="en-US" sz="1400" b="1" dirty="0">
-                <a:solidFill>
-                  <a:srgbClr val="7F0055"/>
-                </a:solidFill>
-                <a:latin typeface="Consolas"/>
-              </a:rPr>
-              <a:t>else </a:t>
-            </a:r>
-            <a:r>
-              <a:rPr lang="en-US" sz="1400" dirty="0">
-                <a:solidFill>
-                  <a:srgbClr val="000000"/>
-                </a:solidFill>
-                <a:latin typeface="Consolas"/>
-              </a:rPr>
-              <a:t>{</a:t>
-            </a:r>
-            <a:endParaRPr lang="en-US" sz="1400" b="1" dirty="0">
-              <a:solidFill>
-                <a:srgbClr val="7F0055"/>
-              </a:solidFill>
-              <a:latin typeface="Consolas"/>
-            </a:endParaRPr>
-          </a:p>
-          <a:p>
-            <a:r>
-              <a:rPr lang="en-US" sz="1400" b="1" dirty="0">
-                <a:solidFill>
-                  <a:srgbClr val="7F0055"/>
-                </a:solidFill>
-                <a:latin typeface="Consolas"/>
-              </a:rPr>
-              <a:t>      </a:t>
-            </a:r>
-            <a:r>
-              <a:rPr lang="en-US" sz="1400" b="1" dirty="0" err="1">
-                <a:solidFill>
-                  <a:srgbClr val="7F0055"/>
-                </a:solidFill>
-                <a:latin typeface="Consolas"/>
-              </a:rPr>
-              <a:t>this</a:t>
-            </a:r>
-            <a:r>
-              <a:rPr lang="en-US" sz="1400" b="1" dirty="0" err="1">
-                <a:solidFill>
-                  <a:srgbClr val="000000"/>
-                </a:solidFill>
-                <a:latin typeface="Consolas"/>
-              </a:rPr>
-              <a:t>.</a:t>
-            </a:r>
-            <a:r>
-              <a:rPr lang="en-US" sz="1400" dirty="0" err="1">
-                <a:solidFill>
-                  <a:srgbClr val="0000C0"/>
-                </a:solidFill>
-                <a:latin typeface="Consolas"/>
-              </a:rPr>
-              <a:t>balance</a:t>
-            </a:r>
-            <a:r>
-              <a:rPr lang="en-US" sz="1400" b="1" dirty="0">
-                <a:solidFill>
-                  <a:srgbClr val="000000"/>
-                </a:solidFill>
-                <a:latin typeface="Consolas"/>
-              </a:rPr>
-              <a:t> = </a:t>
-            </a:r>
-            <a:r>
-              <a:rPr lang="en-US" sz="1400" b="1" dirty="0" err="1">
-                <a:solidFill>
-                  <a:srgbClr val="7F0055"/>
-                </a:solidFill>
-                <a:latin typeface="Consolas"/>
-              </a:rPr>
-              <a:t>this</a:t>
-            </a:r>
-            <a:r>
-              <a:rPr lang="en-US" sz="1400" b="1" dirty="0" err="1">
-                <a:solidFill>
-                  <a:srgbClr val="000000"/>
-                </a:solidFill>
-                <a:latin typeface="Consolas"/>
-              </a:rPr>
-              <a:t>.</a:t>
-            </a:r>
-            <a:r>
-              <a:rPr lang="en-US" sz="1400" dirty="0" err="1">
-                <a:solidFill>
-                  <a:srgbClr val="0000C0"/>
-                </a:solidFill>
-                <a:latin typeface="Consolas"/>
-              </a:rPr>
-              <a:t>balance</a:t>
-            </a:r>
-            <a:r>
-              <a:rPr lang="en-US" sz="1400" dirty="0">
-                <a:solidFill>
-                  <a:srgbClr val="000000"/>
-                </a:solidFill>
-                <a:latin typeface="Consolas"/>
-              </a:rPr>
-              <a:t> - amount</a:t>
-            </a:r>
-            <a:r>
-              <a:rPr lang="en-US" sz="1400" b="1" dirty="0">
-                <a:solidFill>
-                  <a:srgbClr val="000000"/>
-                </a:solidFill>
-                <a:latin typeface="Consolas"/>
-              </a:rPr>
-              <a:t>;</a:t>
-            </a:r>
-          </a:p>
-          <a:p>
-            <a:r>
-              <a:rPr lang="en-US" sz="1400" b="1" dirty="0">
-                <a:solidFill>
-                  <a:srgbClr val="7F0055"/>
-                </a:solidFill>
-                <a:latin typeface="Consolas"/>
-              </a:rPr>
-              <a:t>      return true;</a:t>
-            </a:r>
-          </a:p>
-          <a:p>
-            <a:r>
-              <a:rPr lang="en-US" sz="1400" dirty="0">
-                <a:solidFill>
-                  <a:srgbClr val="000000"/>
-                </a:solidFill>
-                <a:latin typeface="Consolas"/>
-              </a:rPr>
-              <a:t>  }</a:t>
-            </a:r>
-            <a:endParaRPr lang="en-US" sz="1400" b="1" dirty="0">
-              <a:solidFill>
-                <a:srgbClr val="000000"/>
-              </a:solidFill>
-              <a:latin typeface="Consolas"/>
-            </a:endParaRPr>
-          </a:p>
-          <a:p>
-            <a:r>
-              <a:rPr lang="en-US" sz="1400" dirty="0">
-                <a:solidFill>
-                  <a:srgbClr val="000000"/>
-                </a:solidFill>
-                <a:latin typeface="Consolas"/>
-              </a:rPr>
-              <a:t>}</a:t>
-            </a:r>
-            <a:endParaRPr lang="de-DE" sz="1400" dirty="0">
-              <a:solidFill>
-                <a:srgbClr val="000000"/>
-              </a:solidFill>
-              <a:latin typeface="Consolas" pitchFamily="49" charset="0"/>
-            </a:endParaRPr>
+              <a:rPr lang="de-DE" dirty="0" err="1" smtClean="0"/>
+              <a:t>Programming</a:t>
+            </a:r>
+            <a:r>
+              <a:rPr lang="de-DE" dirty="0" smtClean="0"/>
+              <a:t> Task</a:t>
+            </a:r>
+            <a:endParaRPr lang="en-US" dirty="0"/>
           </a:p>
         </p:txBody>
       </p:sp>
     </p:spTree>
     <p:extLst>
       <p:ext uri="{BB962C8B-B14F-4D97-AF65-F5344CB8AC3E}">
-        <p14:creationId xmlns:p14="http://schemas.microsoft.com/office/powerpoint/2010/main" val="879474697"/>
+        <p14:creationId xmlns:p14="http://schemas.microsoft.com/office/powerpoint/2010/main" val="915919989"/>
       </p:ext>
     </p:extLst>
   </p:cSld>
   <p:clrMapOvr>
     <a:masterClrMapping/>
   </p:clrMapOvr>
-  <mc:AlternateContent xmlns:mc="http://schemas.openxmlformats.org/markup-compatibility/2006" xmlns:p14="http://schemas.microsoft.com/office/powerpoint/2010/main">
-    <mc:Choice Requires="p14">
-      <p:transition spd="slow" p14:dur="2000"/>
-    </mc:Choice>
-    <mc:Fallback xmlns="">
-      <p:transition spd="slow"/>
-    </mc:Fallback>
-  </mc:AlternateContent>
 </p:sld>
 </file>
 
 <file path=ppt/slides/slide19.xml><?xml version="1.0" encoding="utf-8"?>
-<p:sld xmlns:a="http://schemas.openxmlformats.org/drawingml/2006/main" xmlns:r="http://schemas.openxmlformats.org/officeDocument/2006/relationships" xmlns:p="http://schemas.openxmlformats.org/presentationml/2006/main" show="0">
+<p:sld xmlns:a="http://schemas.openxmlformats.org/drawingml/2006/main" xmlns:r="http://schemas.openxmlformats.org/officeDocument/2006/relationships" xmlns:p="http://schemas.openxmlformats.org/presentationml/2006/main">
   <p:cSld>
     <p:spTree>
       <p:nvGrpSpPr>
@@ -24128,412 +23361,138 @@
       </p:grpSpPr>
       <p:sp>
         <p:nvSpPr>
-          <p:cNvPr id="66561" name="Titel 1"/>
-          <p:cNvSpPr>
-            <a:spLocks noGrp="1"/>
-          </p:cNvSpPr>
-          <p:nvPr>
-            <p:ph type="title"/>
-          </p:nvPr>
+          <p:cNvPr id="2" name="Rechteck 1"/>
+          <p:cNvSpPr/>
+          <p:nvPr/>
         </p:nvSpPr>
-        <p:spPr/>
+        <p:spPr>
+          <a:xfrm>
+            <a:off x="1416051" y="-100013"/>
+            <a:ext cx="9504363" cy="6985001"/>
+          </a:xfrm>
+          <a:prstGeom prst="rect">
+            <a:avLst/>
+          </a:prstGeom>
+          <a:solidFill>
+            <a:srgbClr val="FFC000"/>
+          </a:solidFill>
+          <a:ln>
+            <a:noFill/>
+          </a:ln>
+        </p:spPr>
+        <p:style>
+          <a:lnRef idx="2">
+            <a:schemeClr val="accent1">
+              <a:shade val="50000"/>
+            </a:schemeClr>
+          </a:lnRef>
+          <a:fillRef idx="1">
+            <a:schemeClr val="accent1"/>
+          </a:fillRef>
+          <a:effectRef idx="0">
+            <a:schemeClr val="accent1"/>
+          </a:effectRef>
+          <a:fontRef idx="minor">
+            <a:schemeClr val="lt1"/>
+          </a:fontRef>
+        </p:style>
         <p:txBody>
-          <a:bodyPr/>
+          <a:bodyPr anchor="ctr"/>
           <a:lstStyle/>
           <a:p>
-            <a:r>
-              <a:rPr lang="de-DE" dirty="0" err="1"/>
-              <a:t>Static</a:t>
-            </a:r>
-            <a:r>
-              <a:rPr lang="de-DE" dirty="0"/>
-              <a:t> </a:t>
-            </a:r>
-            <a:r>
-              <a:rPr lang="de-DE" dirty="0" err="1" smtClean="0"/>
-              <a:t>with</a:t>
-            </a:r>
-            <a:r>
-              <a:rPr lang="de-DE" dirty="0" smtClean="0"/>
-              <a:t> Packages</a:t>
-            </a:r>
+            <a:pPr algn="ctr" fontAlgn="auto">
+              <a:spcBef>
+                <a:spcPts val="0"/>
+              </a:spcBef>
+              <a:spcAft>
+                <a:spcPts val="0"/>
+              </a:spcAft>
+              <a:defRPr/>
+            </a:pPr>
             <a:endParaRPr lang="de-DE" dirty="0"/>
           </a:p>
         </p:txBody>
       </p:sp>
       <p:sp>
         <p:nvSpPr>
-          <p:cNvPr id="66562" name="Inhaltsplatzhalter 2"/>
-          <p:cNvSpPr>
-            <a:spLocks noGrp="1"/>
+          <p:cNvPr id="48130" name="Textfeld 2"/>
+          <p:cNvSpPr txBox="1">
+            <a:spLocks noChangeArrowheads="1"/>
           </p:cNvSpPr>
-          <p:nvPr>
-            <p:ph idx="1"/>
-          </p:nvPr>
+          <p:nvPr/>
         </p:nvSpPr>
-        <p:spPr/>
+        <p:spPr bwMode="auto">
+          <a:xfrm>
+            <a:off x="1919289" y="1916113"/>
+            <a:ext cx="3660874" cy="830997"/>
+          </a:xfrm>
+          <a:prstGeom prst="rect">
+            <a:avLst/>
+          </a:prstGeom>
+          <a:noFill/>
+          <a:ln w="9525">
+            <a:noFill/>
+            <a:miter lim="800000"/>
+            <a:headEnd/>
+            <a:tailEnd/>
+          </a:ln>
+        </p:spPr>
         <p:txBody>
-          <a:bodyPr>
-            <a:normAutofit/>
+          <a:bodyPr wrap="none">
+            <a:spAutoFit/>
           </a:bodyPr>
           <a:lstStyle/>
           <a:p>
             <a:r>
-              <a:rPr lang="de-DE" sz="2800" dirty="0" err="1" smtClean="0"/>
-              <a:t>When</a:t>
-            </a:r>
-            <a:r>
-              <a:rPr lang="de-DE" sz="2800" dirty="0" smtClean="0"/>
-              <a:t> </a:t>
-            </a:r>
-            <a:r>
-              <a:rPr lang="de-DE" sz="2800" dirty="0" err="1" smtClean="0"/>
-              <a:t>using</a:t>
-            </a:r>
-            <a:r>
-              <a:rPr lang="de-DE" sz="2800" dirty="0" smtClean="0"/>
-              <a:t> </a:t>
-            </a:r>
-            <a:r>
-              <a:rPr lang="de-DE" sz="2800" dirty="0" err="1" smtClean="0"/>
-              <a:t>static</a:t>
-            </a:r>
-            <a:r>
-              <a:rPr lang="de-DE" sz="2800" dirty="0" smtClean="0"/>
-              <a:t> </a:t>
-            </a:r>
-            <a:r>
-              <a:rPr lang="de-DE" sz="2800" dirty="0" err="1" smtClean="0"/>
-              <a:t>methods</a:t>
-            </a:r>
-            <a:r>
-              <a:rPr lang="de-DE" sz="2800" dirty="0" smtClean="0"/>
-              <a:t> </a:t>
-            </a:r>
-            <a:r>
-              <a:rPr lang="de-DE" sz="2800" dirty="0" err="1" smtClean="0"/>
-              <a:t>from</a:t>
-            </a:r>
-            <a:r>
-              <a:rPr lang="de-DE" sz="2800" dirty="0" smtClean="0"/>
-              <a:t> a </a:t>
-            </a:r>
-            <a:r>
-              <a:rPr lang="de-DE" sz="2800" dirty="0" err="1" smtClean="0"/>
-              <a:t>class</a:t>
-            </a:r>
-            <a:endParaRPr lang="de-DE" sz="2800" dirty="0" smtClean="0"/>
-          </a:p>
-          <a:p>
-            <a:pPr lvl="1"/>
-            <a:r>
-              <a:rPr lang="de-DE" dirty="0" err="1" smtClean="0">
-                <a:latin typeface="Consolas" pitchFamily="49" charset="0"/>
-                <a:cs typeface="Consolas" pitchFamily="49" charset="0"/>
-              </a:rPr>
-              <a:t>import</a:t>
-            </a:r>
-            <a:r>
-              <a:rPr lang="de-DE" dirty="0" smtClean="0">
-                <a:latin typeface="Consolas" pitchFamily="49" charset="0"/>
-                <a:cs typeface="Consolas" pitchFamily="49" charset="0"/>
-              </a:rPr>
-              <a:t> </a:t>
-            </a:r>
-            <a:r>
-              <a:rPr lang="de-DE" dirty="0" err="1">
-                <a:solidFill>
-                  <a:srgbClr val="FF0000"/>
-                </a:solidFill>
-                <a:latin typeface="Consolas" pitchFamily="49" charset="0"/>
-                <a:cs typeface="Consolas" pitchFamily="49" charset="0"/>
-              </a:rPr>
-              <a:t>static</a:t>
-            </a:r>
-            <a:r>
-              <a:rPr lang="de-DE" dirty="0">
-                <a:solidFill>
-                  <a:srgbClr val="FF0000"/>
-                </a:solidFill>
-                <a:latin typeface="Consolas" pitchFamily="49" charset="0"/>
-                <a:cs typeface="Consolas" pitchFamily="49" charset="0"/>
-              </a:rPr>
-              <a:t> </a:t>
-            </a:r>
-            <a:r>
-              <a:rPr lang="de-DE" sz="2800" dirty="0" smtClean="0"/>
-              <a:t>[</a:t>
-            </a:r>
-            <a:r>
-              <a:rPr lang="de-DE" sz="2800" dirty="0" err="1" smtClean="0"/>
-              <a:t>packagename</a:t>
-            </a:r>
-            <a:r>
-              <a:rPr lang="de-DE" sz="2800" dirty="0" smtClean="0"/>
-              <a:t>].[</a:t>
-            </a:r>
-            <a:r>
-              <a:rPr lang="de-DE" sz="2800" dirty="0" err="1" smtClean="0"/>
-              <a:t>classname</a:t>
-            </a:r>
-            <a:r>
-              <a:rPr lang="de-DE" sz="2800" dirty="0" smtClean="0"/>
-              <a:t>].[</a:t>
-            </a:r>
-            <a:r>
-              <a:rPr lang="de-DE" sz="2800" dirty="0" err="1" smtClean="0"/>
-              <a:t>methodname</a:t>
-            </a:r>
-            <a:r>
-              <a:rPr lang="de-DE" sz="2800" dirty="0"/>
-              <a:t>]</a:t>
-            </a:r>
-          </a:p>
-          <a:p>
-            <a:pPr lvl="1"/>
-            <a:r>
-              <a:rPr lang="de-DE" dirty="0" err="1">
-                <a:latin typeface="Consolas" pitchFamily="49" charset="0"/>
-                <a:cs typeface="Consolas" pitchFamily="49" charset="0"/>
-              </a:rPr>
-              <a:t>import</a:t>
-            </a:r>
-            <a:r>
-              <a:rPr lang="de-DE" dirty="0">
-                <a:latin typeface="Consolas" pitchFamily="49" charset="0"/>
-                <a:cs typeface="Consolas" pitchFamily="49" charset="0"/>
-              </a:rPr>
-              <a:t> </a:t>
-            </a:r>
-            <a:r>
-              <a:rPr lang="de-DE" dirty="0" err="1">
-                <a:latin typeface="Consolas" pitchFamily="49" charset="0"/>
-                <a:cs typeface="Consolas" pitchFamily="49" charset="0"/>
-              </a:rPr>
-              <a:t>static</a:t>
-            </a:r>
-            <a:r>
-              <a:rPr lang="de-DE" dirty="0">
-                <a:latin typeface="Consolas" pitchFamily="49" charset="0"/>
-                <a:cs typeface="Consolas" pitchFamily="49" charset="0"/>
-              </a:rPr>
-              <a:t> </a:t>
-            </a:r>
-            <a:r>
-              <a:rPr lang="de-DE" dirty="0" err="1">
-                <a:latin typeface="Consolas" pitchFamily="49" charset="0"/>
-                <a:cs typeface="Consolas" pitchFamily="49" charset="0"/>
-              </a:rPr>
-              <a:t>java.lang.Math.sqrt</a:t>
-            </a:r>
-            <a:r>
-              <a:rPr lang="de-DE" dirty="0">
-                <a:latin typeface="Consolas" pitchFamily="49" charset="0"/>
-                <a:cs typeface="Consolas" pitchFamily="49" charset="0"/>
-              </a:rPr>
-              <a:t>;</a:t>
-            </a:r>
-            <a:r>
-              <a:rPr lang="de-DE" sz="2800" dirty="0"/>
-              <a:t> </a:t>
-            </a:r>
-            <a:r>
-              <a:rPr lang="de-DE" sz="2800" dirty="0" err="1" smtClean="0"/>
-              <a:t>you</a:t>
-            </a:r>
-            <a:r>
-              <a:rPr lang="de-DE" sz="2800" dirty="0" smtClean="0"/>
-              <a:t> </a:t>
-            </a:r>
-            <a:r>
-              <a:rPr lang="de-DE" sz="2800" dirty="0" err="1" smtClean="0"/>
-              <a:t>can</a:t>
-            </a:r>
-            <a:r>
-              <a:rPr lang="de-DE" sz="2800" dirty="0" smtClean="0"/>
-              <a:t> </a:t>
-            </a:r>
-            <a:r>
-              <a:rPr lang="de-DE" sz="2800" dirty="0" err="1" smtClean="0"/>
-              <a:t>call</a:t>
-            </a:r>
-            <a:r>
-              <a:rPr lang="de-DE" sz="2800" dirty="0" smtClean="0"/>
-              <a:t> </a:t>
-            </a:r>
-            <a:r>
-              <a:rPr lang="de-DE" sz="2800" dirty="0" err="1">
-                <a:latin typeface="Consolas" pitchFamily="49" charset="0"/>
-                <a:cs typeface="Consolas" pitchFamily="49" charset="0"/>
-              </a:rPr>
-              <a:t>sqrt</a:t>
-            </a:r>
-            <a:r>
-              <a:rPr lang="de-DE" sz="2800" dirty="0" smtClean="0">
-                <a:latin typeface="Consolas" pitchFamily="49" charset="0"/>
-                <a:cs typeface="Consolas" pitchFamily="49" charset="0"/>
-              </a:rPr>
-              <a:t>(…)</a:t>
-            </a:r>
-            <a:r>
-              <a:rPr lang="de-DE" sz="2800" dirty="0" smtClean="0">
-                <a:latin typeface="+mj-lt"/>
-                <a:cs typeface="Consolas" pitchFamily="49" charset="0"/>
-              </a:rPr>
-              <a:t>, </a:t>
-            </a:r>
-            <a:r>
-              <a:rPr lang="de-DE" sz="2800" dirty="0" err="1" smtClean="0">
-                <a:latin typeface="+mj-lt"/>
-                <a:cs typeface="Consolas" pitchFamily="49" charset="0"/>
-              </a:rPr>
-              <a:t>instead</a:t>
-            </a:r>
-            <a:r>
-              <a:rPr lang="de-DE" sz="2800" dirty="0" smtClean="0">
-                <a:latin typeface="+mj-lt"/>
-                <a:cs typeface="Consolas" pitchFamily="49" charset="0"/>
-              </a:rPr>
-              <a:t> </a:t>
-            </a:r>
-            <a:r>
-              <a:rPr lang="de-DE" sz="2800" dirty="0" err="1" smtClean="0">
-                <a:latin typeface="+mj-lt"/>
-                <a:cs typeface="Consolas" pitchFamily="49" charset="0"/>
-              </a:rPr>
-              <a:t>of</a:t>
-            </a:r>
-            <a:r>
-              <a:rPr lang="de-DE" sz="2800" dirty="0" smtClean="0">
-                <a:latin typeface="Consolas" pitchFamily="49" charset="0"/>
-                <a:cs typeface="Consolas" pitchFamily="49" charset="0"/>
-              </a:rPr>
-              <a:t> </a:t>
-            </a:r>
-            <a:r>
-              <a:rPr lang="de-DE" sz="2800" dirty="0" err="1" smtClean="0">
-                <a:latin typeface="Consolas" pitchFamily="49" charset="0"/>
-                <a:cs typeface="Consolas" pitchFamily="49" charset="0"/>
-              </a:rPr>
-              <a:t>Math.sqrt</a:t>
-            </a:r>
-            <a:r>
-              <a:rPr lang="de-DE" sz="2800" dirty="0">
-                <a:latin typeface="Consolas" pitchFamily="49" charset="0"/>
-                <a:cs typeface="Consolas" pitchFamily="49" charset="0"/>
-              </a:rPr>
-              <a:t>(…)</a:t>
-            </a:r>
-          </a:p>
-          <a:p>
-            <a:pPr lvl="1"/>
-            <a:r>
-              <a:rPr lang="de-DE" sz="2800" dirty="0" smtClean="0"/>
-              <a:t>Also in </a:t>
-            </a:r>
-            <a:r>
-              <a:rPr lang="de-DE" sz="2800" dirty="0" err="1" smtClean="0"/>
-              <a:t>combination</a:t>
-            </a:r>
-            <a:r>
-              <a:rPr lang="de-DE" sz="2800" dirty="0" smtClean="0"/>
-              <a:t> </a:t>
-            </a:r>
-            <a:r>
-              <a:rPr lang="de-DE" sz="2800" dirty="0" err="1" smtClean="0"/>
-              <a:t>with</a:t>
-            </a:r>
-            <a:r>
-              <a:rPr lang="de-DE" sz="2800" dirty="0" smtClean="0"/>
-              <a:t> </a:t>
-            </a:r>
-            <a:r>
-              <a:rPr lang="de-DE" sz="2800" dirty="0" err="1" smtClean="0"/>
-              <a:t>wildcard</a:t>
-            </a:r>
-            <a:endParaRPr lang="de-DE" sz="2800" dirty="0" smtClean="0"/>
-          </a:p>
-          <a:p>
-            <a:pPr lvl="2"/>
-            <a:r>
-              <a:rPr lang="de-DE" sz="1800" dirty="0" err="1" smtClean="0">
-                <a:latin typeface="Consolas" pitchFamily="49" charset="0"/>
-                <a:cs typeface="Consolas" pitchFamily="49" charset="0"/>
-              </a:rPr>
-              <a:t>import</a:t>
-            </a:r>
-            <a:r>
-              <a:rPr lang="de-DE" sz="1800" dirty="0" smtClean="0">
-                <a:latin typeface="Consolas" pitchFamily="49" charset="0"/>
-                <a:cs typeface="Consolas" pitchFamily="49" charset="0"/>
-              </a:rPr>
-              <a:t> </a:t>
-            </a:r>
-            <a:r>
-              <a:rPr lang="de-DE" sz="1800" dirty="0" err="1">
-                <a:latin typeface="Consolas" pitchFamily="49" charset="0"/>
-                <a:cs typeface="Consolas" pitchFamily="49" charset="0"/>
-              </a:rPr>
-              <a:t>static</a:t>
-            </a:r>
-            <a:r>
-              <a:rPr lang="de-DE" sz="1800" dirty="0">
-                <a:latin typeface="Consolas" pitchFamily="49" charset="0"/>
-                <a:cs typeface="Consolas" pitchFamily="49" charset="0"/>
-              </a:rPr>
-              <a:t> java.lang.Math.* </a:t>
-            </a:r>
-          </a:p>
-          <a:p>
-            <a:pPr lvl="2"/>
-            <a:r>
-              <a:rPr lang="de-DE" sz="1800" dirty="0" err="1" smtClean="0"/>
-              <a:t>imports</a:t>
-            </a:r>
-            <a:r>
-              <a:rPr lang="de-DE" sz="1800" dirty="0" smtClean="0"/>
-              <a:t> all </a:t>
-            </a:r>
-            <a:r>
-              <a:rPr lang="de-DE" sz="1800" dirty="0" err="1" smtClean="0"/>
-              <a:t>static</a:t>
-            </a:r>
-            <a:r>
-              <a:rPr lang="de-DE" sz="1800" dirty="0" smtClean="0"/>
-              <a:t> </a:t>
-            </a:r>
-            <a:r>
-              <a:rPr lang="de-DE" sz="1800" dirty="0" err="1" smtClean="0"/>
-              <a:t>methods</a:t>
-            </a:r>
-            <a:r>
-              <a:rPr lang="de-DE" sz="1800" dirty="0" smtClean="0"/>
-              <a:t> </a:t>
-            </a:r>
-            <a:r>
-              <a:rPr lang="de-DE" sz="1800" dirty="0" err="1" smtClean="0"/>
-              <a:t>of</a:t>
-            </a:r>
-            <a:r>
-              <a:rPr lang="de-DE" sz="1800" dirty="0" smtClean="0"/>
-              <a:t> </a:t>
-            </a:r>
-            <a:r>
-              <a:rPr lang="de-DE" sz="1800" dirty="0" err="1" smtClean="0"/>
-              <a:t>class</a:t>
-            </a:r>
-            <a:r>
-              <a:rPr lang="de-DE" sz="1800" dirty="0" smtClean="0"/>
-              <a:t> </a:t>
-            </a:r>
-            <a:r>
-              <a:rPr lang="de-DE" sz="1800" dirty="0" err="1" smtClean="0"/>
-              <a:t>Math</a:t>
-            </a:r>
-            <a:endParaRPr lang="de-DE" sz="1800" dirty="0"/>
+              <a:rPr lang="de-DE" sz="4800" dirty="0" err="1" smtClean="0">
+                <a:solidFill>
+                  <a:schemeClr val="bg1"/>
+                </a:solidFill>
+                <a:latin typeface="Calibri" pitchFamily="34" charset="0"/>
+              </a:rPr>
+              <a:t>Enumerations</a:t>
+            </a:r>
+            <a:endParaRPr lang="de-DE" sz="4800" dirty="0">
+              <a:solidFill>
+                <a:schemeClr val="bg1"/>
+              </a:solidFill>
+              <a:latin typeface="Calibri" pitchFamily="34" charset="0"/>
+            </a:endParaRPr>
           </a:p>
         </p:txBody>
       </p:sp>
+      <p:pic>
+        <p:nvPicPr>
+          <p:cNvPr id="48131" name="Picture 2" descr="C:\Users\siegmunn\AppData\Local\Microsoft\Windows\Temporary Internet Files\Content.IE5\GDBVIYJY\MC900434929[1].png"/>
+          <p:cNvPicPr>
+            <a:picLocks noChangeAspect="1" noChangeArrowheads="1"/>
+          </p:cNvPicPr>
+          <p:nvPr/>
+        </p:nvPicPr>
+        <p:blipFill>
+          <a:blip r:embed="rId3"/>
+          <a:srcRect/>
+          <a:stretch>
+            <a:fillRect/>
+          </a:stretch>
+        </p:blipFill>
+        <p:spPr bwMode="auto">
+          <a:xfrm>
+            <a:off x="6881814" y="3132139"/>
+            <a:ext cx="2168525" cy="2168525"/>
+          </a:xfrm>
+          <a:prstGeom prst="rect">
+            <a:avLst/>
+          </a:prstGeom>
+          <a:noFill/>
+          <a:ln w="9525">
+            <a:noFill/>
+            <a:miter lim="800000"/>
+            <a:headEnd/>
+            <a:tailEnd/>
+          </a:ln>
+        </p:spPr>
+      </p:pic>
       <p:sp>
         <p:nvSpPr>
           <p:cNvPr id="4" name="Foliennummernplatzhalter 3"/>
@@ -24552,7 +23511,7 @@
             <a:pPr>
               <a:defRPr/>
             </a:pPr>
-            <a:fld id="{46C4B966-D61B-4B16-8D31-16527D9409CB}" type="slidenum">
+            <a:fld id="{B7D6317B-446F-4944-8AC9-C54211BCBE78}" type="slidenum">
               <a:rPr lang="de-DE"/>
               <a:pPr>
                 <a:defRPr/>
@@ -24568,21 +23527,6 @@
   <p:clrMapOvr>
     <a:masterClrMapping/>
   </p:clrMapOvr>
-  <mc:AlternateContent xmlns:mc="http://schemas.openxmlformats.org/markup-compatibility/2006">
-    <mc:Choice xmlns:p14="http://schemas.microsoft.com/office/powerpoint/2010/main" Requires="p14">
-      <p:transition spd="slow" p14:dur="2000"/>
-    </mc:Choice>
-    <mc:Fallback>
-      <p:transition spd="slow"/>
-    </mc:Fallback>
-  </mc:AlternateContent>
-  <p:timing>
-    <p:tnLst>
-      <p:par>
-        <p:cTn id="1" dur="indefinite" restart="never" nodeType="tmRoot"/>
-      </p:par>
-    </p:tnLst>
-  </p:timing>
 </p:sld>
 </file>
 
@@ -25441,7 +24385,37 @@
       </p:grpSpPr>
       <p:sp>
         <p:nvSpPr>
-          <p:cNvPr id="6" name="Inhaltsplatzhalter 5"/>
+          <p:cNvPr id="50177" name="Titel 1"/>
+          <p:cNvSpPr>
+            <a:spLocks noGrp="1"/>
+          </p:cNvSpPr>
+          <p:nvPr>
+            <p:ph type="title"/>
+          </p:nvPr>
+        </p:nvSpPr>
+        <p:spPr/>
+        <p:txBody>
+          <a:bodyPr/>
+          <a:lstStyle/>
+          <a:p>
+            <a:r>
+              <a:rPr lang="de-DE" dirty="0" err="1" smtClean="0"/>
+              <a:t>Enumerations</a:t>
+            </a:r>
+            <a:r>
+              <a:rPr lang="de-DE" dirty="0" smtClean="0"/>
+              <a:t> </a:t>
+            </a:r>
+            <a:r>
+              <a:rPr lang="de-DE" dirty="0"/>
+              <a:t>I</a:t>
+            </a:r>
+          </a:p>
+        </p:txBody>
+      </p:sp>
+      <p:sp>
+        <p:nvSpPr>
+          <p:cNvPr id="3" name="Inhaltsplatzhalter 2"/>
           <p:cNvSpPr>
             <a:spLocks noGrp="1"/>
           </p:cNvSpPr>
@@ -25455,8 +24429,217 @@
           <a:lstStyle/>
           <a:p>
             <a:r>
+              <a:rPr lang="de-DE" dirty="0" smtClean="0"/>
+              <a:t>List </a:t>
+            </a:r>
+            <a:r>
               <a:rPr lang="de-DE" dirty="0" err="1" smtClean="0"/>
-              <a:t>Implement</a:t>
+              <a:t>of</a:t>
+            </a:r>
+            <a:r>
+              <a:rPr lang="de-DE" dirty="0" smtClean="0"/>
+              <a:t> </a:t>
+            </a:r>
+            <a:r>
+              <a:rPr lang="de-DE" dirty="0" err="1" smtClean="0"/>
+              <a:t>constants</a:t>
+            </a:r>
+            <a:r>
+              <a:rPr lang="de-DE" dirty="0" smtClean="0"/>
+              <a:t> </a:t>
+            </a:r>
+            <a:r>
+              <a:rPr lang="de-DE" dirty="0" err="1" smtClean="0"/>
+              <a:t>that</a:t>
+            </a:r>
+            <a:r>
+              <a:rPr lang="de-DE" dirty="0" smtClean="0"/>
+              <a:t> </a:t>
+            </a:r>
+            <a:r>
+              <a:rPr lang="de-DE" dirty="0" err="1" smtClean="0"/>
+              <a:t>semantically</a:t>
+            </a:r>
+            <a:r>
+              <a:rPr lang="de-DE" dirty="0" smtClean="0"/>
+              <a:t> </a:t>
+            </a:r>
+            <a:r>
+              <a:rPr lang="de-DE" dirty="0" err="1" smtClean="0"/>
+              <a:t>belong</a:t>
+            </a:r>
+            <a:r>
+              <a:rPr lang="de-DE" dirty="0" smtClean="0"/>
+              <a:t> </a:t>
+            </a:r>
+            <a:r>
+              <a:rPr lang="de-DE" dirty="0" err="1" smtClean="0"/>
+              <a:t>together</a:t>
+            </a:r>
+            <a:endParaRPr lang="de-DE" dirty="0" smtClean="0"/>
+          </a:p>
+          <a:p>
+            <a:pPr lvl="1"/>
+            <a:r>
+              <a:rPr lang="de-DE" dirty="0" smtClean="0"/>
+              <a:t>Days </a:t>
+            </a:r>
+            <a:r>
+              <a:rPr lang="de-DE" dirty="0" err="1" smtClean="0"/>
+              <a:t>of</a:t>
+            </a:r>
+            <a:r>
+              <a:rPr lang="de-DE" dirty="0" smtClean="0"/>
+              <a:t> </a:t>
+            </a:r>
+            <a:r>
+              <a:rPr lang="de-DE" dirty="0" err="1" smtClean="0"/>
+              <a:t>the</a:t>
+            </a:r>
+            <a:r>
+              <a:rPr lang="de-DE" dirty="0" smtClean="0"/>
+              <a:t> </a:t>
+            </a:r>
+            <a:r>
+              <a:rPr lang="de-DE" dirty="0" err="1" smtClean="0"/>
+              <a:t>week</a:t>
+            </a:r>
+            <a:r>
+              <a:rPr lang="de-DE" dirty="0" smtClean="0"/>
+              <a:t>, TV </a:t>
+            </a:r>
+            <a:r>
+              <a:rPr lang="de-DE" dirty="0" err="1" smtClean="0"/>
+              <a:t>channels</a:t>
+            </a:r>
+            <a:r>
+              <a:rPr lang="de-DE" dirty="0" smtClean="0"/>
+              <a:t>, </a:t>
+            </a:r>
+            <a:r>
+              <a:rPr lang="de-DE" dirty="0" err="1" smtClean="0"/>
+              <a:t>months</a:t>
+            </a:r>
+            <a:r>
+              <a:rPr lang="de-DE" dirty="0" smtClean="0"/>
+              <a:t>, </a:t>
+            </a:r>
+            <a:r>
+              <a:rPr lang="de-DE" dirty="0" err="1" smtClean="0"/>
+              <a:t>music</a:t>
+            </a:r>
+            <a:r>
+              <a:rPr lang="de-DE" dirty="0" smtClean="0"/>
+              <a:t> </a:t>
+            </a:r>
+            <a:r>
+              <a:rPr lang="de-DE" dirty="0" err="1" smtClean="0"/>
+              <a:t>generes</a:t>
+            </a:r>
+            <a:r>
+              <a:rPr lang="de-DE" dirty="0" smtClean="0"/>
+              <a:t>, </a:t>
+            </a:r>
+            <a:r>
+              <a:rPr lang="de-DE" dirty="0" err="1" smtClean="0"/>
+              <a:t>chess</a:t>
+            </a:r>
+            <a:r>
+              <a:rPr lang="de-DE" dirty="0" smtClean="0"/>
+              <a:t> </a:t>
+            </a:r>
+            <a:r>
+              <a:rPr lang="de-DE" dirty="0" err="1" smtClean="0"/>
+              <a:t>figures</a:t>
+            </a:r>
+            <a:endParaRPr lang="de-DE" dirty="0"/>
+          </a:p>
+          <a:p>
+            <a:pPr lvl="1"/>
+            <a:r>
+              <a:rPr lang="de-DE" dirty="0" smtClean="0"/>
+              <a:t>Are </a:t>
+            </a:r>
+            <a:r>
+              <a:rPr lang="de-DE" dirty="0" err="1" smtClean="0"/>
+              <a:t>defined</a:t>
+            </a:r>
+            <a:r>
+              <a:rPr lang="de-DE" dirty="0" smtClean="0"/>
+              <a:t> </a:t>
+            </a:r>
+            <a:r>
+              <a:rPr lang="de-DE" dirty="0" err="1" smtClean="0"/>
+              <a:t>during</a:t>
+            </a:r>
+            <a:r>
+              <a:rPr lang="de-DE" dirty="0" smtClean="0"/>
+              <a:t> </a:t>
+            </a:r>
+            <a:r>
+              <a:rPr lang="de-DE" dirty="0" err="1" smtClean="0"/>
+              <a:t>programming</a:t>
+            </a:r>
+            <a:r>
+              <a:rPr lang="de-DE" dirty="0" smtClean="0"/>
+              <a:t> time</a:t>
+            </a:r>
+          </a:p>
+          <a:p>
+            <a:endParaRPr lang="de-DE" dirty="0"/>
+          </a:p>
+          <a:p>
+            <a:r>
+              <a:rPr lang="de-DE" dirty="0" err="1" smtClean="0"/>
+              <a:t>Should</a:t>
+            </a:r>
+            <a:r>
+              <a:rPr lang="de-DE" dirty="0" smtClean="0"/>
+              <a:t> </a:t>
+            </a:r>
+            <a:r>
+              <a:rPr lang="de-DE" dirty="0" err="1" smtClean="0"/>
+              <a:t>be</a:t>
+            </a:r>
+            <a:r>
+              <a:rPr lang="de-DE" dirty="0" smtClean="0"/>
+              <a:t> </a:t>
+            </a:r>
+            <a:r>
+              <a:rPr lang="de-DE" dirty="0" err="1" smtClean="0"/>
+              <a:t>used</a:t>
+            </a:r>
+            <a:r>
+              <a:rPr lang="de-DE" dirty="0" smtClean="0"/>
+              <a:t> </a:t>
+            </a:r>
+            <a:r>
+              <a:rPr lang="de-DE" dirty="0" err="1" smtClean="0"/>
+              <a:t>when</a:t>
+            </a:r>
+            <a:r>
+              <a:rPr lang="de-DE" dirty="0" smtClean="0"/>
+              <a:t> a variable </a:t>
+            </a:r>
+            <a:r>
+              <a:rPr lang="de-DE" dirty="0" err="1" smtClean="0"/>
+              <a:t>can</a:t>
+            </a:r>
+            <a:r>
+              <a:rPr lang="de-DE" dirty="0" smtClean="0"/>
+              <a:t> </a:t>
+            </a:r>
+            <a:r>
+              <a:rPr lang="de-DE" dirty="0" err="1" smtClean="0"/>
+              <a:t>only</a:t>
+            </a:r>
+            <a:r>
+              <a:rPr lang="de-DE" dirty="0" smtClean="0"/>
+              <a:t> </a:t>
+            </a:r>
+            <a:r>
+              <a:rPr lang="de-DE" dirty="0" err="1" smtClean="0"/>
+              <a:t>have</a:t>
             </a:r>
             <a:r>
               <a:rPr lang="de-DE" dirty="0" smtClean="0"/>
@@ -25464,35 +24647,35 @@
             </a:r>
             <a:r>
               <a:rPr lang="de-DE" dirty="0" err="1" smtClean="0"/>
-              <a:t>class</a:t>
+              <a:t>few</a:t>
             </a:r>
             <a:r>
               <a:rPr lang="de-DE" dirty="0" smtClean="0"/>
-              <a:t> Stack </a:t>
+              <a:t>, well-</a:t>
             </a:r>
             <a:r>
               <a:rPr lang="de-DE" dirty="0" err="1" smtClean="0"/>
-              <a:t>based</a:t>
+              <a:t>known</a:t>
             </a:r>
             <a:r>
               <a:rPr lang="de-DE" dirty="0" smtClean="0"/>
               <a:t> </a:t>
             </a:r>
             <a:r>
-              <a:rPr lang="de-DE" smtClean="0"/>
-              <a:t>on an </a:t>
-            </a:r>
-            <a:r>
               <a:rPr lang="de-DE" dirty="0" err="1" smtClean="0"/>
-              <a:t>array</a:t>
-            </a:r>
+              <a:t>values</a:t>
+            </a:r>
+            <a:endParaRPr lang="de-DE" dirty="0" smtClean="0"/>
+          </a:p>
+          <a:p>
+            <a:pPr lvl="1"/>
             <a:r>
               <a:rPr lang="de-DE" dirty="0" smtClean="0"/>
-              <a:t> </a:t>
+              <a:t>Can </a:t>
             </a:r>
             <a:r>
               <a:rPr lang="de-DE" dirty="0" err="1" smtClean="0"/>
-              <a:t>to</a:t>
+              <a:t>avoid</a:t>
             </a:r>
             <a:r>
               <a:rPr lang="de-DE" dirty="0" smtClean="0"/>
@@ -25500,274 +24683,101 @@
             </a:r>
             <a:r>
               <a:rPr lang="de-DE" dirty="0" err="1" smtClean="0"/>
-              <a:t>store</a:t>
+              <a:t>erros</a:t>
             </a:r>
             <a:r>
               <a:rPr lang="de-DE" dirty="0" smtClean="0"/>
-              <a:t> Strings</a:t>
+              <a:t> </a:t>
+            </a:r>
+            <a:r>
+              <a:rPr lang="de-DE" dirty="0" err="1" smtClean="0"/>
+              <a:t>by</a:t>
+            </a:r>
+            <a:r>
+              <a:rPr lang="de-DE" dirty="0" smtClean="0"/>
+              <a:t> </a:t>
+            </a:r>
+            <a:r>
+              <a:rPr lang="de-DE" dirty="0" err="1" smtClean="0"/>
+              <a:t>increasing</a:t>
+            </a:r>
+            <a:r>
+              <a:rPr lang="de-DE" dirty="0" smtClean="0"/>
+              <a:t> </a:t>
+            </a:r>
+            <a:r>
+              <a:rPr lang="de-DE" dirty="0" err="1" smtClean="0"/>
+              <a:t>readability</a:t>
+            </a:r>
+            <a:endParaRPr lang="de-DE" dirty="0" smtClean="0"/>
+          </a:p>
+          <a:p>
+            <a:pPr lvl="1"/>
+            <a:r>
+              <a:rPr lang="de-DE" dirty="0" smtClean="0"/>
+              <a:t>Compiler </a:t>
+            </a:r>
+            <a:r>
+              <a:rPr lang="de-DE" dirty="0" err="1" smtClean="0"/>
+              <a:t>can</a:t>
+            </a:r>
+            <a:r>
+              <a:rPr lang="de-DE" dirty="0" smtClean="0"/>
+              <a:t> check </a:t>
+            </a:r>
+            <a:r>
+              <a:rPr lang="de-DE" dirty="0" err="1" smtClean="0"/>
+              <a:t>during</a:t>
+            </a:r>
+            <a:r>
+              <a:rPr lang="de-DE" dirty="0" smtClean="0"/>
+              <a:t> </a:t>
+            </a:r>
+            <a:r>
+              <a:rPr lang="de-DE" dirty="0" err="1" smtClean="0"/>
+              <a:t>compile</a:t>
+            </a:r>
+            <a:r>
+              <a:rPr lang="de-DE" dirty="0" smtClean="0"/>
+              <a:t> time, </a:t>
+            </a:r>
+            <a:r>
+              <a:rPr lang="de-DE" dirty="0" err="1" smtClean="0"/>
+              <a:t>whether</a:t>
+            </a:r>
+            <a:r>
+              <a:rPr lang="de-DE" dirty="0" smtClean="0"/>
+              <a:t> </a:t>
+            </a:r>
+            <a:r>
+              <a:rPr lang="de-DE" dirty="0" err="1" smtClean="0"/>
+              <a:t>only</a:t>
+            </a:r>
+            <a:r>
+              <a:rPr lang="de-DE" dirty="0" smtClean="0"/>
+              <a:t> valid </a:t>
+            </a:r>
+            <a:r>
+              <a:rPr lang="de-DE" dirty="0" err="1" smtClean="0"/>
+              <a:t>values</a:t>
+            </a:r>
+            <a:r>
+              <a:rPr lang="de-DE" dirty="0" smtClean="0"/>
+              <a:t> </a:t>
+            </a:r>
+            <a:r>
+              <a:rPr lang="de-DE" dirty="0" err="1" smtClean="0"/>
+              <a:t>are</a:t>
+            </a:r>
+            <a:r>
+              <a:rPr lang="de-DE" dirty="0" smtClean="0"/>
+              <a:t> </a:t>
+            </a:r>
+            <a:r>
+              <a:rPr lang="de-DE" dirty="0" err="1" smtClean="0"/>
+              <a:t>used</a:t>
             </a:r>
             <a:endParaRPr lang="de-DE" dirty="0"/>
-          </a:p>
-          <a:p>
-            <a:r>
-              <a:rPr lang="de-DE" dirty="0" err="1" smtClean="0"/>
-              <a:t>It</a:t>
-            </a:r>
-            <a:r>
-              <a:rPr lang="de-DE" dirty="0" smtClean="0"/>
-              <a:t> </a:t>
-            </a:r>
-            <a:r>
-              <a:rPr lang="de-DE" dirty="0" err="1" smtClean="0"/>
-              <a:t>should</a:t>
-            </a:r>
-            <a:r>
-              <a:rPr lang="de-DE" dirty="0" smtClean="0"/>
-              <a:t> </a:t>
-            </a:r>
-            <a:r>
-              <a:rPr lang="de-DE" dirty="0" err="1" smtClean="0"/>
-              <a:t>provide</a:t>
-            </a:r>
-            <a:r>
-              <a:rPr lang="de-DE" dirty="0" smtClean="0"/>
-              <a:t> </a:t>
-            </a:r>
-            <a:r>
-              <a:rPr lang="de-DE" dirty="0" err="1" smtClean="0"/>
-              <a:t>the</a:t>
-            </a:r>
-            <a:r>
-              <a:rPr lang="de-DE" dirty="0" smtClean="0"/>
-              <a:t> </a:t>
-            </a:r>
-            <a:r>
-              <a:rPr lang="de-DE" dirty="0" err="1" smtClean="0"/>
-              <a:t>methods</a:t>
-            </a:r>
-            <a:r>
-              <a:rPr lang="de-DE" dirty="0" smtClean="0"/>
-              <a:t>:</a:t>
-            </a:r>
-          </a:p>
-          <a:p>
-            <a:pPr lvl="1"/>
-            <a:r>
-              <a:rPr lang="de-DE" dirty="0" smtClean="0"/>
-              <a:t>push: </a:t>
-            </a:r>
-            <a:r>
-              <a:rPr lang="de-DE" dirty="0" err="1" smtClean="0"/>
-              <a:t>adds</a:t>
-            </a:r>
-            <a:r>
-              <a:rPr lang="de-DE" dirty="0" smtClean="0"/>
-              <a:t> a </a:t>
-            </a:r>
-            <a:r>
-              <a:rPr lang="de-DE" dirty="0" err="1" smtClean="0"/>
-              <a:t>string</a:t>
-            </a:r>
-            <a:r>
-              <a:rPr lang="de-DE" dirty="0" smtClean="0"/>
-              <a:t> </a:t>
-            </a:r>
-            <a:r>
-              <a:rPr lang="de-DE" dirty="0" err="1" smtClean="0"/>
-              <a:t>to</a:t>
-            </a:r>
-            <a:r>
-              <a:rPr lang="de-DE" dirty="0" smtClean="0"/>
-              <a:t> </a:t>
-            </a:r>
-            <a:r>
-              <a:rPr lang="de-DE" dirty="0" err="1" smtClean="0"/>
-              <a:t>the</a:t>
-            </a:r>
-            <a:r>
-              <a:rPr lang="de-DE" dirty="0" smtClean="0"/>
-              <a:t> </a:t>
-            </a:r>
-            <a:r>
-              <a:rPr lang="de-DE" dirty="0" err="1" smtClean="0"/>
-              <a:t>stack</a:t>
-            </a:r>
-            <a:endParaRPr lang="de-DE" dirty="0" smtClean="0"/>
-          </a:p>
-          <a:p>
-            <a:pPr lvl="1"/>
-            <a:r>
-              <a:rPr lang="de-DE" dirty="0" err="1" smtClean="0"/>
-              <a:t>pop</a:t>
-            </a:r>
-            <a:r>
-              <a:rPr lang="de-DE" dirty="0" smtClean="0"/>
-              <a:t>: </a:t>
-            </a:r>
-            <a:r>
-              <a:rPr lang="de-DE" dirty="0" err="1" smtClean="0"/>
-              <a:t>removes</a:t>
-            </a:r>
-            <a:r>
-              <a:rPr lang="de-DE" dirty="0" smtClean="0"/>
-              <a:t> </a:t>
-            </a:r>
-            <a:r>
-              <a:rPr lang="de-DE" dirty="0" err="1" smtClean="0"/>
-              <a:t>the</a:t>
-            </a:r>
-            <a:r>
-              <a:rPr lang="de-DE" dirty="0" smtClean="0"/>
-              <a:t> top </a:t>
-            </a:r>
-            <a:r>
-              <a:rPr lang="de-DE" dirty="0" err="1" smtClean="0"/>
-              <a:t>string</a:t>
-            </a:r>
-            <a:r>
-              <a:rPr lang="de-DE" dirty="0" smtClean="0"/>
-              <a:t> </a:t>
-            </a:r>
-            <a:r>
-              <a:rPr lang="de-DE" dirty="0" err="1" smtClean="0"/>
-              <a:t>from</a:t>
-            </a:r>
-            <a:r>
-              <a:rPr lang="de-DE" dirty="0" smtClean="0"/>
-              <a:t> </a:t>
-            </a:r>
-            <a:r>
-              <a:rPr lang="de-DE" dirty="0" err="1" smtClean="0"/>
-              <a:t>the</a:t>
-            </a:r>
-            <a:r>
-              <a:rPr lang="de-DE" dirty="0" smtClean="0"/>
-              <a:t> </a:t>
-            </a:r>
-            <a:r>
-              <a:rPr lang="de-DE" dirty="0" err="1" smtClean="0"/>
-              <a:t>stack</a:t>
-            </a:r>
-            <a:endParaRPr lang="de-DE" dirty="0" smtClean="0"/>
-          </a:p>
-          <a:p>
-            <a:pPr lvl="1"/>
-            <a:r>
-              <a:rPr lang="de-DE" dirty="0" err="1" smtClean="0"/>
-              <a:t>peek</a:t>
-            </a:r>
-            <a:r>
-              <a:rPr lang="de-DE" dirty="0" smtClean="0"/>
-              <a:t>: </a:t>
-            </a:r>
-            <a:r>
-              <a:rPr lang="de-DE" dirty="0" err="1" smtClean="0"/>
-              <a:t>shows</a:t>
-            </a:r>
-            <a:r>
-              <a:rPr lang="de-DE" dirty="0" smtClean="0"/>
-              <a:t> </a:t>
-            </a:r>
-            <a:r>
-              <a:rPr lang="de-DE" dirty="0" err="1" smtClean="0"/>
-              <a:t>the</a:t>
-            </a:r>
-            <a:r>
-              <a:rPr lang="de-DE" dirty="0" smtClean="0"/>
-              <a:t> top </a:t>
-            </a:r>
-            <a:r>
-              <a:rPr lang="de-DE" dirty="0" err="1" smtClean="0"/>
-              <a:t>string</a:t>
-            </a:r>
-            <a:r>
-              <a:rPr lang="de-DE" dirty="0" smtClean="0"/>
-              <a:t> </a:t>
-            </a:r>
-            <a:r>
-              <a:rPr lang="de-DE" dirty="0" err="1" smtClean="0"/>
-              <a:t>from</a:t>
-            </a:r>
-            <a:r>
-              <a:rPr lang="de-DE" dirty="0" smtClean="0"/>
-              <a:t> </a:t>
-            </a:r>
-            <a:r>
-              <a:rPr lang="de-DE" dirty="0" err="1" smtClean="0"/>
-              <a:t>the</a:t>
-            </a:r>
-            <a:r>
-              <a:rPr lang="de-DE" dirty="0" smtClean="0"/>
-              <a:t> </a:t>
-            </a:r>
-            <a:r>
-              <a:rPr lang="de-DE" dirty="0" err="1" smtClean="0"/>
-              <a:t>stack</a:t>
-            </a:r>
-            <a:r>
-              <a:rPr lang="de-DE" dirty="0" smtClean="0"/>
-              <a:t> </a:t>
-            </a:r>
-            <a:r>
-              <a:rPr lang="de-DE" dirty="0" err="1" smtClean="0"/>
-              <a:t>without</a:t>
-            </a:r>
-            <a:r>
-              <a:rPr lang="de-DE" dirty="0" smtClean="0"/>
-              <a:t> </a:t>
-            </a:r>
-            <a:r>
-              <a:rPr lang="de-DE" dirty="0" err="1" smtClean="0"/>
-              <a:t>removing</a:t>
-            </a:r>
-            <a:r>
-              <a:rPr lang="de-DE" dirty="0" smtClean="0"/>
-              <a:t> </a:t>
-            </a:r>
-            <a:r>
-              <a:rPr lang="de-DE" dirty="0" err="1" smtClean="0"/>
-              <a:t>it</a:t>
-            </a:r>
-            <a:endParaRPr lang="de-DE" dirty="0"/>
-          </a:p>
-          <a:p>
-            <a:r>
-              <a:rPr lang="de-DE" dirty="0" err="1" smtClean="0"/>
-              <a:t>Remember</a:t>
-            </a:r>
-            <a:r>
-              <a:rPr lang="de-DE" dirty="0" smtClean="0"/>
-              <a:t>: Last in, </a:t>
-            </a:r>
-            <a:r>
-              <a:rPr lang="de-DE" dirty="0" err="1" smtClean="0"/>
-              <a:t>first</a:t>
-            </a:r>
-            <a:r>
-              <a:rPr lang="de-DE" dirty="0" smtClean="0"/>
-              <a:t> out, just like a </a:t>
-            </a:r>
-            <a:r>
-              <a:rPr lang="de-DE" dirty="0" err="1" smtClean="0"/>
-              <a:t>stack</a:t>
-            </a:r>
-            <a:r>
-              <a:rPr lang="de-DE" dirty="0" smtClean="0"/>
-              <a:t> </a:t>
-            </a:r>
-            <a:r>
-              <a:rPr lang="de-DE" dirty="0" err="1" smtClean="0"/>
-              <a:t>of</a:t>
-            </a:r>
-            <a:r>
-              <a:rPr lang="de-DE" dirty="0" smtClean="0"/>
-              <a:t> </a:t>
-            </a:r>
-            <a:r>
-              <a:rPr lang="de-DE" dirty="0" err="1" smtClean="0"/>
-              <a:t>trays</a:t>
-            </a:r>
-            <a:endParaRPr lang="en-US" dirty="0"/>
           </a:p>
         </p:txBody>
       </p:sp>
@@ -25789,684 +24799,12 @@
             <a:pPr>
               <a:defRPr/>
             </a:pPr>
-            <a:fld id="{C0B85308-4B91-4084-B5EB-6B176834447A}" type="slidenum">
-              <a:rPr lang="de-DE" smtClean="0"/>
-              <a:pPr>
-                <a:defRPr/>
-              </a:pPr>
-              <a:t>20</a:t>
-            </a:fld>
-            <a:endParaRPr lang="de-DE" dirty="0"/>
-          </a:p>
-        </p:txBody>
-      </p:sp>
-      <p:sp>
-        <p:nvSpPr>
-          <p:cNvPr id="5" name="Titel 4"/>
-          <p:cNvSpPr>
-            <a:spLocks noGrp="1"/>
-          </p:cNvSpPr>
-          <p:nvPr>
-            <p:ph type="title"/>
-          </p:nvPr>
-        </p:nvSpPr>
-        <p:spPr/>
-        <p:txBody>
-          <a:bodyPr/>
-          <a:lstStyle/>
-          <a:p>
-            <a:r>
-              <a:rPr lang="de-DE" dirty="0" err="1" smtClean="0"/>
-              <a:t>Programming</a:t>
-            </a:r>
-            <a:r>
-              <a:rPr lang="de-DE" dirty="0" smtClean="0"/>
-              <a:t> Task</a:t>
-            </a:r>
-            <a:endParaRPr lang="en-US" dirty="0"/>
-          </a:p>
-        </p:txBody>
-      </p:sp>
-    </p:spTree>
-    <p:extLst>
-      <p:ext uri="{BB962C8B-B14F-4D97-AF65-F5344CB8AC3E}">
-        <p14:creationId xmlns:p14="http://schemas.microsoft.com/office/powerpoint/2010/main" val="915919989"/>
-      </p:ext>
-    </p:extLst>
-  </p:cSld>
-  <p:clrMapOvr>
-    <a:masterClrMapping/>
-  </p:clrMapOvr>
-</p:sld>
-</file>
-
-<file path=ppt/slides/slide21.xml><?xml version="1.0" encoding="utf-8"?>
-<p:sld xmlns:a="http://schemas.openxmlformats.org/drawingml/2006/main" xmlns:r="http://schemas.openxmlformats.org/officeDocument/2006/relationships" xmlns:p="http://schemas.openxmlformats.org/presentationml/2006/main">
-  <p:cSld>
-    <p:spTree>
-      <p:nvGrpSpPr>
-        <p:cNvPr id="1" name=""/>
-        <p:cNvGrpSpPr/>
-        <p:nvPr/>
-      </p:nvGrpSpPr>
-      <p:grpSpPr>
-        <a:xfrm>
-          <a:off x="0" y="0"/>
-          <a:ext cx="0" cy="0"/>
-          <a:chOff x="0" y="0"/>
-          <a:chExt cx="0" cy="0"/>
-        </a:xfrm>
-      </p:grpSpPr>
-      <p:sp>
-        <p:nvSpPr>
-          <p:cNvPr id="2" name="Rechteck 1"/>
-          <p:cNvSpPr/>
-          <p:nvPr/>
-        </p:nvSpPr>
-        <p:spPr>
-          <a:xfrm>
-            <a:off x="1416051" y="-100013"/>
-            <a:ext cx="9504363" cy="6985001"/>
-          </a:xfrm>
-          <a:prstGeom prst="rect">
-            <a:avLst/>
-          </a:prstGeom>
-          <a:solidFill>
-            <a:srgbClr val="FFC000"/>
-          </a:solidFill>
-          <a:ln>
-            <a:noFill/>
-          </a:ln>
-        </p:spPr>
-        <p:style>
-          <a:lnRef idx="2">
-            <a:schemeClr val="accent1">
-              <a:shade val="50000"/>
-            </a:schemeClr>
-          </a:lnRef>
-          <a:fillRef idx="1">
-            <a:schemeClr val="accent1"/>
-          </a:fillRef>
-          <a:effectRef idx="0">
-            <a:schemeClr val="accent1"/>
-          </a:effectRef>
-          <a:fontRef idx="minor">
-            <a:schemeClr val="lt1"/>
-          </a:fontRef>
-        </p:style>
-        <p:txBody>
-          <a:bodyPr anchor="ctr"/>
-          <a:lstStyle/>
-          <a:p>
-            <a:pPr algn="ctr" fontAlgn="auto">
-              <a:spcBef>
-                <a:spcPts val="0"/>
-              </a:spcBef>
-              <a:spcAft>
-                <a:spcPts val="0"/>
-              </a:spcAft>
-              <a:defRPr/>
-            </a:pPr>
-            <a:endParaRPr lang="de-DE" dirty="0"/>
-          </a:p>
-        </p:txBody>
-      </p:sp>
-      <p:sp>
-        <p:nvSpPr>
-          <p:cNvPr id="48130" name="Textfeld 2"/>
-          <p:cNvSpPr txBox="1">
-            <a:spLocks noChangeArrowheads="1"/>
-          </p:cNvSpPr>
-          <p:nvPr/>
-        </p:nvSpPr>
-        <p:spPr bwMode="auto">
-          <a:xfrm>
-            <a:off x="1919289" y="1916113"/>
-            <a:ext cx="3660874" cy="830997"/>
-          </a:xfrm>
-          <a:prstGeom prst="rect">
-            <a:avLst/>
-          </a:prstGeom>
-          <a:noFill/>
-          <a:ln w="9525">
-            <a:noFill/>
-            <a:miter lim="800000"/>
-            <a:headEnd/>
-            <a:tailEnd/>
-          </a:ln>
-        </p:spPr>
-        <p:txBody>
-          <a:bodyPr wrap="none">
-            <a:spAutoFit/>
-          </a:bodyPr>
-          <a:lstStyle/>
-          <a:p>
-            <a:r>
-              <a:rPr lang="de-DE" sz="4800" dirty="0" err="1" smtClean="0">
-                <a:solidFill>
-                  <a:schemeClr val="bg1"/>
-                </a:solidFill>
-                <a:latin typeface="Calibri" pitchFamily="34" charset="0"/>
-              </a:rPr>
-              <a:t>Enumerations</a:t>
-            </a:r>
-            <a:endParaRPr lang="de-DE" sz="4800" dirty="0">
-              <a:solidFill>
-                <a:schemeClr val="bg1"/>
-              </a:solidFill>
-              <a:latin typeface="Calibri" pitchFamily="34" charset="0"/>
-            </a:endParaRPr>
-          </a:p>
-        </p:txBody>
-      </p:sp>
-      <p:pic>
-        <p:nvPicPr>
-          <p:cNvPr id="48131" name="Picture 2" descr="C:\Users\siegmunn\AppData\Local\Microsoft\Windows\Temporary Internet Files\Content.IE5\GDBVIYJY\MC900434929[1].png"/>
-          <p:cNvPicPr>
-            <a:picLocks noChangeAspect="1" noChangeArrowheads="1"/>
-          </p:cNvPicPr>
-          <p:nvPr/>
-        </p:nvPicPr>
-        <p:blipFill>
-          <a:blip r:embed="rId3"/>
-          <a:srcRect/>
-          <a:stretch>
-            <a:fillRect/>
-          </a:stretch>
-        </p:blipFill>
-        <p:spPr bwMode="auto">
-          <a:xfrm>
-            <a:off x="6881814" y="3132139"/>
-            <a:ext cx="2168525" cy="2168525"/>
-          </a:xfrm>
-          <a:prstGeom prst="rect">
-            <a:avLst/>
-          </a:prstGeom>
-          <a:noFill/>
-          <a:ln w="9525">
-            <a:noFill/>
-            <a:miter lim="800000"/>
-            <a:headEnd/>
-            <a:tailEnd/>
-          </a:ln>
-        </p:spPr>
-      </p:pic>
-      <p:sp>
-        <p:nvSpPr>
-          <p:cNvPr id="4" name="Foliennummernplatzhalter 3"/>
-          <p:cNvSpPr>
-            <a:spLocks noGrp="1"/>
-          </p:cNvSpPr>
-          <p:nvPr>
-            <p:ph type="sldNum" sz="quarter" idx="12"/>
-          </p:nvPr>
-        </p:nvSpPr>
-        <p:spPr/>
-        <p:txBody>
-          <a:bodyPr/>
-          <a:lstStyle/>
-          <a:p>
-            <a:pPr>
-              <a:defRPr/>
-            </a:pPr>
-            <a:fld id="{B7D6317B-446F-4944-8AC9-C54211BCBE78}" type="slidenum">
-              <a:rPr lang="de-DE"/>
-              <a:pPr>
-                <a:defRPr/>
-              </a:pPr>
-              <a:t>21</a:t>
-            </a:fld>
-            <a:endParaRPr lang="de-DE"/>
-          </a:p>
-        </p:txBody>
-      </p:sp>
-    </p:spTree>
-  </p:cSld>
-  <p:clrMapOvr>
-    <a:masterClrMapping/>
-  </p:clrMapOvr>
-</p:sld>
-</file>
-
-<file path=ppt/slides/slide22.xml><?xml version="1.0" encoding="utf-8"?>
-<p:sld xmlns:a="http://schemas.openxmlformats.org/drawingml/2006/main" xmlns:r="http://schemas.openxmlformats.org/officeDocument/2006/relationships" xmlns:p="http://schemas.openxmlformats.org/presentationml/2006/main">
-  <p:cSld>
-    <p:spTree>
-      <p:nvGrpSpPr>
-        <p:cNvPr id="1" name=""/>
-        <p:cNvGrpSpPr/>
-        <p:nvPr/>
-      </p:nvGrpSpPr>
-      <p:grpSpPr>
-        <a:xfrm>
-          <a:off x="0" y="0"/>
-          <a:ext cx="0" cy="0"/>
-          <a:chOff x="0" y="0"/>
-          <a:chExt cx="0" cy="0"/>
-        </a:xfrm>
-      </p:grpSpPr>
-      <p:sp>
-        <p:nvSpPr>
-          <p:cNvPr id="50177" name="Titel 1"/>
-          <p:cNvSpPr>
-            <a:spLocks noGrp="1"/>
-          </p:cNvSpPr>
-          <p:nvPr>
-            <p:ph type="title"/>
-          </p:nvPr>
-        </p:nvSpPr>
-        <p:spPr/>
-        <p:txBody>
-          <a:bodyPr/>
-          <a:lstStyle/>
-          <a:p>
-            <a:r>
-              <a:rPr lang="de-DE" dirty="0" err="1" smtClean="0"/>
-              <a:t>Enumerations</a:t>
-            </a:r>
-            <a:r>
-              <a:rPr lang="de-DE" dirty="0" smtClean="0"/>
-              <a:t> </a:t>
-            </a:r>
-            <a:r>
-              <a:rPr lang="de-DE" dirty="0"/>
-              <a:t>I</a:t>
-            </a:r>
-          </a:p>
-        </p:txBody>
-      </p:sp>
-      <p:sp>
-        <p:nvSpPr>
-          <p:cNvPr id="3" name="Inhaltsplatzhalter 2"/>
-          <p:cNvSpPr>
-            <a:spLocks noGrp="1"/>
-          </p:cNvSpPr>
-          <p:nvPr>
-            <p:ph idx="1"/>
-          </p:nvPr>
-        </p:nvSpPr>
-        <p:spPr/>
-        <p:txBody>
-          <a:bodyPr/>
-          <a:lstStyle/>
-          <a:p>
-            <a:r>
-              <a:rPr lang="de-DE" dirty="0" smtClean="0"/>
-              <a:t>List </a:t>
-            </a:r>
-            <a:r>
-              <a:rPr lang="de-DE" dirty="0" err="1" smtClean="0"/>
-              <a:t>of</a:t>
-            </a:r>
-            <a:r>
-              <a:rPr lang="de-DE" dirty="0" smtClean="0"/>
-              <a:t> </a:t>
-            </a:r>
-            <a:r>
-              <a:rPr lang="de-DE" dirty="0" err="1" smtClean="0"/>
-              <a:t>constants</a:t>
-            </a:r>
-            <a:r>
-              <a:rPr lang="de-DE" dirty="0" smtClean="0"/>
-              <a:t> </a:t>
-            </a:r>
-            <a:r>
-              <a:rPr lang="de-DE" dirty="0" err="1" smtClean="0"/>
-              <a:t>that</a:t>
-            </a:r>
-            <a:r>
-              <a:rPr lang="de-DE" dirty="0" smtClean="0"/>
-              <a:t> </a:t>
-            </a:r>
-            <a:r>
-              <a:rPr lang="de-DE" dirty="0" err="1" smtClean="0"/>
-              <a:t>semantically</a:t>
-            </a:r>
-            <a:r>
-              <a:rPr lang="de-DE" dirty="0" smtClean="0"/>
-              <a:t> </a:t>
-            </a:r>
-            <a:r>
-              <a:rPr lang="de-DE" dirty="0" err="1" smtClean="0"/>
-              <a:t>belong</a:t>
-            </a:r>
-            <a:r>
-              <a:rPr lang="de-DE" dirty="0" smtClean="0"/>
-              <a:t> </a:t>
-            </a:r>
-            <a:r>
-              <a:rPr lang="de-DE" dirty="0" err="1" smtClean="0"/>
-              <a:t>together</a:t>
-            </a:r>
-            <a:endParaRPr lang="de-DE" dirty="0" smtClean="0"/>
-          </a:p>
-          <a:p>
-            <a:pPr lvl="1"/>
-            <a:r>
-              <a:rPr lang="de-DE" dirty="0" smtClean="0"/>
-              <a:t>Days </a:t>
-            </a:r>
-            <a:r>
-              <a:rPr lang="de-DE" dirty="0" err="1" smtClean="0"/>
-              <a:t>of</a:t>
-            </a:r>
-            <a:r>
-              <a:rPr lang="de-DE" dirty="0" smtClean="0"/>
-              <a:t> </a:t>
-            </a:r>
-            <a:r>
-              <a:rPr lang="de-DE" dirty="0" err="1" smtClean="0"/>
-              <a:t>the</a:t>
-            </a:r>
-            <a:r>
-              <a:rPr lang="de-DE" dirty="0" smtClean="0"/>
-              <a:t> </a:t>
-            </a:r>
-            <a:r>
-              <a:rPr lang="de-DE" dirty="0" err="1" smtClean="0"/>
-              <a:t>week</a:t>
-            </a:r>
-            <a:r>
-              <a:rPr lang="de-DE" dirty="0" smtClean="0"/>
-              <a:t>, TV </a:t>
-            </a:r>
-            <a:r>
-              <a:rPr lang="de-DE" dirty="0" err="1" smtClean="0"/>
-              <a:t>channels</a:t>
-            </a:r>
-            <a:r>
-              <a:rPr lang="de-DE" dirty="0" smtClean="0"/>
-              <a:t>, </a:t>
-            </a:r>
-            <a:r>
-              <a:rPr lang="de-DE" dirty="0" err="1" smtClean="0"/>
-              <a:t>months</a:t>
-            </a:r>
-            <a:r>
-              <a:rPr lang="de-DE" dirty="0" smtClean="0"/>
-              <a:t>, </a:t>
-            </a:r>
-            <a:r>
-              <a:rPr lang="de-DE" dirty="0" err="1" smtClean="0"/>
-              <a:t>music</a:t>
-            </a:r>
-            <a:r>
-              <a:rPr lang="de-DE" dirty="0" smtClean="0"/>
-              <a:t> </a:t>
-            </a:r>
-            <a:r>
-              <a:rPr lang="de-DE" dirty="0" err="1" smtClean="0"/>
-              <a:t>generes</a:t>
-            </a:r>
-            <a:r>
-              <a:rPr lang="de-DE" dirty="0" smtClean="0"/>
-              <a:t>, </a:t>
-            </a:r>
-            <a:r>
-              <a:rPr lang="de-DE" dirty="0" err="1" smtClean="0"/>
-              <a:t>chess</a:t>
-            </a:r>
-            <a:r>
-              <a:rPr lang="de-DE" dirty="0" smtClean="0"/>
-              <a:t> </a:t>
-            </a:r>
-            <a:r>
-              <a:rPr lang="de-DE" dirty="0" err="1" smtClean="0"/>
-              <a:t>figures</a:t>
-            </a:r>
-            <a:endParaRPr lang="de-DE" dirty="0"/>
-          </a:p>
-          <a:p>
-            <a:pPr lvl="1"/>
-            <a:r>
-              <a:rPr lang="de-DE" dirty="0" smtClean="0"/>
-              <a:t>Are </a:t>
-            </a:r>
-            <a:r>
-              <a:rPr lang="de-DE" dirty="0" err="1" smtClean="0"/>
-              <a:t>defined</a:t>
-            </a:r>
-            <a:r>
-              <a:rPr lang="de-DE" dirty="0" smtClean="0"/>
-              <a:t> </a:t>
-            </a:r>
-            <a:r>
-              <a:rPr lang="de-DE" dirty="0" err="1" smtClean="0"/>
-              <a:t>during</a:t>
-            </a:r>
-            <a:r>
-              <a:rPr lang="de-DE" dirty="0" smtClean="0"/>
-              <a:t> </a:t>
-            </a:r>
-            <a:r>
-              <a:rPr lang="de-DE" dirty="0" err="1" smtClean="0"/>
-              <a:t>programming</a:t>
-            </a:r>
-            <a:r>
-              <a:rPr lang="de-DE" dirty="0" smtClean="0"/>
-              <a:t> time</a:t>
-            </a:r>
-          </a:p>
-          <a:p>
-            <a:endParaRPr lang="de-DE" dirty="0"/>
-          </a:p>
-          <a:p>
-            <a:r>
-              <a:rPr lang="de-DE" dirty="0" err="1" smtClean="0"/>
-              <a:t>Should</a:t>
-            </a:r>
-            <a:r>
-              <a:rPr lang="de-DE" dirty="0" smtClean="0"/>
-              <a:t> </a:t>
-            </a:r>
-            <a:r>
-              <a:rPr lang="de-DE" dirty="0" err="1" smtClean="0"/>
-              <a:t>be</a:t>
-            </a:r>
-            <a:r>
-              <a:rPr lang="de-DE" dirty="0" smtClean="0"/>
-              <a:t> </a:t>
-            </a:r>
-            <a:r>
-              <a:rPr lang="de-DE" dirty="0" err="1" smtClean="0"/>
-              <a:t>used</a:t>
-            </a:r>
-            <a:r>
-              <a:rPr lang="de-DE" dirty="0" smtClean="0"/>
-              <a:t> </a:t>
-            </a:r>
-            <a:r>
-              <a:rPr lang="de-DE" dirty="0" err="1" smtClean="0"/>
-              <a:t>when</a:t>
-            </a:r>
-            <a:r>
-              <a:rPr lang="de-DE" dirty="0" smtClean="0"/>
-              <a:t> a variable </a:t>
-            </a:r>
-            <a:r>
-              <a:rPr lang="de-DE" dirty="0" err="1" smtClean="0"/>
-              <a:t>can</a:t>
-            </a:r>
-            <a:r>
-              <a:rPr lang="de-DE" dirty="0" smtClean="0"/>
-              <a:t> </a:t>
-            </a:r>
-            <a:r>
-              <a:rPr lang="de-DE" dirty="0" err="1" smtClean="0"/>
-              <a:t>only</a:t>
-            </a:r>
-            <a:r>
-              <a:rPr lang="de-DE" dirty="0" smtClean="0"/>
-              <a:t> </a:t>
-            </a:r>
-            <a:r>
-              <a:rPr lang="de-DE" dirty="0" err="1" smtClean="0"/>
-              <a:t>have</a:t>
-            </a:r>
-            <a:r>
-              <a:rPr lang="de-DE" dirty="0" smtClean="0"/>
-              <a:t> a </a:t>
-            </a:r>
-            <a:r>
-              <a:rPr lang="de-DE" dirty="0" err="1" smtClean="0"/>
-              <a:t>few</a:t>
-            </a:r>
-            <a:r>
-              <a:rPr lang="de-DE" dirty="0" smtClean="0"/>
-              <a:t>, well-</a:t>
-            </a:r>
-            <a:r>
-              <a:rPr lang="de-DE" dirty="0" err="1" smtClean="0"/>
-              <a:t>known</a:t>
-            </a:r>
-            <a:r>
-              <a:rPr lang="de-DE" dirty="0" smtClean="0"/>
-              <a:t> </a:t>
-            </a:r>
-            <a:r>
-              <a:rPr lang="de-DE" dirty="0" err="1" smtClean="0"/>
-              <a:t>values</a:t>
-            </a:r>
-            <a:endParaRPr lang="de-DE" dirty="0" smtClean="0"/>
-          </a:p>
-          <a:p>
-            <a:pPr lvl="1"/>
-            <a:r>
-              <a:rPr lang="de-DE" dirty="0" smtClean="0"/>
-              <a:t>Can </a:t>
-            </a:r>
-            <a:r>
-              <a:rPr lang="de-DE" dirty="0" err="1" smtClean="0"/>
-              <a:t>avoid</a:t>
-            </a:r>
-            <a:r>
-              <a:rPr lang="de-DE" dirty="0" smtClean="0"/>
-              <a:t> </a:t>
-            </a:r>
-            <a:r>
-              <a:rPr lang="de-DE" dirty="0" err="1" smtClean="0"/>
-              <a:t>erros</a:t>
-            </a:r>
-            <a:r>
-              <a:rPr lang="de-DE" dirty="0" smtClean="0"/>
-              <a:t> </a:t>
-            </a:r>
-            <a:r>
-              <a:rPr lang="de-DE" dirty="0" err="1" smtClean="0"/>
-              <a:t>by</a:t>
-            </a:r>
-            <a:r>
-              <a:rPr lang="de-DE" dirty="0" smtClean="0"/>
-              <a:t> </a:t>
-            </a:r>
-            <a:r>
-              <a:rPr lang="de-DE" dirty="0" err="1" smtClean="0"/>
-              <a:t>increasing</a:t>
-            </a:r>
-            <a:r>
-              <a:rPr lang="de-DE" dirty="0" smtClean="0"/>
-              <a:t> </a:t>
-            </a:r>
-            <a:r>
-              <a:rPr lang="de-DE" dirty="0" err="1" smtClean="0"/>
-              <a:t>readability</a:t>
-            </a:r>
-            <a:endParaRPr lang="de-DE" dirty="0" smtClean="0"/>
-          </a:p>
-          <a:p>
-            <a:pPr lvl="1"/>
-            <a:r>
-              <a:rPr lang="de-DE" dirty="0" smtClean="0"/>
-              <a:t>Compiler </a:t>
-            </a:r>
-            <a:r>
-              <a:rPr lang="de-DE" dirty="0" err="1" smtClean="0"/>
-              <a:t>can</a:t>
-            </a:r>
-            <a:r>
-              <a:rPr lang="de-DE" dirty="0" smtClean="0"/>
-              <a:t> check </a:t>
-            </a:r>
-            <a:r>
-              <a:rPr lang="de-DE" dirty="0" err="1" smtClean="0"/>
-              <a:t>during</a:t>
-            </a:r>
-            <a:r>
-              <a:rPr lang="de-DE" dirty="0" smtClean="0"/>
-              <a:t> </a:t>
-            </a:r>
-            <a:r>
-              <a:rPr lang="de-DE" dirty="0" err="1" smtClean="0"/>
-              <a:t>compile</a:t>
-            </a:r>
-            <a:r>
-              <a:rPr lang="de-DE" dirty="0" smtClean="0"/>
-              <a:t> time, </a:t>
-            </a:r>
-            <a:r>
-              <a:rPr lang="de-DE" dirty="0" err="1" smtClean="0"/>
-              <a:t>whether</a:t>
-            </a:r>
-            <a:r>
-              <a:rPr lang="de-DE" dirty="0" smtClean="0"/>
-              <a:t> </a:t>
-            </a:r>
-            <a:r>
-              <a:rPr lang="de-DE" dirty="0" err="1" smtClean="0"/>
-              <a:t>only</a:t>
-            </a:r>
-            <a:r>
-              <a:rPr lang="de-DE" dirty="0" smtClean="0"/>
-              <a:t> valid </a:t>
-            </a:r>
-            <a:r>
-              <a:rPr lang="de-DE" dirty="0" err="1" smtClean="0"/>
-              <a:t>values</a:t>
-            </a:r>
-            <a:r>
-              <a:rPr lang="de-DE" dirty="0" smtClean="0"/>
-              <a:t> </a:t>
-            </a:r>
-            <a:r>
-              <a:rPr lang="de-DE" dirty="0" err="1" smtClean="0"/>
-              <a:t>are</a:t>
-            </a:r>
-            <a:r>
-              <a:rPr lang="de-DE" dirty="0" smtClean="0"/>
-              <a:t> </a:t>
-            </a:r>
-            <a:r>
-              <a:rPr lang="de-DE" dirty="0" err="1" smtClean="0"/>
-              <a:t>used</a:t>
-            </a:r>
-            <a:endParaRPr lang="de-DE" dirty="0"/>
-          </a:p>
-        </p:txBody>
-      </p:sp>
-      <p:sp>
-        <p:nvSpPr>
-          <p:cNvPr id="4" name="Foliennummernplatzhalter 3"/>
-          <p:cNvSpPr>
-            <a:spLocks noGrp="1"/>
-          </p:cNvSpPr>
-          <p:nvPr>
-            <p:ph type="sldNum" sz="quarter" idx="12"/>
-          </p:nvPr>
-        </p:nvSpPr>
-        <p:spPr/>
-        <p:txBody>
-          <a:bodyPr/>
-          <a:lstStyle/>
-          <a:p>
-            <a:pPr>
-              <a:defRPr/>
-            </a:pPr>
             <a:fld id="{D920831B-DC5E-4C4B-9AC3-4A50BC0A0714}" type="slidenum">
               <a:rPr lang="de-DE"/>
               <a:pPr>
                 <a:defRPr/>
               </a:pPr>
-              <a:t>22</a:t>
+              <a:t>20</a:t>
             </a:fld>
             <a:endParaRPr lang="de-DE"/>
           </a:p>
@@ -26617,7 +24955,7 @@
 </p:sld>
 </file>
 
-<file path=ppt/slides/slide23.xml><?xml version="1.0" encoding="utf-8"?>
+<file path=ppt/slides/slide21.xml><?xml version="1.0" encoding="utf-8"?>
 <p:sld xmlns:a="http://schemas.openxmlformats.org/drawingml/2006/main" xmlns:r="http://schemas.openxmlformats.org/officeDocument/2006/relationships" xmlns:p="http://schemas.openxmlformats.org/presentationml/2006/main">
   <p:cSld>
     <p:spTree>
@@ -26992,7 +25330,7 @@
               <a:pPr>
                 <a:defRPr/>
               </a:pPr>
-              <a:t>23</a:t>
+              <a:t>21</a:t>
             </a:fld>
             <a:endParaRPr lang="de-DE"/>
           </a:p>
@@ -27006,7 +25344,7 @@
 </p:sld>
 </file>
 
-<file path=ppt/slides/slide24.xml><?xml version="1.0" encoding="utf-8"?>
+<file path=ppt/slides/slide22.xml><?xml version="1.0" encoding="utf-8"?>
 <p:sld xmlns:a="http://schemas.openxmlformats.org/drawingml/2006/main" xmlns:r="http://schemas.openxmlformats.org/officeDocument/2006/relationships" xmlns:p="http://schemas.openxmlformats.org/presentationml/2006/main">
   <p:cSld>
     <p:spTree>
@@ -27174,7 +25512,7 @@
               <a:pPr>
                 <a:defRPr/>
               </a:pPr>
-              <a:t>24</a:t>
+              <a:t>22</a:t>
             </a:fld>
             <a:endParaRPr lang="de-DE"/>
           </a:p>
@@ -28284,8 +26622,8 @@
         </p:nvCxnSpPr>
         <p:spPr>
           <a:xfrm>
-            <a:off x="4008438" y="2420938"/>
-            <a:ext cx="792162" cy="792162"/>
+            <a:off x="3791744" y="2780928"/>
+            <a:ext cx="1008856" cy="432172"/>
           </a:xfrm>
           <a:prstGeom prst="straightConnector1">
             <a:avLst/>
@@ -28320,8 +26658,8 @@
         </p:nvCxnSpPr>
         <p:spPr>
           <a:xfrm>
-            <a:off x="7751764" y="2708276"/>
-            <a:ext cx="1008533" cy="1224781"/>
+            <a:off x="7968208" y="2997014"/>
+            <a:ext cx="1684300" cy="143954"/>
           </a:xfrm>
           <a:prstGeom prst="straightConnector1">
             <a:avLst/>
@@ -28358,8 +26696,8 @@
         </p:nvSpPr>
         <p:spPr bwMode="auto">
           <a:xfrm>
-            <a:off x="8229600" y="2830514"/>
-            <a:ext cx="1563688" cy="369887"/>
+            <a:off x="9652508" y="2922098"/>
+            <a:ext cx="1355820" cy="369332"/>
           </a:xfrm>
           <a:prstGeom prst="rect">
             <a:avLst/>
@@ -28379,11 +26717,26 @@
           <a:lstStyle/>
           <a:p>
             <a:r>
-              <a:rPr lang="de-DE">
+              <a:rPr lang="de-DE" dirty="0" err="1" smtClean="0">
                 <a:latin typeface="Calibri" pitchFamily="34" charset="0"/>
               </a:rPr>
-              <a:t>Wert festlegen</a:t>
-            </a:r>
+              <a:t>Define</a:t>
+            </a:r>
+            <a:r>
+              <a:rPr lang="de-DE" dirty="0" smtClean="0">
+                <a:latin typeface="Calibri" pitchFamily="34" charset="0"/>
+              </a:rPr>
+              <a:t> </a:t>
+            </a:r>
+            <a:r>
+              <a:rPr lang="de-DE" dirty="0" err="1" smtClean="0">
+                <a:latin typeface="Calibri" pitchFamily="34" charset="0"/>
+              </a:rPr>
+              <a:t>value</a:t>
+            </a:r>
+            <a:endParaRPr lang="de-DE" dirty="0">
+              <a:latin typeface="Calibri" pitchFamily="34" charset="0"/>
+            </a:endParaRPr>
           </a:p>
         </p:txBody>
       </p:sp>
@@ -28802,7 +27155,7 @@
 </p:sld>
 </file>
 
-<file path=ppt/slides/slide25.xml><?xml version="1.0" encoding="utf-8"?>
+<file path=ppt/slides/slide23.xml><?xml version="1.0" encoding="utf-8"?>
 <p:sld xmlns:a="http://schemas.openxmlformats.org/drawingml/2006/main" xmlns:r="http://schemas.openxmlformats.org/officeDocument/2006/relationships" xmlns:p="http://schemas.openxmlformats.org/presentationml/2006/main">
   <p:cSld>
     <p:spTree>
@@ -28987,7 +27340,7 @@
               <a:pPr>
                 <a:defRPr/>
               </a:pPr>
-              <a:t>25</a:t>
+              <a:t>23</a:t>
             </a:fld>
             <a:endParaRPr lang="de-DE"/>
           </a:p>
@@ -29001,7 +27354,7 @@
 </p:sld>
 </file>
 
-<file path=ppt/slides/slide26.xml><?xml version="1.0" encoding="utf-8"?>
+<file path=ppt/slides/slide24.xml><?xml version="1.0" encoding="utf-8"?>
 <p:sld xmlns:a="http://schemas.openxmlformats.org/drawingml/2006/main" xmlns:r="http://schemas.openxmlformats.org/officeDocument/2006/relationships" xmlns:p="http://schemas.openxmlformats.org/presentationml/2006/main">
   <p:cSld>
     <p:spTree>
@@ -29176,7 +27529,7 @@
               <a:pPr>
                 <a:defRPr/>
               </a:pPr>
-              <a:t>26</a:t>
+              <a:t>24</a:t>
             </a:fld>
             <a:endParaRPr lang="de-DE"/>
           </a:p>
@@ -31064,7 +29417,7 @@
 </p:sld>
 </file>
 
-<file path=ppt/slides/slide27.xml><?xml version="1.0" encoding="utf-8"?>
+<file path=ppt/slides/slide25.xml><?xml version="1.0" encoding="utf-8"?>
 <p:sld xmlns:a="http://schemas.openxmlformats.org/drawingml/2006/main" xmlns:r="http://schemas.openxmlformats.org/officeDocument/2006/relationships" xmlns:p="http://schemas.openxmlformats.org/presentationml/2006/main">
   <p:cSld>
     <p:spTree>
@@ -31396,7 +29749,7 @@
               <a:pPr>
                 <a:defRPr/>
               </a:pPr>
-              <a:t>27</a:t>
+              <a:t>25</a:t>
             </a:fld>
             <a:endParaRPr lang="de-DE"/>
           </a:p>
@@ -32451,7 +30804,7 @@
 </p:sld>
 </file>
 
-<file path=ppt/slides/slide28.xml><?xml version="1.0" encoding="utf-8"?>
+<file path=ppt/slides/slide26.xml><?xml version="1.0" encoding="utf-8"?>
 <p:sld xmlns:a="http://schemas.openxmlformats.org/drawingml/2006/main" xmlns:r="http://schemas.openxmlformats.org/officeDocument/2006/relationships" xmlns:p="http://schemas.openxmlformats.org/presentationml/2006/main">
   <p:cSld>
     <p:spTree>
@@ -32651,7 +31004,7 @@
               <a:pPr>
                 <a:defRPr/>
               </a:pPr>
-              <a:t>28</a:t>
+              <a:t>26</a:t>
             </a:fld>
             <a:endParaRPr lang="de-DE"/>
           </a:p>
@@ -32979,7 +31332,7 @@
 </p:sld>
 </file>
 
-<file path=ppt/slides/slide29.xml><?xml version="1.0" encoding="utf-8"?>
+<file path=ppt/slides/slide27.xml><?xml version="1.0" encoding="utf-8"?>
 <p:sld xmlns:a="http://schemas.openxmlformats.org/drawingml/2006/main" xmlns:r="http://schemas.openxmlformats.org/officeDocument/2006/relationships" xmlns:p="http://schemas.openxmlformats.org/presentationml/2006/main">
   <p:cSld>
     <p:spTree>
@@ -33155,7 +31508,7 @@
               <a:pPr>
                 <a:defRPr/>
               </a:pPr>
-              <a:t>29</a:t>
+              <a:t>27</a:t>
             </a:fld>
             <a:endParaRPr lang="de-DE"/>
           </a:p>
@@ -33166,6 +31519,1672 @@
   <p:clrMapOvr>
     <a:masterClrMapping/>
   </p:clrMapOvr>
+</p:sld>
+</file>
+
+<file path=ppt/slides/slide28.xml><?xml version="1.0" encoding="utf-8"?>
+<p:sld xmlns:a="http://schemas.openxmlformats.org/drawingml/2006/main" xmlns:r="http://schemas.openxmlformats.org/officeDocument/2006/relationships" xmlns:p="http://schemas.openxmlformats.org/presentationml/2006/main">
+  <p:cSld>
+    <p:spTree>
+      <p:nvGrpSpPr>
+        <p:cNvPr id="1" name=""/>
+        <p:cNvGrpSpPr/>
+        <p:nvPr/>
+      </p:nvGrpSpPr>
+      <p:grpSpPr>
+        <a:xfrm>
+          <a:off x="0" y="0"/>
+          <a:ext cx="0" cy="0"/>
+          <a:chOff x="0" y="0"/>
+          <a:chExt cx="0" cy="0"/>
+        </a:xfrm>
+      </p:grpSpPr>
+      <p:sp>
+        <p:nvSpPr>
+          <p:cNvPr id="66561" name="Titel 1"/>
+          <p:cNvSpPr>
+            <a:spLocks noGrp="1"/>
+          </p:cNvSpPr>
+          <p:nvPr>
+            <p:ph type="title"/>
+          </p:nvPr>
+        </p:nvSpPr>
+        <p:spPr/>
+        <p:txBody>
+          <a:bodyPr/>
+          <a:lstStyle/>
+          <a:p>
+            <a:r>
+              <a:rPr lang="de-DE" dirty="0" err="1" smtClean="0"/>
+              <a:t>Recursion</a:t>
+            </a:r>
+            <a:endParaRPr lang="de-DE" dirty="0"/>
+          </a:p>
+        </p:txBody>
+      </p:sp>
+      <mc:AlternateContent xmlns:mc="http://schemas.openxmlformats.org/markup-compatibility/2006" xmlns:a14="http://schemas.microsoft.com/office/drawing/2010/main">
+        <mc:Choice Requires="a14">
+          <p:sp>
+            <p:nvSpPr>
+              <p:cNvPr id="66562" name="Inhaltsplatzhalter 2"/>
+              <p:cNvSpPr>
+                <a:spLocks noGrp="1"/>
+              </p:cNvSpPr>
+              <p:nvPr>
+                <p:ph idx="1"/>
+              </p:nvPr>
+            </p:nvSpPr>
+            <p:spPr/>
+            <p:txBody>
+              <a:bodyPr>
+                <a:normAutofit/>
+              </a:bodyPr>
+              <a:lstStyle/>
+              <a:p>
+                <a:r>
+                  <a:rPr lang="de-DE" dirty="0" err="1" smtClean="0"/>
+                  <a:t>Idea</a:t>
+                </a:r>
+                <a:r>
+                  <a:rPr lang="de-DE" dirty="0" smtClean="0"/>
+                  <a:t>: </a:t>
+                </a:r>
+                <a:r>
+                  <a:rPr lang="de-DE" dirty="0" err="1" smtClean="0"/>
+                  <a:t>Reduce</a:t>
+                </a:r>
+                <a:r>
+                  <a:rPr lang="de-DE" dirty="0" smtClean="0"/>
+                  <a:t> a </a:t>
+                </a:r>
+                <a:r>
+                  <a:rPr lang="de-DE" dirty="0" err="1" smtClean="0"/>
+                  <a:t>general</a:t>
+                </a:r>
+                <a:r>
+                  <a:rPr lang="de-DE" dirty="0" smtClean="0"/>
+                  <a:t> </a:t>
+                </a:r>
+                <a:r>
+                  <a:rPr lang="de-DE" dirty="0" err="1" smtClean="0"/>
+                  <a:t>task</a:t>
+                </a:r>
+                <a:r>
+                  <a:rPr lang="de-DE" dirty="0" smtClean="0"/>
+                  <a:t> </a:t>
+                </a:r>
+                <a:r>
+                  <a:rPr lang="de-DE" dirty="0" err="1" smtClean="0"/>
+                  <a:t>to</a:t>
+                </a:r>
+                <a:r>
+                  <a:rPr lang="de-DE" dirty="0" smtClean="0"/>
+                  <a:t> a simpler </a:t>
+                </a:r>
+                <a:r>
+                  <a:rPr lang="de-DE" dirty="0" err="1" smtClean="0"/>
+                  <a:t>task</a:t>
+                </a:r>
+                <a:endParaRPr lang="de-DE" dirty="0"/>
+              </a:p>
+              <a:p>
+                <a:endParaRPr lang="de-DE" b="0" i="1" dirty="0">
+                  <a:latin typeface="Cambria Math"/>
+                </a:endParaRPr>
+              </a:p>
+              <a:p>
+                <a14:m>
+                  <m:oMath xmlns:m="http://schemas.openxmlformats.org/officeDocument/2006/math">
+                    <m:r>
+                      <a:rPr lang="de-DE" b="0" i="1" smtClean="0">
+                        <a:latin typeface="Cambria Math"/>
+                      </a:rPr>
+                      <m:t>𝑠𝑢𝑚</m:t>
+                    </m:r>
+                    <m:d>
+                      <m:dPr>
+                        <m:ctrlPr>
+                          <a:rPr lang="de-DE" b="0" i="1" smtClean="0">
+                            <a:latin typeface="Cambria Math" panose="02040503050406030204" pitchFamily="18" charset="0"/>
+                          </a:rPr>
+                        </m:ctrlPr>
+                      </m:dPr>
+                      <m:e>
+                        <m:r>
+                          <a:rPr lang="de-DE" b="0" i="1" smtClean="0">
+                            <a:latin typeface="Cambria Math"/>
+                          </a:rPr>
+                          <m:t>𝑛</m:t>
+                        </m:r>
+                      </m:e>
+                    </m:d>
+                    <m:r>
+                      <a:rPr lang="de-DE" b="0" i="1" smtClean="0">
+                        <a:latin typeface="Cambria Math"/>
+                      </a:rPr>
+                      <m:t>= </m:t>
+                    </m:r>
+                    <m:nary>
+                      <m:naryPr>
+                        <m:chr m:val="∑"/>
+                        <m:ctrlPr>
+                          <a:rPr lang="de-DE" b="0" i="1" smtClean="0">
+                            <a:latin typeface="Cambria Math" panose="02040503050406030204" pitchFamily="18" charset="0"/>
+                          </a:rPr>
+                        </m:ctrlPr>
+                      </m:naryPr>
+                      <m:sub>
+                        <m:r>
+                          <m:rPr>
+                            <m:brk m:alnAt="23"/>
+                          </m:rPr>
+                          <a:rPr lang="de-DE" b="0" i="1" smtClean="0">
+                            <a:latin typeface="Cambria Math"/>
+                          </a:rPr>
+                          <m:t>𝑖</m:t>
+                        </m:r>
+                        <m:r>
+                          <a:rPr lang="de-DE" b="0" i="1" smtClean="0">
+                            <a:latin typeface="Cambria Math"/>
+                          </a:rPr>
+                          <m:t>=0</m:t>
+                        </m:r>
+                      </m:sub>
+                      <m:sup>
+                        <m:r>
+                          <a:rPr lang="de-DE" b="0" i="1" smtClean="0">
+                            <a:latin typeface="Cambria Math"/>
+                          </a:rPr>
+                          <m:t>𝑛</m:t>
+                        </m:r>
+                      </m:sup>
+                      <m:e>
+                        <m:r>
+                          <a:rPr lang="de-DE" b="0" i="1" smtClean="0">
+                            <a:latin typeface="Cambria Math"/>
+                          </a:rPr>
+                          <m:t>𝑖</m:t>
+                        </m:r>
+                      </m:e>
+                    </m:nary>
+                  </m:oMath>
+                </a14:m>
+                <a:endParaRPr lang="de-DE" dirty="0"/>
+              </a:p>
+              <a:p>
+                <a:pPr lvl="1"/>
+                <a14:m>
+                  <m:oMath xmlns:m="http://schemas.openxmlformats.org/officeDocument/2006/math">
+                    <m:r>
+                      <a:rPr lang="de-DE" i="1" smtClean="0">
+                        <a:latin typeface="Cambria Math"/>
+                      </a:rPr>
+                      <m:t>𝑠𝑢𝑚</m:t>
+                    </m:r>
+                    <m:d>
+                      <m:dPr>
+                        <m:ctrlPr>
+                          <a:rPr lang="de-DE" i="1">
+                            <a:latin typeface="Cambria Math" panose="02040503050406030204" pitchFamily="18" charset="0"/>
+                          </a:rPr>
+                        </m:ctrlPr>
+                      </m:dPr>
+                      <m:e>
+                        <m:r>
+                          <a:rPr lang="de-DE" i="1">
+                            <a:latin typeface="Cambria Math"/>
+                          </a:rPr>
+                          <m:t>𝑛</m:t>
+                        </m:r>
+                      </m:e>
+                    </m:d>
+                    <m:r>
+                      <a:rPr lang="de-DE" i="1">
+                        <a:latin typeface="Cambria Math"/>
+                      </a:rPr>
+                      <m:t>=</m:t>
+                    </m:r>
+                    <m:r>
+                      <a:rPr lang="de-DE" b="0" i="1" smtClean="0">
+                        <a:latin typeface="Cambria Math"/>
+                      </a:rPr>
+                      <m:t>𝑠𝑢𝑚</m:t>
+                    </m:r>
+                    <m:d>
+                      <m:dPr>
+                        <m:ctrlPr>
+                          <a:rPr lang="de-DE" b="0" i="1" smtClean="0">
+                            <a:latin typeface="Cambria Math" panose="02040503050406030204" pitchFamily="18" charset="0"/>
+                          </a:rPr>
+                        </m:ctrlPr>
+                      </m:dPr>
+                      <m:e>
+                        <m:r>
+                          <a:rPr lang="de-DE" b="0" i="1" smtClean="0">
+                            <a:latin typeface="Cambria Math"/>
+                          </a:rPr>
+                          <m:t>𝑛</m:t>
+                        </m:r>
+                        <m:r>
+                          <a:rPr lang="de-DE" b="0" i="1" smtClean="0">
+                            <a:latin typeface="Cambria Math"/>
+                          </a:rPr>
+                          <m:t>−1</m:t>
+                        </m:r>
+                      </m:e>
+                    </m:d>
+                    <m:r>
+                      <a:rPr lang="de-DE" b="0" i="1" smtClean="0">
+                        <a:latin typeface="Cambria Math"/>
+                      </a:rPr>
+                      <m:t>+</m:t>
+                    </m:r>
+                    <m:r>
+                      <a:rPr lang="de-DE" b="0" i="1" smtClean="0">
+                        <a:latin typeface="Cambria Math"/>
+                      </a:rPr>
+                      <m:t>𝑛</m:t>
+                    </m:r>
+                  </m:oMath>
+                </a14:m>
+                <a:endParaRPr lang="de-DE" b="0" dirty="0"/>
+              </a:p>
+              <a:p>
+                <a:pPr lvl="1"/>
+                <a14:m>
+                  <m:oMath xmlns:m="http://schemas.openxmlformats.org/officeDocument/2006/math">
+                    <m:r>
+                      <a:rPr lang="de-DE" i="1">
+                        <a:latin typeface="Cambria Math"/>
+                      </a:rPr>
+                      <m:t>𝑠𝑢𝑚</m:t>
+                    </m:r>
+                    <m:d>
+                      <m:dPr>
+                        <m:ctrlPr>
+                          <a:rPr lang="de-DE" b="0" i="1" smtClean="0">
+                            <a:latin typeface="Cambria Math" panose="02040503050406030204" pitchFamily="18" charset="0"/>
+                          </a:rPr>
+                        </m:ctrlPr>
+                      </m:dPr>
+                      <m:e>
+                        <m:r>
+                          <a:rPr lang="de-DE" b="0" i="1" smtClean="0">
+                            <a:latin typeface="Cambria Math"/>
+                          </a:rPr>
+                          <m:t>0</m:t>
+                        </m:r>
+                      </m:e>
+                    </m:d>
+                    <m:r>
+                      <a:rPr lang="de-DE" b="0" i="1" smtClean="0">
+                        <a:latin typeface="Cambria Math"/>
+                      </a:rPr>
+                      <m:t>=0</m:t>
+                    </m:r>
+                  </m:oMath>
+                </a14:m>
+                <a:endParaRPr lang="de-DE" dirty="0"/>
+              </a:p>
+              <a:p>
+                <a:pPr marL="457200" lvl="1" indent="0">
+                  <a:buNone/>
+                </a:pPr>
+                <a:endParaRPr lang="de-DE" dirty="0"/>
+              </a:p>
+              <a:p>
+                <a:endParaRPr lang="de-DE" dirty="0"/>
+              </a:p>
+            </p:txBody>
+          </p:sp>
+        </mc:Choice>
+        <mc:Fallback xmlns="">
+          <p:sp>
+            <p:nvSpPr>
+              <p:cNvPr id="66562" name="Inhaltsplatzhalter 2"/>
+              <p:cNvSpPr>
+                <a:spLocks noGrp="1" noRot="1" noChangeAspect="1" noMove="1" noResize="1" noEditPoints="1" noAdjustHandles="1" noChangeArrowheads="1" noChangeShapeType="1" noTextEdit="1"/>
+              </p:cNvSpPr>
+              <p:nvPr>
+                <p:ph idx="1"/>
+              </p:nvPr>
+            </p:nvSpPr>
+            <p:spPr>
+              <a:blipFill>
+                <a:blip r:embed="rId3"/>
+                <a:stretch>
+                  <a:fillRect l="-812" t="-1061"/>
+                </a:stretch>
+              </a:blipFill>
+            </p:spPr>
+            <p:txBody>
+              <a:bodyPr/>
+              <a:lstStyle/>
+              <a:p>
+                <a:r>
+                  <a:rPr lang="en-US">
+                    <a:noFill/>
+                  </a:rPr>
+                  <a:t> </a:t>
+                </a:r>
+              </a:p>
+            </p:txBody>
+          </p:sp>
+        </mc:Fallback>
+      </mc:AlternateContent>
+      <p:sp>
+        <p:nvSpPr>
+          <p:cNvPr id="4" name="Foliennummernplatzhalter 3"/>
+          <p:cNvSpPr>
+            <a:spLocks noGrp="1"/>
+          </p:cNvSpPr>
+          <p:nvPr>
+            <p:ph type="sldNum" sz="quarter" idx="12"/>
+          </p:nvPr>
+        </p:nvSpPr>
+        <p:spPr/>
+        <p:txBody>
+          <a:bodyPr/>
+          <a:lstStyle/>
+          <a:p>
+            <a:pPr>
+              <a:defRPr/>
+            </a:pPr>
+            <a:fld id="{46C4B966-D61B-4B16-8D31-16527D9409CB}" type="slidenum">
+              <a:rPr lang="de-DE"/>
+              <a:pPr>
+                <a:defRPr/>
+              </a:pPr>
+              <a:t>28</a:t>
+            </a:fld>
+            <a:endParaRPr lang="de-DE"/>
+          </a:p>
+        </p:txBody>
+      </p:sp>
+      <p:pic>
+        <p:nvPicPr>
+          <p:cNvPr id="5" name="Picture 2" descr="http://upload.wikimedia.org/wikipedia/commons/b/b3/Screenshot_Recursion_via_vlc.png"/>
+          <p:cNvPicPr>
+            <a:picLocks noChangeAspect="1" noChangeArrowheads="1"/>
+          </p:cNvPicPr>
+          <p:nvPr/>
+        </p:nvPicPr>
+        <p:blipFill>
+          <a:blip r:embed="rId4"/>
+          <a:srcRect/>
+          <a:stretch>
+            <a:fillRect/>
+          </a:stretch>
+        </p:blipFill>
+        <p:spPr bwMode="auto">
+          <a:xfrm>
+            <a:off x="7967664" y="4149081"/>
+            <a:ext cx="2408237" cy="1925637"/>
+          </a:xfrm>
+          <a:prstGeom prst="rect">
+            <a:avLst/>
+          </a:prstGeom>
+          <a:noFill/>
+          <a:ln w="9525">
+            <a:noFill/>
+            <a:miter lim="800000"/>
+            <a:headEnd/>
+            <a:tailEnd/>
+          </a:ln>
+        </p:spPr>
+      </p:pic>
+    </p:spTree>
+    <p:extLst>
+      <p:ext uri="{BB962C8B-B14F-4D97-AF65-F5344CB8AC3E}">
+        <p14:creationId xmlns:p14="http://schemas.microsoft.com/office/powerpoint/2010/main" val="1222805546"/>
+      </p:ext>
+    </p:extLst>
+  </p:cSld>
+  <p:clrMapOvr>
+    <a:masterClrMapping/>
+  </p:clrMapOvr>
+  <p:timing>
+    <p:tnLst>
+      <p:par>
+        <p:cTn id="1" dur="indefinite" restart="never" nodeType="tmRoot"/>
+      </p:par>
+    </p:tnLst>
+  </p:timing>
+</p:sld>
+</file>
+
+<file path=ppt/slides/slide29.xml><?xml version="1.0" encoding="utf-8"?>
+<p:sld xmlns:a="http://schemas.openxmlformats.org/drawingml/2006/main" xmlns:r="http://schemas.openxmlformats.org/officeDocument/2006/relationships" xmlns:p="http://schemas.openxmlformats.org/presentationml/2006/main">
+  <p:cSld>
+    <p:spTree>
+      <p:nvGrpSpPr>
+        <p:cNvPr id="1" name=""/>
+        <p:cNvGrpSpPr/>
+        <p:nvPr/>
+      </p:nvGrpSpPr>
+      <p:grpSpPr>
+        <a:xfrm>
+          <a:off x="0" y="0"/>
+          <a:ext cx="0" cy="0"/>
+          <a:chOff x="0" y="0"/>
+          <a:chExt cx="0" cy="0"/>
+        </a:xfrm>
+      </p:grpSpPr>
+      <mc:AlternateContent xmlns:mc="http://schemas.openxmlformats.org/markup-compatibility/2006" xmlns:a14="http://schemas.microsoft.com/office/drawing/2010/main">
+        <mc:Choice Requires="a14">
+          <p:sp>
+            <p:nvSpPr>
+              <p:cNvPr id="3" name="Inhaltsplatzhalter 2"/>
+              <p:cNvSpPr>
+                <a:spLocks noGrp="1"/>
+              </p:cNvSpPr>
+              <p:nvPr>
+                <p:ph idx="1"/>
+              </p:nvPr>
+            </p:nvSpPr>
+            <p:spPr/>
+            <p:txBody>
+              <a:bodyPr/>
+              <a:lstStyle/>
+              <a:p>
+                <a:r>
+                  <a:rPr lang="de-DE" dirty="0" err="1" smtClean="0"/>
+                  <a:t>Implement</a:t>
+                </a:r>
+                <a:r>
+                  <a:rPr lang="de-DE" dirty="0" smtClean="0"/>
+                  <a:t> a </a:t>
+                </a:r>
+                <a:r>
+                  <a:rPr lang="de-DE" dirty="0" err="1" smtClean="0"/>
+                  <a:t>recursive</a:t>
+                </a:r>
+                <a:r>
+                  <a:rPr lang="de-DE" dirty="0" smtClean="0"/>
+                  <a:t> </a:t>
+                </a:r>
+                <a:r>
+                  <a:rPr lang="de-DE" dirty="0" err="1" smtClean="0"/>
+                  <a:t>version</a:t>
+                </a:r>
+                <a:r>
+                  <a:rPr lang="de-DE" dirty="0" smtClean="0"/>
+                  <a:t> </a:t>
+                </a:r>
+                <a:r>
+                  <a:rPr lang="de-DE" dirty="0" err="1" smtClean="0"/>
+                  <a:t>of</a:t>
+                </a:r>
+                <a:r>
+                  <a:rPr lang="de-DE" dirty="0" smtClean="0"/>
+                  <a:t> </a:t>
+                </a:r>
+                <a:r>
+                  <a:rPr lang="de-DE" dirty="0" err="1" smtClean="0"/>
+                  <a:t>factorial</a:t>
+                </a:r>
+                <a:endParaRPr lang="de-DE" dirty="0"/>
+              </a:p>
+              <a:p>
+                <a:r>
+                  <a:rPr lang="de-DE" dirty="0" err="1"/>
+                  <a:t>fac</a:t>
+                </a:r>
+                <a:r>
+                  <a:rPr lang="de-DE" dirty="0"/>
+                  <a:t>(n) = </a:t>
+                </a:r>
+                <a14:m>
+                  <m:oMath xmlns:m="http://schemas.openxmlformats.org/officeDocument/2006/math">
+                    <m:nary>
+                      <m:naryPr>
+                        <m:chr m:val="∏"/>
+                        <m:limLoc m:val="subSup"/>
+                        <m:ctrlPr>
+                          <a:rPr lang="de-DE" i="1" smtClean="0">
+                            <a:latin typeface="Cambria Math" panose="02040503050406030204" pitchFamily="18" charset="0"/>
+                          </a:rPr>
+                        </m:ctrlPr>
+                      </m:naryPr>
+                      <m:sub>
+                        <m:r>
+                          <m:rPr>
+                            <m:brk m:alnAt="25"/>
+                          </m:rPr>
+                          <a:rPr lang="de-DE" b="0" i="1" smtClean="0">
+                            <a:latin typeface="Cambria Math"/>
+                          </a:rPr>
+                          <m:t>𝑖</m:t>
+                        </m:r>
+                        <m:r>
+                          <a:rPr lang="de-DE" b="0" i="1" smtClean="0">
+                            <a:latin typeface="Cambria Math"/>
+                          </a:rPr>
+                          <m:t>=1</m:t>
+                        </m:r>
+                      </m:sub>
+                      <m:sup>
+                        <m:r>
+                          <a:rPr lang="de-DE" b="0" i="1" smtClean="0">
+                            <a:latin typeface="Cambria Math"/>
+                          </a:rPr>
+                          <m:t>𝑛</m:t>
+                        </m:r>
+                      </m:sup>
+                      <m:e>
+                        <m:r>
+                          <a:rPr lang="de-DE" b="0" i="1" smtClean="0">
+                            <a:latin typeface="Cambria Math"/>
+                          </a:rPr>
+                          <m:t>𝑖</m:t>
+                        </m:r>
+                      </m:e>
+                    </m:nary>
+                  </m:oMath>
+                </a14:m>
+                <a:endParaRPr lang="de-DE" dirty="0"/>
+              </a:p>
+              <a:p>
+                <a:pPr lvl="1"/>
+                <a:r>
+                  <a:rPr lang="de-DE" dirty="0" err="1"/>
+                  <a:t>fac</a:t>
+                </a:r>
+                <a:r>
+                  <a:rPr lang="de-DE" dirty="0"/>
+                  <a:t>(0) = 1</a:t>
+                </a:r>
+              </a:p>
+              <a:p>
+                <a:pPr lvl="1"/>
+                <a:r>
+                  <a:rPr lang="de-DE" dirty="0" err="1"/>
+                  <a:t>fac</a:t>
+                </a:r>
+                <a:r>
+                  <a:rPr lang="de-DE" dirty="0"/>
+                  <a:t>(1) = 1</a:t>
+                </a:r>
+              </a:p>
+              <a:p>
+                <a:pPr lvl="1"/>
+                <a:r>
+                  <a:rPr lang="de-DE" dirty="0" err="1"/>
+                  <a:t>fac</a:t>
+                </a:r>
+                <a:r>
+                  <a:rPr lang="de-DE" dirty="0"/>
+                  <a:t>(2) = 2*1 = 2</a:t>
+                </a:r>
+              </a:p>
+              <a:p>
+                <a:pPr lvl="1"/>
+                <a:endParaRPr lang="de-DE" dirty="0"/>
+              </a:p>
+              <a:p>
+                <a:r>
+                  <a:rPr lang="de-DE" dirty="0" err="1" smtClean="0"/>
+                  <a:t>There</a:t>
+                </a:r>
+                <a:r>
+                  <a:rPr lang="de-DE" dirty="0" smtClean="0"/>
+                  <a:t> </a:t>
+                </a:r>
+                <a:r>
+                  <a:rPr lang="de-DE" dirty="0" err="1" smtClean="0"/>
+                  <a:t>are</a:t>
+                </a:r>
+                <a:r>
+                  <a:rPr lang="de-DE" dirty="0" smtClean="0"/>
+                  <a:t> </a:t>
+                </a:r>
+                <a:r>
+                  <a:rPr lang="de-DE" dirty="0" err="1" smtClean="0"/>
+                  <a:t>always</a:t>
+                </a:r>
+                <a:r>
+                  <a:rPr lang="de-DE" dirty="0" smtClean="0"/>
+                  <a:t> </a:t>
+                </a:r>
+                <a:r>
+                  <a:rPr lang="de-DE" dirty="0" err="1" smtClean="0"/>
+                  <a:t>to</a:t>
+                </a:r>
+                <a:r>
+                  <a:rPr lang="de-DE" dirty="0" smtClean="0"/>
+                  <a:t> </a:t>
+                </a:r>
+                <a:r>
+                  <a:rPr lang="de-DE" dirty="0" err="1" smtClean="0"/>
+                  <a:t>steps</a:t>
+                </a:r>
+                <a:r>
+                  <a:rPr lang="de-DE" dirty="0" smtClean="0"/>
+                  <a:t>:</a:t>
+                </a:r>
+                <a:endParaRPr lang="de-DE" dirty="0"/>
+              </a:p>
+              <a:p>
+                <a:pPr lvl="1"/>
+                <a:r>
+                  <a:rPr lang="de-DE" dirty="0" err="1" smtClean="0"/>
+                  <a:t>When</a:t>
+                </a:r>
+                <a:r>
+                  <a:rPr lang="de-DE" dirty="0" smtClean="0"/>
+                  <a:t> </a:t>
+                </a:r>
+                <a:r>
+                  <a:rPr lang="de-DE" dirty="0" err="1" smtClean="0"/>
+                  <a:t>to</a:t>
+                </a:r>
+                <a:r>
+                  <a:rPr lang="de-DE" dirty="0" smtClean="0"/>
+                  <a:t> </a:t>
+                </a:r>
+                <a:r>
+                  <a:rPr lang="de-DE" dirty="0" err="1" smtClean="0"/>
+                  <a:t>exit</a:t>
+                </a:r>
+                <a:r>
+                  <a:rPr lang="de-DE" dirty="0" smtClean="0"/>
+                  <a:t> </a:t>
+                </a:r>
+                <a:r>
+                  <a:rPr lang="de-DE" dirty="0" err="1" smtClean="0"/>
+                  <a:t>recursion</a:t>
+                </a:r>
+                <a:endParaRPr lang="de-DE" dirty="0"/>
+              </a:p>
+              <a:p>
+                <a:pPr lvl="1"/>
+                <a:r>
+                  <a:rPr lang="de-DE" dirty="0" err="1" smtClean="0"/>
+                  <a:t>What</a:t>
+                </a:r>
+                <a:r>
+                  <a:rPr lang="de-DE" dirty="0" smtClean="0"/>
+                  <a:t> </a:t>
+                </a:r>
+                <a:r>
+                  <a:rPr lang="de-DE" dirty="0" err="1" smtClean="0"/>
+                  <a:t>is</a:t>
+                </a:r>
+                <a:r>
+                  <a:rPr lang="de-DE" dirty="0" smtClean="0"/>
+                  <a:t> </a:t>
+                </a:r>
+                <a:r>
+                  <a:rPr lang="de-DE" dirty="0" err="1" smtClean="0"/>
+                  <a:t>actually</a:t>
+                </a:r>
+                <a:r>
+                  <a:rPr lang="de-DE" dirty="0" smtClean="0"/>
+                  <a:t> </a:t>
+                </a:r>
+                <a:r>
+                  <a:rPr lang="de-DE" dirty="0" err="1" smtClean="0"/>
+                  <a:t>done</a:t>
+                </a:r>
+                <a:r>
+                  <a:rPr lang="de-DE" dirty="0" smtClean="0"/>
+                  <a:t> in </a:t>
+                </a:r>
+                <a:r>
+                  <a:rPr lang="de-DE" dirty="0" err="1" smtClean="0"/>
+                  <a:t>recursion</a:t>
+                </a:r>
+                <a:endParaRPr lang="de-DE" dirty="0"/>
+              </a:p>
+              <a:p>
+                <a:pPr lvl="1"/>
+                <a:endParaRPr lang="de-DE" dirty="0"/>
+              </a:p>
+              <a:p>
+                <a:endParaRPr lang="en-US" dirty="0"/>
+              </a:p>
+            </p:txBody>
+          </p:sp>
+        </mc:Choice>
+        <mc:Fallback xmlns="">
+          <p:sp>
+            <p:nvSpPr>
+              <p:cNvPr id="3" name="Inhaltsplatzhalter 2"/>
+              <p:cNvSpPr>
+                <a:spLocks noGrp="1" noRot="1" noChangeAspect="1" noMove="1" noResize="1" noEditPoints="1" noAdjustHandles="1" noChangeArrowheads="1" noChangeShapeType="1" noTextEdit="1"/>
+              </p:cNvSpPr>
+              <p:nvPr>
+                <p:ph idx="1"/>
+              </p:nvPr>
+            </p:nvSpPr>
+            <p:spPr>
+              <a:blipFill>
+                <a:blip r:embed="rId2"/>
+                <a:stretch>
+                  <a:fillRect l="-812" t="-3581"/>
+                </a:stretch>
+              </a:blipFill>
+            </p:spPr>
+            <p:txBody>
+              <a:bodyPr/>
+              <a:lstStyle/>
+              <a:p>
+                <a:r>
+                  <a:rPr lang="en-US">
+                    <a:noFill/>
+                  </a:rPr>
+                  <a:t> </a:t>
+                </a:r>
+              </a:p>
+            </p:txBody>
+          </p:sp>
+        </mc:Fallback>
+      </mc:AlternateContent>
+      <p:sp>
+        <p:nvSpPr>
+          <p:cNvPr id="4" name="Foliennummernplatzhalter 3"/>
+          <p:cNvSpPr>
+            <a:spLocks noGrp="1"/>
+          </p:cNvSpPr>
+          <p:nvPr>
+            <p:ph type="sldNum" sz="quarter" idx="12"/>
+          </p:nvPr>
+        </p:nvSpPr>
+        <p:spPr/>
+        <p:txBody>
+          <a:bodyPr/>
+          <a:lstStyle/>
+          <a:p>
+            <a:pPr>
+              <a:defRPr/>
+            </a:pPr>
+            <a:fld id="{EC3E0582-09BD-43F8-B930-968B1751BD11}" type="slidenum">
+              <a:rPr lang="de-DE" smtClean="0"/>
+              <a:pPr>
+                <a:defRPr/>
+              </a:pPr>
+              <a:t>29</a:t>
+            </a:fld>
+            <a:endParaRPr lang="de-DE"/>
+          </a:p>
+        </p:txBody>
+      </p:sp>
+      <p:sp>
+        <p:nvSpPr>
+          <p:cNvPr id="2" name="Titel 1"/>
+          <p:cNvSpPr>
+            <a:spLocks noGrp="1"/>
+          </p:cNvSpPr>
+          <p:nvPr>
+            <p:ph type="title"/>
+          </p:nvPr>
+        </p:nvSpPr>
+        <p:spPr/>
+        <p:txBody>
+          <a:bodyPr/>
+          <a:lstStyle/>
+          <a:p>
+            <a:r>
+              <a:rPr lang="de-DE" dirty="0" err="1" smtClean="0"/>
+              <a:t>Factorial</a:t>
+            </a:r>
+            <a:r>
+              <a:rPr lang="de-DE" dirty="0" smtClean="0"/>
+              <a:t> </a:t>
+            </a:r>
+            <a:r>
+              <a:rPr lang="de-DE" dirty="0" err="1" smtClean="0"/>
+              <a:t>With</a:t>
+            </a:r>
+            <a:r>
+              <a:rPr lang="de-DE" dirty="0" smtClean="0"/>
+              <a:t> </a:t>
+            </a:r>
+            <a:r>
+              <a:rPr lang="de-DE" dirty="0" err="1" smtClean="0"/>
+              <a:t>Recursion</a:t>
+            </a:r>
+            <a:endParaRPr lang="en-US" dirty="0"/>
+          </a:p>
+        </p:txBody>
+      </p:sp>
+      <p:sp>
+        <p:nvSpPr>
+          <p:cNvPr id="6" name="Rechteck 5"/>
+          <p:cNvSpPr>
+            <a:spLocks noChangeArrowheads="1"/>
+          </p:cNvSpPr>
+          <p:nvPr/>
+        </p:nvSpPr>
+        <p:spPr bwMode="auto">
+          <a:xfrm>
+            <a:off x="9768408" y="4509120"/>
+            <a:ext cx="1553374" cy="369332"/>
+          </a:xfrm>
+          <a:prstGeom prst="rect">
+            <a:avLst/>
+          </a:prstGeom>
+          <a:noFill/>
+          <a:ln w="9525">
+            <a:noFill/>
+            <a:miter lim="800000"/>
+            <a:headEnd/>
+            <a:tailEnd/>
+          </a:ln>
+        </p:spPr>
+        <p:txBody>
+          <a:bodyPr wrap="none">
+            <a:spAutoFit/>
+          </a:bodyPr>
+          <a:lstStyle/>
+          <a:p>
+            <a:r>
+              <a:rPr lang="de-DE" b="1" dirty="0" smtClean="0">
+                <a:solidFill>
+                  <a:srgbClr val="FF0000"/>
+                </a:solidFill>
+                <a:latin typeface="Calibri" pitchFamily="34" charset="0"/>
+              </a:rPr>
+              <a:t>3 </a:t>
+            </a:r>
+            <a:r>
+              <a:rPr lang="de-DE" b="1" dirty="0" err="1" smtClean="0">
+                <a:solidFill>
+                  <a:srgbClr val="FF0000"/>
+                </a:solidFill>
+                <a:latin typeface="Calibri" pitchFamily="34" charset="0"/>
+              </a:rPr>
+              <a:t>to</a:t>
+            </a:r>
+            <a:r>
+              <a:rPr lang="de-DE" b="1" dirty="0" smtClean="0">
+                <a:solidFill>
+                  <a:srgbClr val="FF0000"/>
+                </a:solidFill>
+                <a:latin typeface="Calibri" pitchFamily="34" charset="0"/>
+              </a:rPr>
+              <a:t> 5 </a:t>
+            </a:r>
+            <a:r>
+              <a:rPr lang="de-DE" b="1" dirty="0" err="1" smtClean="0">
+                <a:solidFill>
+                  <a:srgbClr val="FF0000"/>
+                </a:solidFill>
+                <a:latin typeface="Calibri" pitchFamily="34" charset="0"/>
+              </a:rPr>
+              <a:t>minutes</a:t>
+            </a:r>
+            <a:endParaRPr lang="de-DE" b="1" dirty="0">
+              <a:solidFill>
+                <a:srgbClr val="FF0000"/>
+              </a:solidFill>
+              <a:latin typeface="Calibri" pitchFamily="34" charset="0"/>
+            </a:endParaRPr>
+          </a:p>
+        </p:txBody>
+      </p:sp>
+      <p:sp>
+        <p:nvSpPr>
+          <p:cNvPr id="7" name="Rechteck 6"/>
+          <p:cNvSpPr>
+            <a:spLocks noChangeArrowheads="1"/>
+          </p:cNvSpPr>
+          <p:nvPr/>
+        </p:nvSpPr>
+        <p:spPr bwMode="auto">
+          <a:xfrm>
+            <a:off x="5951984" y="2852936"/>
+            <a:ext cx="4662487" cy="2892425"/>
+          </a:xfrm>
+          <a:prstGeom prst="rect">
+            <a:avLst/>
+          </a:prstGeom>
+          <a:noFill/>
+          <a:ln w="9525">
+            <a:noFill/>
+            <a:miter lim="800000"/>
+            <a:headEnd/>
+            <a:tailEnd/>
+          </a:ln>
+        </p:spPr>
+        <p:txBody>
+          <a:bodyPr>
+            <a:spAutoFit/>
+          </a:bodyPr>
+          <a:lstStyle/>
+          <a:p>
+            <a:r>
+              <a:rPr lang="de-DE" sz="1400" b="1" dirty="0" err="1">
+                <a:solidFill>
+                  <a:srgbClr val="7F0055"/>
+                </a:solidFill>
+                <a:latin typeface="Consolas" pitchFamily="49" charset="0"/>
+              </a:rPr>
+              <a:t>public</a:t>
+            </a:r>
+            <a:r>
+              <a:rPr lang="de-DE" sz="1400" b="1" dirty="0">
+                <a:solidFill>
+                  <a:srgbClr val="000000"/>
+                </a:solidFill>
+                <a:latin typeface="Consolas" pitchFamily="49" charset="0"/>
+              </a:rPr>
+              <a:t> </a:t>
+            </a:r>
+            <a:r>
+              <a:rPr lang="de-DE" sz="1400" b="1" dirty="0" err="1">
+                <a:solidFill>
+                  <a:srgbClr val="7F0055"/>
+                </a:solidFill>
+                <a:latin typeface="Consolas" pitchFamily="49" charset="0"/>
+              </a:rPr>
+              <a:t>class</a:t>
+            </a:r>
+            <a:r>
+              <a:rPr lang="de-DE" sz="1400" b="1" dirty="0">
+                <a:solidFill>
+                  <a:srgbClr val="000000"/>
+                </a:solidFill>
+                <a:latin typeface="Consolas" pitchFamily="49" charset="0"/>
+              </a:rPr>
+              <a:t> </a:t>
+            </a:r>
+            <a:r>
+              <a:rPr lang="de-DE" sz="1400" dirty="0" err="1">
+                <a:solidFill>
+                  <a:srgbClr val="000000"/>
+                </a:solidFill>
+                <a:latin typeface="Consolas" pitchFamily="49" charset="0"/>
+              </a:rPr>
+              <a:t>Calculator</a:t>
+            </a:r>
+            <a:r>
+              <a:rPr lang="de-DE" sz="1400" dirty="0">
+                <a:solidFill>
+                  <a:srgbClr val="000000"/>
+                </a:solidFill>
+                <a:latin typeface="Consolas" pitchFamily="49" charset="0"/>
+              </a:rPr>
+              <a:t> {</a:t>
+            </a:r>
+            <a:endParaRPr lang="de-DE" sz="1400" dirty="0">
+              <a:latin typeface="Consolas" pitchFamily="49" charset="0"/>
+            </a:endParaRPr>
+          </a:p>
+          <a:p>
+            <a:r>
+              <a:rPr lang="en-US" sz="1400" b="1" dirty="0">
+                <a:solidFill>
+                  <a:srgbClr val="7F0055"/>
+                </a:solidFill>
+                <a:latin typeface="Consolas" pitchFamily="49" charset="0"/>
+              </a:rPr>
+              <a:t>  public</a:t>
+            </a:r>
+            <a:r>
+              <a:rPr lang="en-US" sz="1400" b="1" dirty="0">
+                <a:solidFill>
+                  <a:srgbClr val="000000"/>
+                </a:solidFill>
+                <a:latin typeface="Consolas" pitchFamily="49" charset="0"/>
+              </a:rPr>
+              <a:t> </a:t>
+            </a:r>
+            <a:r>
+              <a:rPr lang="en-US" sz="1400" b="1" dirty="0">
+                <a:solidFill>
+                  <a:srgbClr val="7F0055"/>
+                </a:solidFill>
+                <a:latin typeface="Consolas" pitchFamily="49" charset="0"/>
+              </a:rPr>
+              <a:t>static</a:t>
+            </a:r>
+            <a:r>
+              <a:rPr lang="en-US" sz="1400" b="1" dirty="0">
+                <a:solidFill>
+                  <a:srgbClr val="000000"/>
+                </a:solidFill>
+                <a:latin typeface="Consolas" pitchFamily="49" charset="0"/>
+              </a:rPr>
+              <a:t> </a:t>
+            </a:r>
+            <a:r>
+              <a:rPr lang="en-US" sz="1400" b="1" dirty="0">
+                <a:solidFill>
+                  <a:srgbClr val="7F0055"/>
+                </a:solidFill>
+                <a:latin typeface="Consolas" pitchFamily="49" charset="0"/>
+              </a:rPr>
+              <a:t>void</a:t>
+            </a:r>
+            <a:r>
+              <a:rPr lang="en-US" sz="1400" b="1" dirty="0">
+                <a:solidFill>
+                  <a:srgbClr val="000000"/>
+                </a:solidFill>
+                <a:latin typeface="Consolas" pitchFamily="49" charset="0"/>
+              </a:rPr>
+              <a:t> </a:t>
+            </a:r>
+            <a:r>
+              <a:rPr lang="en-US" sz="1400" dirty="0">
+                <a:solidFill>
+                  <a:srgbClr val="000000"/>
+                </a:solidFill>
+                <a:latin typeface="Consolas" pitchFamily="49" charset="0"/>
+              </a:rPr>
+              <a:t>main(String[] </a:t>
+            </a:r>
+            <a:r>
+              <a:rPr lang="en-US" sz="1400" dirty="0" err="1">
+                <a:solidFill>
+                  <a:srgbClr val="000000"/>
+                </a:solidFill>
+                <a:latin typeface="Consolas" pitchFamily="49" charset="0"/>
+              </a:rPr>
+              <a:t>args</a:t>
+            </a:r>
+            <a:r>
+              <a:rPr lang="en-US" sz="1400" dirty="0">
+                <a:solidFill>
+                  <a:srgbClr val="000000"/>
+                </a:solidFill>
+                <a:latin typeface="Consolas" pitchFamily="49" charset="0"/>
+              </a:rPr>
+              <a:t>) {</a:t>
+            </a:r>
+          </a:p>
+          <a:p>
+            <a:r>
+              <a:rPr lang="de-DE" sz="1400" dirty="0">
+                <a:solidFill>
+                  <a:srgbClr val="000000"/>
+                </a:solidFill>
+                <a:latin typeface="Consolas" pitchFamily="49" charset="0"/>
+              </a:rPr>
+              <a:t>    </a:t>
+            </a:r>
+            <a:r>
+              <a:rPr lang="de-DE" sz="1400" dirty="0" err="1">
+                <a:solidFill>
+                  <a:srgbClr val="000000"/>
+                </a:solidFill>
+                <a:latin typeface="Consolas" pitchFamily="49" charset="0"/>
+              </a:rPr>
+              <a:t>Calculator</a:t>
+            </a:r>
+            <a:r>
+              <a:rPr lang="de-DE" sz="1400" dirty="0">
+                <a:solidFill>
+                  <a:srgbClr val="000000"/>
+                </a:solidFill>
+                <a:latin typeface="Consolas" pitchFamily="49" charset="0"/>
+              </a:rPr>
+              <a:t> </a:t>
+            </a:r>
+            <a:r>
+              <a:rPr lang="de-DE" sz="1400" dirty="0" err="1">
+                <a:solidFill>
+                  <a:srgbClr val="000000"/>
+                </a:solidFill>
+                <a:latin typeface="Consolas" pitchFamily="49" charset="0"/>
+              </a:rPr>
+              <a:t>calc</a:t>
+            </a:r>
+            <a:r>
+              <a:rPr lang="de-DE" sz="1400" dirty="0">
+                <a:solidFill>
+                  <a:srgbClr val="000000"/>
+                </a:solidFill>
+                <a:latin typeface="Consolas" pitchFamily="49" charset="0"/>
+              </a:rPr>
+              <a:t> = </a:t>
+            </a:r>
+            <a:r>
+              <a:rPr lang="de-DE" sz="1400" b="1" dirty="0" err="1">
+                <a:solidFill>
+                  <a:srgbClr val="7F0055"/>
+                </a:solidFill>
+                <a:latin typeface="Consolas" pitchFamily="49" charset="0"/>
+              </a:rPr>
+              <a:t>new</a:t>
+            </a:r>
+            <a:r>
+              <a:rPr lang="de-DE" sz="1400" b="1" dirty="0">
+                <a:solidFill>
+                  <a:srgbClr val="000000"/>
+                </a:solidFill>
+                <a:latin typeface="Consolas" pitchFamily="49" charset="0"/>
+              </a:rPr>
+              <a:t> </a:t>
+            </a:r>
+            <a:r>
+              <a:rPr lang="de-DE" sz="1400" dirty="0" err="1">
+                <a:solidFill>
+                  <a:srgbClr val="000000"/>
+                </a:solidFill>
+                <a:latin typeface="Consolas" pitchFamily="49" charset="0"/>
+              </a:rPr>
+              <a:t>Calculator</a:t>
+            </a:r>
+            <a:r>
+              <a:rPr lang="de-DE" sz="1400" dirty="0">
+                <a:solidFill>
+                  <a:srgbClr val="000000"/>
+                </a:solidFill>
+                <a:latin typeface="Consolas" pitchFamily="49" charset="0"/>
+              </a:rPr>
+              <a:t>();</a:t>
+            </a:r>
+          </a:p>
+          <a:p>
+            <a:r>
+              <a:rPr lang="de-DE" sz="1400" dirty="0">
+                <a:solidFill>
+                  <a:srgbClr val="000000"/>
+                </a:solidFill>
+                <a:latin typeface="Consolas" pitchFamily="49" charset="0"/>
+              </a:rPr>
+              <a:t>    </a:t>
+            </a:r>
+            <a:r>
+              <a:rPr lang="de-DE" sz="1400" dirty="0" err="1">
+                <a:solidFill>
+                  <a:srgbClr val="000000"/>
+                </a:solidFill>
+                <a:latin typeface="Consolas" pitchFamily="49" charset="0"/>
+              </a:rPr>
+              <a:t>System.</a:t>
+            </a:r>
+            <a:r>
+              <a:rPr lang="de-DE" sz="1400" dirty="0" err="1">
+                <a:solidFill>
+                  <a:srgbClr val="0000C0"/>
+                </a:solidFill>
+                <a:latin typeface="Consolas" pitchFamily="49" charset="0"/>
+              </a:rPr>
+              <a:t>out</a:t>
+            </a:r>
+            <a:r>
+              <a:rPr lang="de-DE" sz="1400" i="1" dirty="0" err="1">
+                <a:solidFill>
+                  <a:srgbClr val="000000"/>
+                </a:solidFill>
+                <a:latin typeface="Consolas" pitchFamily="49" charset="0"/>
+              </a:rPr>
+              <a:t>.</a:t>
+            </a:r>
+            <a:r>
+              <a:rPr lang="de-DE" sz="1400" dirty="0" err="1">
+                <a:solidFill>
+                  <a:srgbClr val="000000"/>
+                </a:solidFill>
+                <a:latin typeface="Consolas" pitchFamily="49" charset="0"/>
+              </a:rPr>
+              <a:t>println</a:t>
+            </a:r>
+            <a:r>
+              <a:rPr lang="de-DE" sz="1400" dirty="0">
+                <a:solidFill>
+                  <a:srgbClr val="000000"/>
+                </a:solidFill>
+                <a:latin typeface="Consolas" pitchFamily="49" charset="0"/>
+              </a:rPr>
+              <a:t>(</a:t>
+            </a:r>
+            <a:r>
+              <a:rPr lang="de-DE" sz="1400" dirty="0" err="1">
+                <a:solidFill>
+                  <a:srgbClr val="000000"/>
+                </a:solidFill>
+                <a:latin typeface="Consolas" pitchFamily="49" charset="0"/>
+              </a:rPr>
+              <a:t>calc.factorial</a:t>
+            </a:r>
+            <a:r>
+              <a:rPr lang="de-DE" sz="1400" dirty="0">
+                <a:solidFill>
+                  <a:srgbClr val="000000"/>
+                </a:solidFill>
+                <a:latin typeface="Consolas" pitchFamily="49" charset="0"/>
+              </a:rPr>
+              <a:t>(3));</a:t>
+            </a:r>
+          </a:p>
+          <a:p>
+            <a:r>
+              <a:rPr lang="de-DE" sz="1400" dirty="0">
+                <a:solidFill>
+                  <a:srgbClr val="000000"/>
+                </a:solidFill>
+                <a:latin typeface="Consolas" pitchFamily="49" charset="0"/>
+              </a:rPr>
+              <a:t>  }</a:t>
+            </a:r>
+          </a:p>
+          <a:p>
+            <a:endParaRPr lang="de-DE" sz="1400" dirty="0">
+              <a:latin typeface="Consolas" pitchFamily="49" charset="0"/>
+            </a:endParaRPr>
+          </a:p>
+          <a:p>
+            <a:r>
+              <a:rPr lang="de-DE" sz="1400" b="1" dirty="0">
+                <a:solidFill>
+                  <a:srgbClr val="7F0055"/>
+                </a:solidFill>
+                <a:latin typeface="Consolas" pitchFamily="49" charset="0"/>
+              </a:rPr>
+              <a:t>  private</a:t>
+            </a:r>
+            <a:r>
+              <a:rPr lang="de-DE" sz="1400" b="1" dirty="0">
+                <a:solidFill>
+                  <a:srgbClr val="000000"/>
+                </a:solidFill>
+                <a:latin typeface="Consolas" pitchFamily="49" charset="0"/>
+              </a:rPr>
+              <a:t> </a:t>
+            </a:r>
+            <a:r>
+              <a:rPr lang="de-DE" sz="1400" b="1" dirty="0" err="1">
+                <a:solidFill>
+                  <a:srgbClr val="7F0055"/>
+                </a:solidFill>
+                <a:latin typeface="Consolas" pitchFamily="49" charset="0"/>
+              </a:rPr>
+              <a:t>int</a:t>
+            </a:r>
+            <a:r>
+              <a:rPr lang="de-DE" sz="1400" b="1" dirty="0">
+                <a:solidFill>
+                  <a:srgbClr val="000000"/>
+                </a:solidFill>
+                <a:latin typeface="Consolas" pitchFamily="49" charset="0"/>
+              </a:rPr>
+              <a:t> </a:t>
+            </a:r>
+            <a:r>
+              <a:rPr lang="de-DE" sz="1400" dirty="0" err="1">
+                <a:solidFill>
+                  <a:srgbClr val="000000"/>
+                </a:solidFill>
+                <a:latin typeface="Consolas" pitchFamily="49" charset="0"/>
+              </a:rPr>
+              <a:t>factorial</a:t>
+            </a:r>
+            <a:r>
+              <a:rPr lang="de-DE" sz="1400" dirty="0">
+                <a:solidFill>
+                  <a:srgbClr val="000000"/>
+                </a:solidFill>
+                <a:latin typeface="Consolas" pitchFamily="49" charset="0"/>
+              </a:rPr>
+              <a:t>(</a:t>
+            </a:r>
+            <a:r>
+              <a:rPr lang="de-DE" sz="1400" b="1" dirty="0" err="1">
+                <a:solidFill>
+                  <a:srgbClr val="7F0055"/>
+                </a:solidFill>
+                <a:latin typeface="Consolas" pitchFamily="49" charset="0"/>
+              </a:rPr>
+              <a:t>int</a:t>
+            </a:r>
+            <a:r>
+              <a:rPr lang="de-DE" sz="1400" dirty="0">
+                <a:solidFill>
+                  <a:srgbClr val="000000"/>
+                </a:solidFill>
+                <a:latin typeface="Consolas" pitchFamily="49" charset="0"/>
+              </a:rPr>
+              <a:t> n) {</a:t>
+            </a:r>
+          </a:p>
+          <a:p>
+            <a:r>
+              <a:rPr lang="de-DE" sz="1400" b="1" dirty="0">
+                <a:solidFill>
+                  <a:srgbClr val="7F0055"/>
+                </a:solidFill>
+                <a:latin typeface="Consolas" pitchFamily="49" charset="0"/>
+              </a:rPr>
+              <a:t>    </a:t>
+            </a:r>
+            <a:r>
+              <a:rPr lang="de-DE" sz="1400" b="1" dirty="0" err="1">
+                <a:solidFill>
+                  <a:srgbClr val="7F0055"/>
+                </a:solidFill>
+                <a:latin typeface="Consolas" pitchFamily="49" charset="0"/>
+              </a:rPr>
+              <a:t>if</a:t>
+            </a:r>
+            <a:r>
+              <a:rPr lang="de-DE" sz="1400" dirty="0">
+                <a:solidFill>
+                  <a:srgbClr val="000000"/>
+                </a:solidFill>
+                <a:latin typeface="Consolas" pitchFamily="49" charset="0"/>
+              </a:rPr>
+              <a:t>(n &lt;= 1)</a:t>
+            </a:r>
+          </a:p>
+          <a:p>
+            <a:r>
+              <a:rPr lang="de-DE" sz="1400" b="1" dirty="0">
+                <a:solidFill>
+                  <a:srgbClr val="7F0055"/>
+                </a:solidFill>
+                <a:latin typeface="Consolas" pitchFamily="49" charset="0"/>
+              </a:rPr>
+              <a:t>      </a:t>
+            </a:r>
+            <a:r>
+              <a:rPr lang="de-DE" sz="1400" b="1" dirty="0" err="1">
+                <a:solidFill>
+                  <a:srgbClr val="7F0055"/>
+                </a:solidFill>
+                <a:latin typeface="Consolas" pitchFamily="49" charset="0"/>
+              </a:rPr>
+              <a:t>return</a:t>
+            </a:r>
+            <a:r>
+              <a:rPr lang="de-DE" sz="1400" b="1" dirty="0">
+                <a:solidFill>
+                  <a:srgbClr val="000000"/>
+                </a:solidFill>
+                <a:latin typeface="Consolas" pitchFamily="49" charset="0"/>
+              </a:rPr>
+              <a:t> </a:t>
+            </a:r>
+            <a:r>
+              <a:rPr lang="de-DE" sz="1400" dirty="0">
+                <a:solidFill>
+                  <a:srgbClr val="000000"/>
+                </a:solidFill>
+                <a:latin typeface="Consolas" pitchFamily="49" charset="0"/>
+              </a:rPr>
+              <a:t>1</a:t>
+            </a:r>
+            <a:r>
+              <a:rPr lang="de-DE" sz="1400" dirty="0" smtClean="0">
+                <a:solidFill>
+                  <a:srgbClr val="000000"/>
+                </a:solidFill>
+                <a:latin typeface="Consolas" pitchFamily="49" charset="0"/>
+              </a:rPr>
+              <a:t>;</a:t>
+            </a:r>
+            <a:endParaRPr lang="de-DE" sz="1400" dirty="0">
+              <a:solidFill>
+                <a:srgbClr val="000000"/>
+              </a:solidFill>
+              <a:latin typeface="Consolas" pitchFamily="49" charset="0"/>
+            </a:endParaRPr>
+          </a:p>
+          <a:p>
+            <a:r>
+              <a:rPr lang="de-DE" sz="1400" b="1" dirty="0">
+                <a:solidFill>
+                  <a:srgbClr val="7F0055"/>
+                </a:solidFill>
+                <a:latin typeface="Consolas" pitchFamily="49" charset="0"/>
+              </a:rPr>
+              <a:t>    </a:t>
+            </a:r>
+            <a:r>
+              <a:rPr lang="de-DE" sz="1400" b="1" dirty="0" err="1">
+                <a:solidFill>
+                  <a:srgbClr val="7F0055"/>
+                </a:solidFill>
+                <a:latin typeface="Consolas" pitchFamily="49" charset="0"/>
+              </a:rPr>
+              <a:t>else</a:t>
+            </a:r>
+            <a:endParaRPr lang="de-DE" sz="1400" b="1" dirty="0">
+              <a:solidFill>
+                <a:srgbClr val="7F0055"/>
+              </a:solidFill>
+              <a:latin typeface="Consolas" pitchFamily="49" charset="0"/>
+            </a:endParaRPr>
+          </a:p>
+          <a:p>
+            <a:r>
+              <a:rPr lang="de-DE" sz="1400" b="1" dirty="0">
+                <a:solidFill>
+                  <a:srgbClr val="7F0055"/>
+                </a:solidFill>
+                <a:latin typeface="Consolas" pitchFamily="49" charset="0"/>
+              </a:rPr>
+              <a:t>      </a:t>
+            </a:r>
+            <a:r>
+              <a:rPr lang="de-DE" sz="1400" b="1" dirty="0" err="1">
+                <a:solidFill>
+                  <a:srgbClr val="7F0055"/>
+                </a:solidFill>
+                <a:latin typeface="Consolas" pitchFamily="49" charset="0"/>
+              </a:rPr>
+              <a:t>return</a:t>
+            </a:r>
+            <a:r>
+              <a:rPr lang="de-DE" sz="1400" b="1" dirty="0">
+                <a:solidFill>
+                  <a:srgbClr val="000000"/>
+                </a:solidFill>
+                <a:latin typeface="Consolas" pitchFamily="49" charset="0"/>
+              </a:rPr>
+              <a:t> </a:t>
+            </a:r>
+            <a:r>
+              <a:rPr lang="de-DE" sz="1400" dirty="0">
+                <a:solidFill>
+                  <a:srgbClr val="000000"/>
+                </a:solidFill>
+                <a:latin typeface="Consolas" pitchFamily="49" charset="0"/>
+              </a:rPr>
+              <a:t>n * </a:t>
+            </a:r>
+            <a:r>
+              <a:rPr lang="de-DE" sz="1400" dirty="0" err="1">
+                <a:solidFill>
+                  <a:srgbClr val="000000"/>
+                </a:solidFill>
+                <a:latin typeface="Consolas" pitchFamily="49" charset="0"/>
+              </a:rPr>
+              <a:t>factorial</a:t>
+            </a:r>
+            <a:r>
+              <a:rPr lang="de-DE" sz="1400" dirty="0">
+                <a:solidFill>
+                  <a:srgbClr val="000000"/>
+                </a:solidFill>
+                <a:latin typeface="Consolas" pitchFamily="49" charset="0"/>
+              </a:rPr>
+              <a:t>(n-1);</a:t>
+            </a:r>
+          </a:p>
+          <a:p>
+            <a:r>
+              <a:rPr lang="de-DE" sz="1400" dirty="0">
+                <a:solidFill>
+                  <a:srgbClr val="000000"/>
+                </a:solidFill>
+                <a:latin typeface="Consolas" pitchFamily="49" charset="0"/>
+              </a:rPr>
+              <a:t>  }</a:t>
+            </a:r>
+          </a:p>
+          <a:p>
+            <a:r>
+              <a:rPr lang="de-DE" sz="1400" dirty="0">
+                <a:solidFill>
+                  <a:srgbClr val="000000"/>
+                </a:solidFill>
+                <a:latin typeface="Consolas" pitchFamily="49" charset="0"/>
+              </a:rPr>
+              <a:t>}</a:t>
+            </a:r>
+            <a:endParaRPr lang="de-DE" sz="1400" dirty="0">
+              <a:latin typeface="Calibri" pitchFamily="34" charset="0"/>
+            </a:endParaRPr>
+          </a:p>
+        </p:txBody>
+      </p:sp>
+    </p:spTree>
+    <p:extLst>
+      <p:ext uri="{BB962C8B-B14F-4D97-AF65-F5344CB8AC3E}">
+        <p14:creationId xmlns:p14="http://schemas.microsoft.com/office/powerpoint/2010/main" val="4235779735"/>
+      </p:ext>
+    </p:extLst>
+  </p:cSld>
+  <p:clrMapOvr>
+    <a:masterClrMapping/>
+  </p:clrMapOvr>
+  <p:timing>
+    <p:tnLst>
+      <p:par>
+        <p:cTn id="1" dur="indefinite" restart="never" nodeType="tmRoot">
+          <p:childTnLst>
+            <p:seq concurrent="1" nextAc="seek">
+              <p:cTn id="2" dur="indefinite" nodeType="mainSeq">
+                <p:childTnLst>
+                  <p:par>
+                    <p:cTn id="3" fill="hold">
+                      <p:stCondLst>
+                        <p:cond delay="indefinite"/>
+                        <p:cond evt="onBegin" delay="0">
+                          <p:tn val="2"/>
+                        </p:cond>
+                      </p:stCondLst>
+                      <p:childTnLst>
+                        <p:par>
+                          <p:cTn id="4" fill="hold">
+                            <p:stCondLst>
+                              <p:cond delay="0"/>
+                            </p:stCondLst>
+                            <p:childTnLst>
+                              <p:par>
+                                <p:cTn id="5" presetID="10" presetClass="entr" presetSubtype="0" fill="hold" grpId="0" nodeType="withEffect">
+                                  <p:stCondLst>
+                                    <p:cond delay="0"/>
+                                  </p:stCondLst>
+                                  <p:childTnLst>
+                                    <p:set>
+                                      <p:cBhvr>
+                                        <p:cTn id="6" dur="1" fill="hold">
+                                          <p:stCondLst>
+                                            <p:cond delay="0"/>
+                                          </p:stCondLst>
+                                        </p:cTn>
+                                        <p:tgtEl>
+                                          <p:spTgt spid="6"/>
+                                        </p:tgtEl>
+                                        <p:attrNameLst>
+                                          <p:attrName>style.visibility</p:attrName>
+                                        </p:attrNameLst>
+                                      </p:cBhvr>
+                                      <p:to>
+                                        <p:strVal val="visible"/>
+                                      </p:to>
+                                    </p:set>
+                                    <p:animEffect transition="in" filter="fade">
+                                      <p:cBhvr>
+                                        <p:cTn id="7" dur="1000"/>
+                                        <p:tgtEl>
+                                          <p:spTgt spid="6"/>
+                                        </p:tgtEl>
+                                      </p:cBhvr>
+                                    </p:animEffect>
+                                  </p:childTnLst>
+                                </p:cTn>
+                              </p:par>
+                            </p:childTnLst>
+                          </p:cTn>
+                        </p:par>
+                      </p:childTnLst>
+                    </p:cTn>
+                  </p:par>
+                  <p:par>
+                    <p:cTn id="8" fill="hold">
+                      <p:stCondLst>
+                        <p:cond delay="indefinite"/>
+                      </p:stCondLst>
+                      <p:childTnLst>
+                        <p:par>
+                          <p:cTn id="9" fill="hold">
+                            <p:stCondLst>
+                              <p:cond delay="0"/>
+                            </p:stCondLst>
+                            <p:childTnLst>
+                              <p:par>
+                                <p:cTn id="10" presetID="10" presetClass="entr" presetSubtype="0" fill="hold" grpId="0" nodeType="clickEffect">
+                                  <p:stCondLst>
+                                    <p:cond delay="0"/>
+                                  </p:stCondLst>
+                                  <p:childTnLst>
+                                    <p:set>
+                                      <p:cBhvr>
+                                        <p:cTn id="11" dur="1" fill="hold">
+                                          <p:stCondLst>
+                                            <p:cond delay="0"/>
+                                          </p:stCondLst>
+                                        </p:cTn>
+                                        <p:tgtEl>
+                                          <p:spTgt spid="7"/>
+                                        </p:tgtEl>
+                                        <p:attrNameLst>
+                                          <p:attrName>style.visibility</p:attrName>
+                                        </p:attrNameLst>
+                                      </p:cBhvr>
+                                      <p:to>
+                                        <p:strVal val="visible"/>
+                                      </p:to>
+                                    </p:set>
+                                    <p:animEffect transition="in" filter="fade">
+                                      <p:cBhvr>
+                                        <p:cTn id="12" dur="1000"/>
+                                        <p:tgtEl>
+                                          <p:spTgt spid="7"/>
+                                        </p:tgtEl>
+                                      </p:cBhvr>
+                                    </p:animEffect>
+                                  </p:childTnLst>
+                                </p:cTn>
+                              </p:par>
+                            </p:childTnLst>
+                          </p:cTn>
+                        </p:par>
+                      </p:childTnLst>
+                    </p:cTn>
+                  </p:par>
+                </p:childTnLst>
+              </p:cTn>
+              <p:prevCondLst>
+                <p:cond evt="onPrev" delay="0">
+                  <p:tgtEl>
+                    <p:sldTgt/>
+                  </p:tgtEl>
+                </p:cond>
+              </p:prevCondLst>
+              <p:nextCondLst>
+                <p:cond evt="onNext" delay="0">
+                  <p:tgtEl>
+                    <p:sldTgt/>
+                  </p:tgtEl>
+                </p:cond>
+              </p:nextCondLst>
+            </p:seq>
+          </p:childTnLst>
+        </p:cTn>
+      </p:par>
+    </p:tnLst>
+    <p:bldLst>
+      <p:bldP spid="6" grpId="0"/>
+      <p:bldP spid="7" grpId="0"/>
+    </p:bldLst>
+  </p:timing>
 </p:sld>
 </file>
 
@@ -33933,1672 +33952,6 @@
       </p:grpSpPr>
       <p:sp>
         <p:nvSpPr>
-          <p:cNvPr id="66561" name="Titel 1"/>
-          <p:cNvSpPr>
-            <a:spLocks noGrp="1"/>
-          </p:cNvSpPr>
-          <p:nvPr>
-            <p:ph type="title"/>
-          </p:nvPr>
-        </p:nvSpPr>
-        <p:spPr/>
-        <p:txBody>
-          <a:bodyPr/>
-          <a:lstStyle/>
-          <a:p>
-            <a:r>
-              <a:rPr lang="de-DE" dirty="0" err="1" smtClean="0"/>
-              <a:t>Recursion</a:t>
-            </a:r>
-            <a:endParaRPr lang="de-DE" dirty="0"/>
-          </a:p>
-        </p:txBody>
-      </p:sp>
-      <mc:AlternateContent xmlns:mc="http://schemas.openxmlformats.org/markup-compatibility/2006" xmlns:a14="http://schemas.microsoft.com/office/drawing/2010/main">
-        <mc:Choice Requires="a14">
-          <p:sp>
-            <p:nvSpPr>
-              <p:cNvPr id="66562" name="Inhaltsplatzhalter 2"/>
-              <p:cNvSpPr>
-                <a:spLocks noGrp="1"/>
-              </p:cNvSpPr>
-              <p:nvPr>
-                <p:ph idx="1"/>
-              </p:nvPr>
-            </p:nvSpPr>
-            <p:spPr/>
-            <p:txBody>
-              <a:bodyPr>
-                <a:normAutofit/>
-              </a:bodyPr>
-              <a:lstStyle/>
-              <a:p>
-                <a:r>
-                  <a:rPr lang="de-DE" dirty="0" err="1" smtClean="0"/>
-                  <a:t>Idea</a:t>
-                </a:r>
-                <a:r>
-                  <a:rPr lang="de-DE" dirty="0" smtClean="0"/>
-                  <a:t>: </a:t>
-                </a:r>
-                <a:r>
-                  <a:rPr lang="de-DE" dirty="0" err="1" smtClean="0"/>
-                  <a:t>Reduce</a:t>
-                </a:r>
-                <a:r>
-                  <a:rPr lang="de-DE" dirty="0" smtClean="0"/>
-                  <a:t> a </a:t>
-                </a:r>
-                <a:r>
-                  <a:rPr lang="de-DE" dirty="0" err="1" smtClean="0"/>
-                  <a:t>general</a:t>
-                </a:r>
-                <a:r>
-                  <a:rPr lang="de-DE" dirty="0" smtClean="0"/>
-                  <a:t> </a:t>
-                </a:r>
-                <a:r>
-                  <a:rPr lang="de-DE" dirty="0" err="1" smtClean="0"/>
-                  <a:t>task</a:t>
-                </a:r>
-                <a:r>
-                  <a:rPr lang="de-DE" dirty="0" smtClean="0"/>
-                  <a:t> </a:t>
-                </a:r>
-                <a:r>
-                  <a:rPr lang="de-DE" dirty="0" err="1" smtClean="0"/>
-                  <a:t>to</a:t>
-                </a:r>
-                <a:r>
-                  <a:rPr lang="de-DE" dirty="0" smtClean="0"/>
-                  <a:t> a simpler </a:t>
-                </a:r>
-                <a:r>
-                  <a:rPr lang="de-DE" dirty="0" err="1" smtClean="0"/>
-                  <a:t>task</a:t>
-                </a:r>
-                <a:endParaRPr lang="de-DE" dirty="0"/>
-              </a:p>
-              <a:p>
-                <a:endParaRPr lang="de-DE" b="0" i="1" dirty="0">
-                  <a:latin typeface="Cambria Math"/>
-                </a:endParaRPr>
-              </a:p>
-              <a:p>
-                <a14:m>
-                  <m:oMath xmlns:m="http://schemas.openxmlformats.org/officeDocument/2006/math">
-                    <m:r>
-                      <a:rPr lang="de-DE" b="0" i="1" smtClean="0">
-                        <a:latin typeface="Cambria Math"/>
-                      </a:rPr>
-                      <m:t>𝑠𝑢𝑚</m:t>
-                    </m:r>
-                    <m:d>
-                      <m:dPr>
-                        <m:ctrlPr>
-                          <a:rPr lang="de-DE" b="0" i="1" smtClean="0">
-                            <a:latin typeface="Cambria Math" panose="02040503050406030204" pitchFamily="18" charset="0"/>
-                          </a:rPr>
-                        </m:ctrlPr>
-                      </m:dPr>
-                      <m:e>
-                        <m:r>
-                          <a:rPr lang="de-DE" b="0" i="1" smtClean="0">
-                            <a:latin typeface="Cambria Math"/>
-                          </a:rPr>
-                          <m:t>𝑛</m:t>
-                        </m:r>
-                      </m:e>
-                    </m:d>
-                    <m:r>
-                      <a:rPr lang="de-DE" b="0" i="1" smtClean="0">
-                        <a:latin typeface="Cambria Math"/>
-                      </a:rPr>
-                      <m:t>= </m:t>
-                    </m:r>
-                    <m:nary>
-                      <m:naryPr>
-                        <m:chr m:val="∑"/>
-                        <m:ctrlPr>
-                          <a:rPr lang="de-DE" b="0" i="1" smtClean="0">
-                            <a:latin typeface="Cambria Math" panose="02040503050406030204" pitchFamily="18" charset="0"/>
-                          </a:rPr>
-                        </m:ctrlPr>
-                      </m:naryPr>
-                      <m:sub>
-                        <m:r>
-                          <m:rPr>
-                            <m:brk m:alnAt="23"/>
-                          </m:rPr>
-                          <a:rPr lang="de-DE" b="0" i="1" smtClean="0">
-                            <a:latin typeface="Cambria Math"/>
-                          </a:rPr>
-                          <m:t>𝑖</m:t>
-                        </m:r>
-                        <m:r>
-                          <a:rPr lang="de-DE" b="0" i="1" smtClean="0">
-                            <a:latin typeface="Cambria Math"/>
-                          </a:rPr>
-                          <m:t>=0</m:t>
-                        </m:r>
-                      </m:sub>
-                      <m:sup>
-                        <m:r>
-                          <a:rPr lang="de-DE" b="0" i="1" smtClean="0">
-                            <a:latin typeface="Cambria Math"/>
-                          </a:rPr>
-                          <m:t>𝑛</m:t>
-                        </m:r>
-                      </m:sup>
-                      <m:e>
-                        <m:r>
-                          <a:rPr lang="de-DE" b="0" i="1" smtClean="0">
-                            <a:latin typeface="Cambria Math"/>
-                          </a:rPr>
-                          <m:t>𝑖</m:t>
-                        </m:r>
-                      </m:e>
-                    </m:nary>
-                  </m:oMath>
-                </a14:m>
-                <a:endParaRPr lang="de-DE" dirty="0"/>
-              </a:p>
-              <a:p>
-                <a:pPr lvl="1"/>
-                <a14:m>
-                  <m:oMath xmlns:m="http://schemas.openxmlformats.org/officeDocument/2006/math">
-                    <m:r>
-                      <a:rPr lang="de-DE" i="1" smtClean="0">
-                        <a:latin typeface="Cambria Math"/>
-                      </a:rPr>
-                      <m:t>𝑠𝑢𝑚</m:t>
-                    </m:r>
-                    <m:d>
-                      <m:dPr>
-                        <m:ctrlPr>
-                          <a:rPr lang="de-DE" i="1">
-                            <a:latin typeface="Cambria Math" panose="02040503050406030204" pitchFamily="18" charset="0"/>
-                          </a:rPr>
-                        </m:ctrlPr>
-                      </m:dPr>
-                      <m:e>
-                        <m:r>
-                          <a:rPr lang="de-DE" i="1">
-                            <a:latin typeface="Cambria Math"/>
-                          </a:rPr>
-                          <m:t>𝑛</m:t>
-                        </m:r>
-                      </m:e>
-                    </m:d>
-                    <m:r>
-                      <a:rPr lang="de-DE" i="1">
-                        <a:latin typeface="Cambria Math"/>
-                      </a:rPr>
-                      <m:t>=</m:t>
-                    </m:r>
-                    <m:r>
-                      <a:rPr lang="de-DE" b="0" i="1" smtClean="0">
-                        <a:latin typeface="Cambria Math"/>
-                      </a:rPr>
-                      <m:t>𝑠𝑢𝑚</m:t>
-                    </m:r>
-                    <m:d>
-                      <m:dPr>
-                        <m:ctrlPr>
-                          <a:rPr lang="de-DE" b="0" i="1" smtClean="0">
-                            <a:latin typeface="Cambria Math" panose="02040503050406030204" pitchFamily="18" charset="0"/>
-                          </a:rPr>
-                        </m:ctrlPr>
-                      </m:dPr>
-                      <m:e>
-                        <m:r>
-                          <a:rPr lang="de-DE" b="0" i="1" smtClean="0">
-                            <a:latin typeface="Cambria Math"/>
-                          </a:rPr>
-                          <m:t>𝑛</m:t>
-                        </m:r>
-                        <m:r>
-                          <a:rPr lang="de-DE" b="0" i="1" smtClean="0">
-                            <a:latin typeface="Cambria Math"/>
-                          </a:rPr>
-                          <m:t>−1</m:t>
-                        </m:r>
-                      </m:e>
-                    </m:d>
-                    <m:r>
-                      <a:rPr lang="de-DE" b="0" i="1" smtClean="0">
-                        <a:latin typeface="Cambria Math"/>
-                      </a:rPr>
-                      <m:t>+</m:t>
-                    </m:r>
-                    <m:r>
-                      <a:rPr lang="de-DE" b="0" i="1" smtClean="0">
-                        <a:latin typeface="Cambria Math"/>
-                      </a:rPr>
-                      <m:t>𝑛</m:t>
-                    </m:r>
-                  </m:oMath>
-                </a14:m>
-                <a:endParaRPr lang="de-DE" b="0" dirty="0"/>
-              </a:p>
-              <a:p>
-                <a:pPr lvl="1"/>
-                <a14:m>
-                  <m:oMath xmlns:m="http://schemas.openxmlformats.org/officeDocument/2006/math">
-                    <m:r>
-                      <a:rPr lang="de-DE" i="1">
-                        <a:latin typeface="Cambria Math"/>
-                      </a:rPr>
-                      <m:t>𝑠𝑢𝑚</m:t>
-                    </m:r>
-                    <m:d>
-                      <m:dPr>
-                        <m:ctrlPr>
-                          <a:rPr lang="de-DE" b="0" i="1" smtClean="0">
-                            <a:latin typeface="Cambria Math" panose="02040503050406030204" pitchFamily="18" charset="0"/>
-                          </a:rPr>
-                        </m:ctrlPr>
-                      </m:dPr>
-                      <m:e>
-                        <m:r>
-                          <a:rPr lang="de-DE" b="0" i="1" smtClean="0">
-                            <a:latin typeface="Cambria Math"/>
-                          </a:rPr>
-                          <m:t>0</m:t>
-                        </m:r>
-                      </m:e>
-                    </m:d>
-                    <m:r>
-                      <a:rPr lang="de-DE" b="0" i="1" smtClean="0">
-                        <a:latin typeface="Cambria Math"/>
-                      </a:rPr>
-                      <m:t>=0</m:t>
-                    </m:r>
-                  </m:oMath>
-                </a14:m>
-                <a:endParaRPr lang="de-DE" dirty="0"/>
-              </a:p>
-              <a:p>
-                <a:pPr marL="457200" lvl="1" indent="0">
-                  <a:buNone/>
-                </a:pPr>
-                <a:endParaRPr lang="de-DE" dirty="0"/>
-              </a:p>
-              <a:p>
-                <a:endParaRPr lang="de-DE" dirty="0"/>
-              </a:p>
-            </p:txBody>
-          </p:sp>
-        </mc:Choice>
-        <mc:Fallback xmlns="">
-          <p:sp>
-            <p:nvSpPr>
-              <p:cNvPr id="66562" name="Inhaltsplatzhalter 2"/>
-              <p:cNvSpPr>
-                <a:spLocks noGrp="1" noRot="1" noChangeAspect="1" noMove="1" noResize="1" noEditPoints="1" noAdjustHandles="1" noChangeArrowheads="1" noChangeShapeType="1" noTextEdit="1"/>
-              </p:cNvSpPr>
-              <p:nvPr>
-                <p:ph idx="1"/>
-              </p:nvPr>
-            </p:nvSpPr>
-            <p:spPr>
-              <a:blipFill>
-                <a:blip r:embed="rId3"/>
-                <a:stretch>
-                  <a:fillRect l="-812" t="-1061"/>
-                </a:stretch>
-              </a:blipFill>
-            </p:spPr>
-            <p:txBody>
-              <a:bodyPr/>
-              <a:lstStyle/>
-              <a:p>
-                <a:r>
-                  <a:rPr lang="en-US">
-                    <a:noFill/>
-                  </a:rPr>
-                  <a:t> </a:t>
-                </a:r>
-              </a:p>
-            </p:txBody>
-          </p:sp>
-        </mc:Fallback>
-      </mc:AlternateContent>
-      <p:sp>
-        <p:nvSpPr>
-          <p:cNvPr id="4" name="Foliennummernplatzhalter 3"/>
-          <p:cNvSpPr>
-            <a:spLocks noGrp="1"/>
-          </p:cNvSpPr>
-          <p:nvPr>
-            <p:ph type="sldNum" sz="quarter" idx="12"/>
-          </p:nvPr>
-        </p:nvSpPr>
-        <p:spPr/>
-        <p:txBody>
-          <a:bodyPr/>
-          <a:lstStyle/>
-          <a:p>
-            <a:pPr>
-              <a:defRPr/>
-            </a:pPr>
-            <a:fld id="{46C4B966-D61B-4B16-8D31-16527D9409CB}" type="slidenum">
-              <a:rPr lang="de-DE"/>
-              <a:pPr>
-                <a:defRPr/>
-              </a:pPr>
-              <a:t>30</a:t>
-            </a:fld>
-            <a:endParaRPr lang="de-DE"/>
-          </a:p>
-        </p:txBody>
-      </p:sp>
-      <p:pic>
-        <p:nvPicPr>
-          <p:cNvPr id="5" name="Picture 2" descr="http://upload.wikimedia.org/wikipedia/commons/b/b3/Screenshot_Recursion_via_vlc.png"/>
-          <p:cNvPicPr>
-            <a:picLocks noChangeAspect="1" noChangeArrowheads="1"/>
-          </p:cNvPicPr>
-          <p:nvPr/>
-        </p:nvPicPr>
-        <p:blipFill>
-          <a:blip r:embed="rId4"/>
-          <a:srcRect/>
-          <a:stretch>
-            <a:fillRect/>
-          </a:stretch>
-        </p:blipFill>
-        <p:spPr bwMode="auto">
-          <a:xfrm>
-            <a:off x="7967664" y="4149081"/>
-            <a:ext cx="2408237" cy="1925637"/>
-          </a:xfrm>
-          <a:prstGeom prst="rect">
-            <a:avLst/>
-          </a:prstGeom>
-          <a:noFill/>
-          <a:ln w="9525">
-            <a:noFill/>
-            <a:miter lim="800000"/>
-            <a:headEnd/>
-            <a:tailEnd/>
-          </a:ln>
-        </p:spPr>
-      </p:pic>
-    </p:spTree>
-    <p:extLst>
-      <p:ext uri="{BB962C8B-B14F-4D97-AF65-F5344CB8AC3E}">
-        <p14:creationId xmlns:p14="http://schemas.microsoft.com/office/powerpoint/2010/main" val="1222805546"/>
-      </p:ext>
-    </p:extLst>
-  </p:cSld>
-  <p:clrMapOvr>
-    <a:masterClrMapping/>
-  </p:clrMapOvr>
-  <p:timing>
-    <p:tnLst>
-      <p:par>
-        <p:cTn id="1" dur="indefinite" restart="never" nodeType="tmRoot"/>
-      </p:par>
-    </p:tnLst>
-  </p:timing>
-</p:sld>
-</file>
-
-<file path=ppt/slides/slide31.xml><?xml version="1.0" encoding="utf-8"?>
-<p:sld xmlns:a="http://schemas.openxmlformats.org/drawingml/2006/main" xmlns:r="http://schemas.openxmlformats.org/officeDocument/2006/relationships" xmlns:p="http://schemas.openxmlformats.org/presentationml/2006/main">
-  <p:cSld>
-    <p:spTree>
-      <p:nvGrpSpPr>
-        <p:cNvPr id="1" name=""/>
-        <p:cNvGrpSpPr/>
-        <p:nvPr/>
-      </p:nvGrpSpPr>
-      <p:grpSpPr>
-        <a:xfrm>
-          <a:off x="0" y="0"/>
-          <a:ext cx="0" cy="0"/>
-          <a:chOff x="0" y="0"/>
-          <a:chExt cx="0" cy="0"/>
-        </a:xfrm>
-      </p:grpSpPr>
-      <mc:AlternateContent xmlns:mc="http://schemas.openxmlformats.org/markup-compatibility/2006" xmlns:a14="http://schemas.microsoft.com/office/drawing/2010/main">
-        <mc:Choice Requires="a14">
-          <p:sp>
-            <p:nvSpPr>
-              <p:cNvPr id="3" name="Inhaltsplatzhalter 2"/>
-              <p:cNvSpPr>
-                <a:spLocks noGrp="1"/>
-              </p:cNvSpPr>
-              <p:nvPr>
-                <p:ph idx="1"/>
-              </p:nvPr>
-            </p:nvSpPr>
-            <p:spPr/>
-            <p:txBody>
-              <a:bodyPr/>
-              <a:lstStyle/>
-              <a:p>
-                <a:r>
-                  <a:rPr lang="de-DE" dirty="0" err="1" smtClean="0"/>
-                  <a:t>Implement</a:t>
-                </a:r>
-                <a:r>
-                  <a:rPr lang="de-DE" dirty="0" smtClean="0"/>
-                  <a:t> a </a:t>
-                </a:r>
-                <a:r>
-                  <a:rPr lang="de-DE" dirty="0" err="1" smtClean="0"/>
-                  <a:t>recursive</a:t>
-                </a:r>
-                <a:r>
-                  <a:rPr lang="de-DE" dirty="0" smtClean="0"/>
-                  <a:t> </a:t>
-                </a:r>
-                <a:r>
-                  <a:rPr lang="de-DE" dirty="0" err="1" smtClean="0"/>
-                  <a:t>version</a:t>
-                </a:r>
-                <a:r>
-                  <a:rPr lang="de-DE" dirty="0" smtClean="0"/>
-                  <a:t> </a:t>
-                </a:r>
-                <a:r>
-                  <a:rPr lang="de-DE" dirty="0" err="1" smtClean="0"/>
-                  <a:t>of</a:t>
-                </a:r>
-                <a:r>
-                  <a:rPr lang="de-DE" dirty="0" smtClean="0"/>
-                  <a:t> </a:t>
-                </a:r>
-                <a:r>
-                  <a:rPr lang="de-DE" dirty="0" err="1" smtClean="0"/>
-                  <a:t>factorial</a:t>
-                </a:r>
-                <a:endParaRPr lang="de-DE" dirty="0"/>
-              </a:p>
-              <a:p>
-                <a:r>
-                  <a:rPr lang="de-DE" dirty="0" err="1"/>
-                  <a:t>fac</a:t>
-                </a:r>
-                <a:r>
-                  <a:rPr lang="de-DE" dirty="0"/>
-                  <a:t>(n) = </a:t>
-                </a:r>
-                <a14:m>
-                  <m:oMath xmlns:m="http://schemas.openxmlformats.org/officeDocument/2006/math">
-                    <m:nary>
-                      <m:naryPr>
-                        <m:chr m:val="∏"/>
-                        <m:limLoc m:val="subSup"/>
-                        <m:ctrlPr>
-                          <a:rPr lang="de-DE" i="1" smtClean="0">
-                            <a:latin typeface="Cambria Math" panose="02040503050406030204" pitchFamily="18" charset="0"/>
-                          </a:rPr>
-                        </m:ctrlPr>
-                      </m:naryPr>
-                      <m:sub>
-                        <m:r>
-                          <m:rPr>
-                            <m:brk m:alnAt="25"/>
-                          </m:rPr>
-                          <a:rPr lang="de-DE" b="0" i="1" smtClean="0">
-                            <a:latin typeface="Cambria Math"/>
-                          </a:rPr>
-                          <m:t>𝑖</m:t>
-                        </m:r>
-                        <m:r>
-                          <a:rPr lang="de-DE" b="0" i="1" smtClean="0">
-                            <a:latin typeface="Cambria Math"/>
-                          </a:rPr>
-                          <m:t>=1</m:t>
-                        </m:r>
-                      </m:sub>
-                      <m:sup>
-                        <m:r>
-                          <a:rPr lang="de-DE" b="0" i="1" smtClean="0">
-                            <a:latin typeface="Cambria Math"/>
-                          </a:rPr>
-                          <m:t>𝑛</m:t>
-                        </m:r>
-                      </m:sup>
-                      <m:e>
-                        <m:r>
-                          <a:rPr lang="de-DE" b="0" i="1" smtClean="0">
-                            <a:latin typeface="Cambria Math"/>
-                          </a:rPr>
-                          <m:t>𝑖</m:t>
-                        </m:r>
-                      </m:e>
-                    </m:nary>
-                  </m:oMath>
-                </a14:m>
-                <a:endParaRPr lang="de-DE" dirty="0"/>
-              </a:p>
-              <a:p>
-                <a:pPr lvl="1"/>
-                <a:r>
-                  <a:rPr lang="de-DE" dirty="0" err="1"/>
-                  <a:t>fac</a:t>
-                </a:r>
-                <a:r>
-                  <a:rPr lang="de-DE" dirty="0"/>
-                  <a:t>(0) = 1</a:t>
-                </a:r>
-              </a:p>
-              <a:p>
-                <a:pPr lvl="1"/>
-                <a:r>
-                  <a:rPr lang="de-DE" dirty="0" err="1"/>
-                  <a:t>fac</a:t>
-                </a:r>
-                <a:r>
-                  <a:rPr lang="de-DE" dirty="0"/>
-                  <a:t>(1) = 1</a:t>
-                </a:r>
-              </a:p>
-              <a:p>
-                <a:pPr lvl="1"/>
-                <a:r>
-                  <a:rPr lang="de-DE" dirty="0" err="1"/>
-                  <a:t>fac</a:t>
-                </a:r>
-                <a:r>
-                  <a:rPr lang="de-DE" dirty="0"/>
-                  <a:t>(2) = 2*1 = 2</a:t>
-                </a:r>
-              </a:p>
-              <a:p>
-                <a:pPr lvl="1"/>
-                <a:endParaRPr lang="de-DE" dirty="0"/>
-              </a:p>
-              <a:p>
-                <a:r>
-                  <a:rPr lang="de-DE" dirty="0" err="1" smtClean="0"/>
-                  <a:t>There</a:t>
-                </a:r>
-                <a:r>
-                  <a:rPr lang="de-DE" dirty="0" smtClean="0"/>
-                  <a:t> </a:t>
-                </a:r>
-                <a:r>
-                  <a:rPr lang="de-DE" dirty="0" err="1" smtClean="0"/>
-                  <a:t>are</a:t>
-                </a:r>
-                <a:r>
-                  <a:rPr lang="de-DE" dirty="0" smtClean="0"/>
-                  <a:t> </a:t>
-                </a:r>
-                <a:r>
-                  <a:rPr lang="de-DE" dirty="0" err="1" smtClean="0"/>
-                  <a:t>always</a:t>
-                </a:r>
-                <a:r>
-                  <a:rPr lang="de-DE" dirty="0" smtClean="0"/>
-                  <a:t> </a:t>
-                </a:r>
-                <a:r>
-                  <a:rPr lang="de-DE" dirty="0" err="1" smtClean="0"/>
-                  <a:t>to</a:t>
-                </a:r>
-                <a:r>
-                  <a:rPr lang="de-DE" dirty="0" smtClean="0"/>
-                  <a:t> </a:t>
-                </a:r>
-                <a:r>
-                  <a:rPr lang="de-DE" dirty="0" err="1" smtClean="0"/>
-                  <a:t>steps</a:t>
-                </a:r>
-                <a:r>
-                  <a:rPr lang="de-DE" dirty="0" smtClean="0"/>
-                  <a:t>:</a:t>
-                </a:r>
-                <a:endParaRPr lang="de-DE" dirty="0"/>
-              </a:p>
-              <a:p>
-                <a:pPr lvl="1"/>
-                <a:r>
-                  <a:rPr lang="de-DE" dirty="0" err="1" smtClean="0"/>
-                  <a:t>When</a:t>
-                </a:r>
-                <a:r>
-                  <a:rPr lang="de-DE" dirty="0" smtClean="0"/>
-                  <a:t> </a:t>
-                </a:r>
-                <a:r>
-                  <a:rPr lang="de-DE" dirty="0" err="1" smtClean="0"/>
-                  <a:t>to</a:t>
-                </a:r>
-                <a:r>
-                  <a:rPr lang="de-DE" dirty="0" smtClean="0"/>
-                  <a:t> </a:t>
-                </a:r>
-                <a:r>
-                  <a:rPr lang="de-DE" dirty="0" err="1" smtClean="0"/>
-                  <a:t>exit</a:t>
-                </a:r>
-                <a:r>
-                  <a:rPr lang="de-DE" dirty="0" smtClean="0"/>
-                  <a:t> </a:t>
-                </a:r>
-                <a:r>
-                  <a:rPr lang="de-DE" dirty="0" err="1" smtClean="0"/>
-                  <a:t>recursion</a:t>
-                </a:r>
-                <a:endParaRPr lang="de-DE" dirty="0"/>
-              </a:p>
-              <a:p>
-                <a:pPr lvl="1"/>
-                <a:r>
-                  <a:rPr lang="de-DE" dirty="0" err="1" smtClean="0"/>
-                  <a:t>What</a:t>
-                </a:r>
-                <a:r>
-                  <a:rPr lang="de-DE" dirty="0" smtClean="0"/>
-                  <a:t> </a:t>
-                </a:r>
-                <a:r>
-                  <a:rPr lang="de-DE" dirty="0" err="1" smtClean="0"/>
-                  <a:t>is</a:t>
-                </a:r>
-                <a:r>
-                  <a:rPr lang="de-DE" dirty="0" smtClean="0"/>
-                  <a:t> </a:t>
-                </a:r>
-                <a:r>
-                  <a:rPr lang="de-DE" dirty="0" err="1" smtClean="0"/>
-                  <a:t>actually</a:t>
-                </a:r>
-                <a:r>
-                  <a:rPr lang="de-DE" dirty="0" smtClean="0"/>
-                  <a:t> </a:t>
-                </a:r>
-                <a:r>
-                  <a:rPr lang="de-DE" dirty="0" err="1" smtClean="0"/>
-                  <a:t>done</a:t>
-                </a:r>
-                <a:r>
-                  <a:rPr lang="de-DE" dirty="0" smtClean="0"/>
-                  <a:t> in </a:t>
-                </a:r>
-                <a:r>
-                  <a:rPr lang="de-DE" dirty="0" err="1" smtClean="0"/>
-                  <a:t>recursion</a:t>
-                </a:r>
-                <a:endParaRPr lang="de-DE" dirty="0"/>
-              </a:p>
-              <a:p>
-                <a:pPr lvl="1"/>
-                <a:endParaRPr lang="de-DE" dirty="0"/>
-              </a:p>
-              <a:p>
-                <a:endParaRPr lang="en-US" dirty="0"/>
-              </a:p>
-            </p:txBody>
-          </p:sp>
-        </mc:Choice>
-        <mc:Fallback xmlns="">
-          <p:sp>
-            <p:nvSpPr>
-              <p:cNvPr id="3" name="Inhaltsplatzhalter 2"/>
-              <p:cNvSpPr>
-                <a:spLocks noGrp="1" noRot="1" noChangeAspect="1" noMove="1" noResize="1" noEditPoints="1" noAdjustHandles="1" noChangeArrowheads="1" noChangeShapeType="1" noTextEdit="1"/>
-              </p:cNvSpPr>
-              <p:nvPr>
-                <p:ph idx="1"/>
-              </p:nvPr>
-            </p:nvSpPr>
-            <p:spPr>
-              <a:blipFill>
-                <a:blip r:embed="rId2"/>
-                <a:stretch>
-                  <a:fillRect l="-812" t="-3581"/>
-                </a:stretch>
-              </a:blipFill>
-            </p:spPr>
-            <p:txBody>
-              <a:bodyPr/>
-              <a:lstStyle/>
-              <a:p>
-                <a:r>
-                  <a:rPr lang="en-US">
-                    <a:noFill/>
-                  </a:rPr>
-                  <a:t> </a:t>
-                </a:r>
-              </a:p>
-            </p:txBody>
-          </p:sp>
-        </mc:Fallback>
-      </mc:AlternateContent>
-      <p:sp>
-        <p:nvSpPr>
-          <p:cNvPr id="4" name="Foliennummernplatzhalter 3"/>
-          <p:cNvSpPr>
-            <a:spLocks noGrp="1"/>
-          </p:cNvSpPr>
-          <p:nvPr>
-            <p:ph type="sldNum" sz="quarter" idx="12"/>
-          </p:nvPr>
-        </p:nvSpPr>
-        <p:spPr/>
-        <p:txBody>
-          <a:bodyPr/>
-          <a:lstStyle/>
-          <a:p>
-            <a:pPr>
-              <a:defRPr/>
-            </a:pPr>
-            <a:fld id="{EC3E0582-09BD-43F8-B930-968B1751BD11}" type="slidenum">
-              <a:rPr lang="de-DE" smtClean="0"/>
-              <a:pPr>
-                <a:defRPr/>
-              </a:pPr>
-              <a:t>31</a:t>
-            </a:fld>
-            <a:endParaRPr lang="de-DE"/>
-          </a:p>
-        </p:txBody>
-      </p:sp>
-      <p:sp>
-        <p:nvSpPr>
-          <p:cNvPr id="2" name="Titel 1"/>
-          <p:cNvSpPr>
-            <a:spLocks noGrp="1"/>
-          </p:cNvSpPr>
-          <p:nvPr>
-            <p:ph type="title"/>
-          </p:nvPr>
-        </p:nvSpPr>
-        <p:spPr/>
-        <p:txBody>
-          <a:bodyPr/>
-          <a:lstStyle/>
-          <a:p>
-            <a:r>
-              <a:rPr lang="de-DE" dirty="0" err="1" smtClean="0"/>
-              <a:t>Factorial</a:t>
-            </a:r>
-            <a:r>
-              <a:rPr lang="de-DE" dirty="0" smtClean="0"/>
-              <a:t> </a:t>
-            </a:r>
-            <a:r>
-              <a:rPr lang="de-DE" dirty="0" err="1" smtClean="0"/>
-              <a:t>With</a:t>
-            </a:r>
-            <a:r>
-              <a:rPr lang="de-DE" dirty="0" smtClean="0"/>
-              <a:t> </a:t>
-            </a:r>
-            <a:r>
-              <a:rPr lang="de-DE" dirty="0" err="1" smtClean="0"/>
-              <a:t>Recursion</a:t>
-            </a:r>
-            <a:endParaRPr lang="en-US" dirty="0"/>
-          </a:p>
-        </p:txBody>
-      </p:sp>
-      <p:sp>
-        <p:nvSpPr>
-          <p:cNvPr id="6" name="Rechteck 5"/>
-          <p:cNvSpPr>
-            <a:spLocks noChangeArrowheads="1"/>
-          </p:cNvSpPr>
-          <p:nvPr/>
-        </p:nvSpPr>
-        <p:spPr bwMode="auto">
-          <a:xfrm>
-            <a:off x="9768408" y="4509120"/>
-            <a:ext cx="1553374" cy="369332"/>
-          </a:xfrm>
-          <a:prstGeom prst="rect">
-            <a:avLst/>
-          </a:prstGeom>
-          <a:noFill/>
-          <a:ln w="9525">
-            <a:noFill/>
-            <a:miter lim="800000"/>
-            <a:headEnd/>
-            <a:tailEnd/>
-          </a:ln>
-        </p:spPr>
-        <p:txBody>
-          <a:bodyPr wrap="none">
-            <a:spAutoFit/>
-          </a:bodyPr>
-          <a:lstStyle/>
-          <a:p>
-            <a:r>
-              <a:rPr lang="de-DE" b="1" dirty="0" smtClean="0">
-                <a:solidFill>
-                  <a:srgbClr val="FF0000"/>
-                </a:solidFill>
-                <a:latin typeface="Calibri" pitchFamily="34" charset="0"/>
-              </a:rPr>
-              <a:t>3 </a:t>
-            </a:r>
-            <a:r>
-              <a:rPr lang="de-DE" b="1" dirty="0" err="1" smtClean="0">
-                <a:solidFill>
-                  <a:srgbClr val="FF0000"/>
-                </a:solidFill>
-                <a:latin typeface="Calibri" pitchFamily="34" charset="0"/>
-              </a:rPr>
-              <a:t>to</a:t>
-            </a:r>
-            <a:r>
-              <a:rPr lang="de-DE" b="1" dirty="0" smtClean="0">
-                <a:solidFill>
-                  <a:srgbClr val="FF0000"/>
-                </a:solidFill>
-                <a:latin typeface="Calibri" pitchFamily="34" charset="0"/>
-              </a:rPr>
-              <a:t> 5 </a:t>
-            </a:r>
-            <a:r>
-              <a:rPr lang="de-DE" b="1" dirty="0" err="1" smtClean="0">
-                <a:solidFill>
-                  <a:srgbClr val="FF0000"/>
-                </a:solidFill>
-                <a:latin typeface="Calibri" pitchFamily="34" charset="0"/>
-              </a:rPr>
-              <a:t>minutes</a:t>
-            </a:r>
-            <a:endParaRPr lang="de-DE" b="1" dirty="0">
-              <a:solidFill>
-                <a:srgbClr val="FF0000"/>
-              </a:solidFill>
-              <a:latin typeface="Calibri" pitchFamily="34" charset="0"/>
-            </a:endParaRPr>
-          </a:p>
-        </p:txBody>
-      </p:sp>
-      <p:sp>
-        <p:nvSpPr>
-          <p:cNvPr id="7" name="Rechteck 6"/>
-          <p:cNvSpPr>
-            <a:spLocks noChangeArrowheads="1"/>
-          </p:cNvSpPr>
-          <p:nvPr/>
-        </p:nvSpPr>
-        <p:spPr bwMode="auto">
-          <a:xfrm>
-            <a:off x="5951984" y="2852936"/>
-            <a:ext cx="4662487" cy="2892425"/>
-          </a:xfrm>
-          <a:prstGeom prst="rect">
-            <a:avLst/>
-          </a:prstGeom>
-          <a:noFill/>
-          <a:ln w="9525">
-            <a:noFill/>
-            <a:miter lim="800000"/>
-            <a:headEnd/>
-            <a:tailEnd/>
-          </a:ln>
-        </p:spPr>
-        <p:txBody>
-          <a:bodyPr>
-            <a:spAutoFit/>
-          </a:bodyPr>
-          <a:lstStyle/>
-          <a:p>
-            <a:r>
-              <a:rPr lang="de-DE" sz="1400" b="1" dirty="0" err="1">
-                <a:solidFill>
-                  <a:srgbClr val="7F0055"/>
-                </a:solidFill>
-                <a:latin typeface="Consolas" pitchFamily="49" charset="0"/>
-              </a:rPr>
-              <a:t>public</a:t>
-            </a:r>
-            <a:r>
-              <a:rPr lang="de-DE" sz="1400" b="1" dirty="0">
-                <a:solidFill>
-                  <a:srgbClr val="000000"/>
-                </a:solidFill>
-                <a:latin typeface="Consolas" pitchFamily="49" charset="0"/>
-              </a:rPr>
-              <a:t> </a:t>
-            </a:r>
-            <a:r>
-              <a:rPr lang="de-DE" sz="1400" b="1" dirty="0" err="1">
-                <a:solidFill>
-                  <a:srgbClr val="7F0055"/>
-                </a:solidFill>
-                <a:latin typeface="Consolas" pitchFamily="49" charset="0"/>
-              </a:rPr>
-              <a:t>class</a:t>
-            </a:r>
-            <a:r>
-              <a:rPr lang="de-DE" sz="1400" b="1" dirty="0">
-                <a:solidFill>
-                  <a:srgbClr val="000000"/>
-                </a:solidFill>
-                <a:latin typeface="Consolas" pitchFamily="49" charset="0"/>
-              </a:rPr>
-              <a:t> </a:t>
-            </a:r>
-            <a:r>
-              <a:rPr lang="de-DE" sz="1400" dirty="0" err="1">
-                <a:solidFill>
-                  <a:srgbClr val="000000"/>
-                </a:solidFill>
-                <a:latin typeface="Consolas" pitchFamily="49" charset="0"/>
-              </a:rPr>
-              <a:t>Calculator</a:t>
-            </a:r>
-            <a:r>
-              <a:rPr lang="de-DE" sz="1400" dirty="0">
-                <a:solidFill>
-                  <a:srgbClr val="000000"/>
-                </a:solidFill>
-                <a:latin typeface="Consolas" pitchFamily="49" charset="0"/>
-              </a:rPr>
-              <a:t> {</a:t>
-            </a:r>
-            <a:endParaRPr lang="de-DE" sz="1400" dirty="0">
-              <a:latin typeface="Consolas" pitchFamily="49" charset="0"/>
-            </a:endParaRPr>
-          </a:p>
-          <a:p>
-            <a:r>
-              <a:rPr lang="en-US" sz="1400" b="1" dirty="0">
-                <a:solidFill>
-                  <a:srgbClr val="7F0055"/>
-                </a:solidFill>
-                <a:latin typeface="Consolas" pitchFamily="49" charset="0"/>
-              </a:rPr>
-              <a:t>  public</a:t>
-            </a:r>
-            <a:r>
-              <a:rPr lang="en-US" sz="1400" b="1" dirty="0">
-                <a:solidFill>
-                  <a:srgbClr val="000000"/>
-                </a:solidFill>
-                <a:latin typeface="Consolas" pitchFamily="49" charset="0"/>
-              </a:rPr>
-              <a:t> </a:t>
-            </a:r>
-            <a:r>
-              <a:rPr lang="en-US" sz="1400" b="1" dirty="0">
-                <a:solidFill>
-                  <a:srgbClr val="7F0055"/>
-                </a:solidFill>
-                <a:latin typeface="Consolas" pitchFamily="49" charset="0"/>
-              </a:rPr>
-              <a:t>static</a:t>
-            </a:r>
-            <a:r>
-              <a:rPr lang="en-US" sz="1400" b="1" dirty="0">
-                <a:solidFill>
-                  <a:srgbClr val="000000"/>
-                </a:solidFill>
-                <a:latin typeface="Consolas" pitchFamily="49" charset="0"/>
-              </a:rPr>
-              <a:t> </a:t>
-            </a:r>
-            <a:r>
-              <a:rPr lang="en-US" sz="1400" b="1" dirty="0">
-                <a:solidFill>
-                  <a:srgbClr val="7F0055"/>
-                </a:solidFill>
-                <a:latin typeface="Consolas" pitchFamily="49" charset="0"/>
-              </a:rPr>
-              <a:t>void</a:t>
-            </a:r>
-            <a:r>
-              <a:rPr lang="en-US" sz="1400" b="1" dirty="0">
-                <a:solidFill>
-                  <a:srgbClr val="000000"/>
-                </a:solidFill>
-                <a:latin typeface="Consolas" pitchFamily="49" charset="0"/>
-              </a:rPr>
-              <a:t> </a:t>
-            </a:r>
-            <a:r>
-              <a:rPr lang="en-US" sz="1400" dirty="0">
-                <a:solidFill>
-                  <a:srgbClr val="000000"/>
-                </a:solidFill>
-                <a:latin typeface="Consolas" pitchFamily="49" charset="0"/>
-              </a:rPr>
-              <a:t>main(String[] </a:t>
-            </a:r>
-            <a:r>
-              <a:rPr lang="en-US" sz="1400" dirty="0" err="1">
-                <a:solidFill>
-                  <a:srgbClr val="000000"/>
-                </a:solidFill>
-                <a:latin typeface="Consolas" pitchFamily="49" charset="0"/>
-              </a:rPr>
-              <a:t>args</a:t>
-            </a:r>
-            <a:r>
-              <a:rPr lang="en-US" sz="1400" dirty="0">
-                <a:solidFill>
-                  <a:srgbClr val="000000"/>
-                </a:solidFill>
-                <a:latin typeface="Consolas" pitchFamily="49" charset="0"/>
-              </a:rPr>
-              <a:t>) {</a:t>
-            </a:r>
-          </a:p>
-          <a:p>
-            <a:r>
-              <a:rPr lang="de-DE" sz="1400" dirty="0">
-                <a:solidFill>
-                  <a:srgbClr val="000000"/>
-                </a:solidFill>
-                <a:latin typeface="Consolas" pitchFamily="49" charset="0"/>
-              </a:rPr>
-              <a:t>    </a:t>
-            </a:r>
-            <a:r>
-              <a:rPr lang="de-DE" sz="1400" dirty="0" err="1">
-                <a:solidFill>
-                  <a:srgbClr val="000000"/>
-                </a:solidFill>
-                <a:latin typeface="Consolas" pitchFamily="49" charset="0"/>
-              </a:rPr>
-              <a:t>Calculator</a:t>
-            </a:r>
-            <a:r>
-              <a:rPr lang="de-DE" sz="1400" dirty="0">
-                <a:solidFill>
-                  <a:srgbClr val="000000"/>
-                </a:solidFill>
-                <a:latin typeface="Consolas" pitchFamily="49" charset="0"/>
-              </a:rPr>
-              <a:t> </a:t>
-            </a:r>
-            <a:r>
-              <a:rPr lang="de-DE" sz="1400" dirty="0" err="1">
-                <a:solidFill>
-                  <a:srgbClr val="000000"/>
-                </a:solidFill>
-                <a:latin typeface="Consolas" pitchFamily="49" charset="0"/>
-              </a:rPr>
-              <a:t>calc</a:t>
-            </a:r>
-            <a:r>
-              <a:rPr lang="de-DE" sz="1400" dirty="0">
-                <a:solidFill>
-                  <a:srgbClr val="000000"/>
-                </a:solidFill>
-                <a:latin typeface="Consolas" pitchFamily="49" charset="0"/>
-              </a:rPr>
-              <a:t> = </a:t>
-            </a:r>
-            <a:r>
-              <a:rPr lang="de-DE" sz="1400" b="1" dirty="0" err="1">
-                <a:solidFill>
-                  <a:srgbClr val="7F0055"/>
-                </a:solidFill>
-                <a:latin typeface="Consolas" pitchFamily="49" charset="0"/>
-              </a:rPr>
-              <a:t>new</a:t>
-            </a:r>
-            <a:r>
-              <a:rPr lang="de-DE" sz="1400" b="1" dirty="0">
-                <a:solidFill>
-                  <a:srgbClr val="000000"/>
-                </a:solidFill>
-                <a:latin typeface="Consolas" pitchFamily="49" charset="0"/>
-              </a:rPr>
-              <a:t> </a:t>
-            </a:r>
-            <a:r>
-              <a:rPr lang="de-DE" sz="1400" dirty="0" err="1">
-                <a:solidFill>
-                  <a:srgbClr val="000000"/>
-                </a:solidFill>
-                <a:latin typeface="Consolas" pitchFamily="49" charset="0"/>
-              </a:rPr>
-              <a:t>Calculator</a:t>
-            </a:r>
-            <a:r>
-              <a:rPr lang="de-DE" sz="1400" dirty="0">
-                <a:solidFill>
-                  <a:srgbClr val="000000"/>
-                </a:solidFill>
-                <a:latin typeface="Consolas" pitchFamily="49" charset="0"/>
-              </a:rPr>
-              <a:t>();</a:t>
-            </a:r>
-          </a:p>
-          <a:p>
-            <a:r>
-              <a:rPr lang="de-DE" sz="1400" dirty="0">
-                <a:solidFill>
-                  <a:srgbClr val="000000"/>
-                </a:solidFill>
-                <a:latin typeface="Consolas" pitchFamily="49" charset="0"/>
-              </a:rPr>
-              <a:t>    </a:t>
-            </a:r>
-            <a:r>
-              <a:rPr lang="de-DE" sz="1400" dirty="0" err="1">
-                <a:solidFill>
-                  <a:srgbClr val="000000"/>
-                </a:solidFill>
-                <a:latin typeface="Consolas" pitchFamily="49" charset="0"/>
-              </a:rPr>
-              <a:t>System.</a:t>
-            </a:r>
-            <a:r>
-              <a:rPr lang="de-DE" sz="1400" dirty="0" err="1">
-                <a:solidFill>
-                  <a:srgbClr val="0000C0"/>
-                </a:solidFill>
-                <a:latin typeface="Consolas" pitchFamily="49" charset="0"/>
-              </a:rPr>
-              <a:t>out</a:t>
-            </a:r>
-            <a:r>
-              <a:rPr lang="de-DE" sz="1400" i="1" dirty="0" err="1">
-                <a:solidFill>
-                  <a:srgbClr val="000000"/>
-                </a:solidFill>
-                <a:latin typeface="Consolas" pitchFamily="49" charset="0"/>
-              </a:rPr>
-              <a:t>.</a:t>
-            </a:r>
-            <a:r>
-              <a:rPr lang="de-DE" sz="1400" dirty="0" err="1">
-                <a:solidFill>
-                  <a:srgbClr val="000000"/>
-                </a:solidFill>
-                <a:latin typeface="Consolas" pitchFamily="49" charset="0"/>
-              </a:rPr>
-              <a:t>println</a:t>
-            </a:r>
-            <a:r>
-              <a:rPr lang="de-DE" sz="1400" dirty="0">
-                <a:solidFill>
-                  <a:srgbClr val="000000"/>
-                </a:solidFill>
-                <a:latin typeface="Consolas" pitchFamily="49" charset="0"/>
-              </a:rPr>
-              <a:t>(</a:t>
-            </a:r>
-            <a:r>
-              <a:rPr lang="de-DE" sz="1400" dirty="0" err="1">
-                <a:solidFill>
-                  <a:srgbClr val="000000"/>
-                </a:solidFill>
-                <a:latin typeface="Consolas" pitchFamily="49" charset="0"/>
-              </a:rPr>
-              <a:t>calc.factorial</a:t>
-            </a:r>
-            <a:r>
-              <a:rPr lang="de-DE" sz="1400" dirty="0">
-                <a:solidFill>
-                  <a:srgbClr val="000000"/>
-                </a:solidFill>
-                <a:latin typeface="Consolas" pitchFamily="49" charset="0"/>
-              </a:rPr>
-              <a:t>(3));</a:t>
-            </a:r>
-          </a:p>
-          <a:p>
-            <a:r>
-              <a:rPr lang="de-DE" sz="1400" dirty="0">
-                <a:solidFill>
-                  <a:srgbClr val="000000"/>
-                </a:solidFill>
-                <a:latin typeface="Consolas" pitchFamily="49" charset="0"/>
-              </a:rPr>
-              <a:t>  }</a:t>
-            </a:r>
-          </a:p>
-          <a:p>
-            <a:endParaRPr lang="de-DE" sz="1400" dirty="0">
-              <a:latin typeface="Consolas" pitchFamily="49" charset="0"/>
-            </a:endParaRPr>
-          </a:p>
-          <a:p>
-            <a:r>
-              <a:rPr lang="de-DE" sz="1400" b="1" dirty="0">
-                <a:solidFill>
-                  <a:srgbClr val="7F0055"/>
-                </a:solidFill>
-                <a:latin typeface="Consolas" pitchFamily="49" charset="0"/>
-              </a:rPr>
-              <a:t>  private</a:t>
-            </a:r>
-            <a:r>
-              <a:rPr lang="de-DE" sz="1400" b="1" dirty="0">
-                <a:solidFill>
-                  <a:srgbClr val="000000"/>
-                </a:solidFill>
-                <a:latin typeface="Consolas" pitchFamily="49" charset="0"/>
-              </a:rPr>
-              <a:t> </a:t>
-            </a:r>
-            <a:r>
-              <a:rPr lang="de-DE" sz="1400" b="1" dirty="0" err="1">
-                <a:solidFill>
-                  <a:srgbClr val="7F0055"/>
-                </a:solidFill>
-                <a:latin typeface="Consolas" pitchFamily="49" charset="0"/>
-              </a:rPr>
-              <a:t>int</a:t>
-            </a:r>
-            <a:r>
-              <a:rPr lang="de-DE" sz="1400" b="1" dirty="0">
-                <a:solidFill>
-                  <a:srgbClr val="000000"/>
-                </a:solidFill>
-                <a:latin typeface="Consolas" pitchFamily="49" charset="0"/>
-              </a:rPr>
-              <a:t> </a:t>
-            </a:r>
-            <a:r>
-              <a:rPr lang="de-DE" sz="1400" dirty="0" err="1">
-                <a:solidFill>
-                  <a:srgbClr val="000000"/>
-                </a:solidFill>
-                <a:latin typeface="Consolas" pitchFamily="49" charset="0"/>
-              </a:rPr>
-              <a:t>factorial</a:t>
-            </a:r>
-            <a:r>
-              <a:rPr lang="de-DE" sz="1400" dirty="0">
-                <a:solidFill>
-                  <a:srgbClr val="000000"/>
-                </a:solidFill>
-                <a:latin typeface="Consolas" pitchFamily="49" charset="0"/>
-              </a:rPr>
-              <a:t>(</a:t>
-            </a:r>
-            <a:r>
-              <a:rPr lang="de-DE" sz="1400" b="1" dirty="0" err="1">
-                <a:solidFill>
-                  <a:srgbClr val="7F0055"/>
-                </a:solidFill>
-                <a:latin typeface="Consolas" pitchFamily="49" charset="0"/>
-              </a:rPr>
-              <a:t>int</a:t>
-            </a:r>
-            <a:r>
-              <a:rPr lang="de-DE" sz="1400" dirty="0">
-                <a:solidFill>
-                  <a:srgbClr val="000000"/>
-                </a:solidFill>
-                <a:latin typeface="Consolas" pitchFamily="49" charset="0"/>
-              </a:rPr>
-              <a:t> n) {</a:t>
-            </a:r>
-          </a:p>
-          <a:p>
-            <a:r>
-              <a:rPr lang="de-DE" sz="1400" b="1" dirty="0">
-                <a:solidFill>
-                  <a:srgbClr val="7F0055"/>
-                </a:solidFill>
-                <a:latin typeface="Consolas" pitchFamily="49" charset="0"/>
-              </a:rPr>
-              <a:t>    </a:t>
-            </a:r>
-            <a:r>
-              <a:rPr lang="de-DE" sz="1400" b="1" dirty="0" err="1">
-                <a:solidFill>
-                  <a:srgbClr val="7F0055"/>
-                </a:solidFill>
-                <a:latin typeface="Consolas" pitchFamily="49" charset="0"/>
-              </a:rPr>
-              <a:t>if</a:t>
-            </a:r>
-            <a:r>
-              <a:rPr lang="de-DE" sz="1400" dirty="0">
-                <a:solidFill>
-                  <a:srgbClr val="000000"/>
-                </a:solidFill>
-                <a:latin typeface="Consolas" pitchFamily="49" charset="0"/>
-              </a:rPr>
-              <a:t>(n &lt;= 1)</a:t>
-            </a:r>
-          </a:p>
-          <a:p>
-            <a:r>
-              <a:rPr lang="de-DE" sz="1400" b="1" dirty="0">
-                <a:solidFill>
-                  <a:srgbClr val="7F0055"/>
-                </a:solidFill>
-                <a:latin typeface="Consolas" pitchFamily="49" charset="0"/>
-              </a:rPr>
-              <a:t>      </a:t>
-            </a:r>
-            <a:r>
-              <a:rPr lang="de-DE" sz="1400" b="1" dirty="0" err="1">
-                <a:solidFill>
-                  <a:srgbClr val="7F0055"/>
-                </a:solidFill>
-                <a:latin typeface="Consolas" pitchFamily="49" charset="0"/>
-              </a:rPr>
-              <a:t>return</a:t>
-            </a:r>
-            <a:r>
-              <a:rPr lang="de-DE" sz="1400" b="1" dirty="0">
-                <a:solidFill>
-                  <a:srgbClr val="000000"/>
-                </a:solidFill>
-                <a:latin typeface="Consolas" pitchFamily="49" charset="0"/>
-              </a:rPr>
-              <a:t> </a:t>
-            </a:r>
-            <a:r>
-              <a:rPr lang="de-DE" sz="1400" dirty="0">
-                <a:solidFill>
-                  <a:srgbClr val="000000"/>
-                </a:solidFill>
-                <a:latin typeface="Consolas" pitchFamily="49" charset="0"/>
-              </a:rPr>
-              <a:t>1</a:t>
-            </a:r>
-            <a:r>
-              <a:rPr lang="de-DE" sz="1400" dirty="0" smtClean="0">
-                <a:solidFill>
-                  <a:srgbClr val="000000"/>
-                </a:solidFill>
-                <a:latin typeface="Consolas" pitchFamily="49" charset="0"/>
-              </a:rPr>
-              <a:t>;</a:t>
-            </a:r>
-            <a:endParaRPr lang="de-DE" sz="1400" dirty="0">
-              <a:solidFill>
-                <a:srgbClr val="000000"/>
-              </a:solidFill>
-              <a:latin typeface="Consolas" pitchFamily="49" charset="0"/>
-            </a:endParaRPr>
-          </a:p>
-          <a:p>
-            <a:r>
-              <a:rPr lang="de-DE" sz="1400" b="1" dirty="0">
-                <a:solidFill>
-                  <a:srgbClr val="7F0055"/>
-                </a:solidFill>
-                <a:latin typeface="Consolas" pitchFamily="49" charset="0"/>
-              </a:rPr>
-              <a:t>    </a:t>
-            </a:r>
-            <a:r>
-              <a:rPr lang="de-DE" sz="1400" b="1" dirty="0" err="1">
-                <a:solidFill>
-                  <a:srgbClr val="7F0055"/>
-                </a:solidFill>
-                <a:latin typeface="Consolas" pitchFamily="49" charset="0"/>
-              </a:rPr>
-              <a:t>else</a:t>
-            </a:r>
-            <a:endParaRPr lang="de-DE" sz="1400" b="1" dirty="0">
-              <a:solidFill>
-                <a:srgbClr val="7F0055"/>
-              </a:solidFill>
-              <a:latin typeface="Consolas" pitchFamily="49" charset="0"/>
-            </a:endParaRPr>
-          </a:p>
-          <a:p>
-            <a:r>
-              <a:rPr lang="de-DE" sz="1400" b="1" dirty="0">
-                <a:solidFill>
-                  <a:srgbClr val="7F0055"/>
-                </a:solidFill>
-                <a:latin typeface="Consolas" pitchFamily="49" charset="0"/>
-              </a:rPr>
-              <a:t>      </a:t>
-            </a:r>
-            <a:r>
-              <a:rPr lang="de-DE" sz="1400" b="1" dirty="0" err="1">
-                <a:solidFill>
-                  <a:srgbClr val="7F0055"/>
-                </a:solidFill>
-                <a:latin typeface="Consolas" pitchFamily="49" charset="0"/>
-              </a:rPr>
-              <a:t>return</a:t>
-            </a:r>
-            <a:r>
-              <a:rPr lang="de-DE" sz="1400" b="1" dirty="0">
-                <a:solidFill>
-                  <a:srgbClr val="000000"/>
-                </a:solidFill>
-                <a:latin typeface="Consolas" pitchFamily="49" charset="0"/>
-              </a:rPr>
-              <a:t> </a:t>
-            </a:r>
-            <a:r>
-              <a:rPr lang="de-DE" sz="1400" dirty="0">
-                <a:solidFill>
-                  <a:srgbClr val="000000"/>
-                </a:solidFill>
-                <a:latin typeface="Consolas" pitchFamily="49" charset="0"/>
-              </a:rPr>
-              <a:t>n * </a:t>
-            </a:r>
-            <a:r>
-              <a:rPr lang="de-DE" sz="1400" dirty="0" err="1">
-                <a:solidFill>
-                  <a:srgbClr val="000000"/>
-                </a:solidFill>
-                <a:latin typeface="Consolas" pitchFamily="49" charset="0"/>
-              </a:rPr>
-              <a:t>factorial</a:t>
-            </a:r>
-            <a:r>
-              <a:rPr lang="de-DE" sz="1400" dirty="0">
-                <a:solidFill>
-                  <a:srgbClr val="000000"/>
-                </a:solidFill>
-                <a:latin typeface="Consolas" pitchFamily="49" charset="0"/>
-              </a:rPr>
-              <a:t>(n-1);</a:t>
-            </a:r>
-          </a:p>
-          <a:p>
-            <a:r>
-              <a:rPr lang="de-DE" sz="1400" dirty="0">
-                <a:solidFill>
-                  <a:srgbClr val="000000"/>
-                </a:solidFill>
-                <a:latin typeface="Consolas" pitchFamily="49" charset="0"/>
-              </a:rPr>
-              <a:t>  }</a:t>
-            </a:r>
-          </a:p>
-          <a:p>
-            <a:r>
-              <a:rPr lang="de-DE" sz="1400" dirty="0">
-                <a:solidFill>
-                  <a:srgbClr val="000000"/>
-                </a:solidFill>
-                <a:latin typeface="Consolas" pitchFamily="49" charset="0"/>
-              </a:rPr>
-              <a:t>}</a:t>
-            </a:r>
-            <a:endParaRPr lang="de-DE" sz="1400" dirty="0">
-              <a:latin typeface="Calibri" pitchFamily="34" charset="0"/>
-            </a:endParaRPr>
-          </a:p>
-        </p:txBody>
-      </p:sp>
-    </p:spTree>
-    <p:extLst>
-      <p:ext uri="{BB962C8B-B14F-4D97-AF65-F5344CB8AC3E}">
-        <p14:creationId xmlns:p14="http://schemas.microsoft.com/office/powerpoint/2010/main" val="4235779735"/>
-      </p:ext>
-    </p:extLst>
-  </p:cSld>
-  <p:clrMapOvr>
-    <a:masterClrMapping/>
-  </p:clrMapOvr>
-  <p:timing>
-    <p:tnLst>
-      <p:par>
-        <p:cTn id="1" dur="indefinite" restart="never" nodeType="tmRoot">
-          <p:childTnLst>
-            <p:seq concurrent="1" nextAc="seek">
-              <p:cTn id="2" dur="indefinite" nodeType="mainSeq">
-                <p:childTnLst>
-                  <p:par>
-                    <p:cTn id="3" fill="hold">
-                      <p:stCondLst>
-                        <p:cond delay="indefinite"/>
-                        <p:cond evt="onBegin" delay="0">
-                          <p:tn val="2"/>
-                        </p:cond>
-                      </p:stCondLst>
-                      <p:childTnLst>
-                        <p:par>
-                          <p:cTn id="4" fill="hold">
-                            <p:stCondLst>
-                              <p:cond delay="0"/>
-                            </p:stCondLst>
-                            <p:childTnLst>
-                              <p:par>
-                                <p:cTn id="5" presetID="10" presetClass="entr" presetSubtype="0" fill="hold" grpId="0" nodeType="withEffect">
-                                  <p:stCondLst>
-                                    <p:cond delay="0"/>
-                                  </p:stCondLst>
-                                  <p:childTnLst>
-                                    <p:set>
-                                      <p:cBhvr>
-                                        <p:cTn id="6" dur="1" fill="hold">
-                                          <p:stCondLst>
-                                            <p:cond delay="0"/>
-                                          </p:stCondLst>
-                                        </p:cTn>
-                                        <p:tgtEl>
-                                          <p:spTgt spid="6"/>
-                                        </p:tgtEl>
-                                        <p:attrNameLst>
-                                          <p:attrName>style.visibility</p:attrName>
-                                        </p:attrNameLst>
-                                      </p:cBhvr>
-                                      <p:to>
-                                        <p:strVal val="visible"/>
-                                      </p:to>
-                                    </p:set>
-                                    <p:animEffect transition="in" filter="fade">
-                                      <p:cBhvr>
-                                        <p:cTn id="7" dur="1000"/>
-                                        <p:tgtEl>
-                                          <p:spTgt spid="6"/>
-                                        </p:tgtEl>
-                                      </p:cBhvr>
-                                    </p:animEffect>
-                                  </p:childTnLst>
-                                </p:cTn>
-                              </p:par>
-                            </p:childTnLst>
-                          </p:cTn>
-                        </p:par>
-                      </p:childTnLst>
-                    </p:cTn>
-                  </p:par>
-                  <p:par>
-                    <p:cTn id="8" fill="hold">
-                      <p:stCondLst>
-                        <p:cond delay="indefinite"/>
-                      </p:stCondLst>
-                      <p:childTnLst>
-                        <p:par>
-                          <p:cTn id="9" fill="hold">
-                            <p:stCondLst>
-                              <p:cond delay="0"/>
-                            </p:stCondLst>
-                            <p:childTnLst>
-                              <p:par>
-                                <p:cTn id="10" presetID="10" presetClass="entr" presetSubtype="0" fill="hold" grpId="0" nodeType="clickEffect">
-                                  <p:stCondLst>
-                                    <p:cond delay="0"/>
-                                  </p:stCondLst>
-                                  <p:childTnLst>
-                                    <p:set>
-                                      <p:cBhvr>
-                                        <p:cTn id="11" dur="1" fill="hold">
-                                          <p:stCondLst>
-                                            <p:cond delay="0"/>
-                                          </p:stCondLst>
-                                        </p:cTn>
-                                        <p:tgtEl>
-                                          <p:spTgt spid="7"/>
-                                        </p:tgtEl>
-                                        <p:attrNameLst>
-                                          <p:attrName>style.visibility</p:attrName>
-                                        </p:attrNameLst>
-                                      </p:cBhvr>
-                                      <p:to>
-                                        <p:strVal val="visible"/>
-                                      </p:to>
-                                    </p:set>
-                                    <p:animEffect transition="in" filter="fade">
-                                      <p:cBhvr>
-                                        <p:cTn id="12" dur="1000"/>
-                                        <p:tgtEl>
-                                          <p:spTgt spid="7"/>
-                                        </p:tgtEl>
-                                      </p:cBhvr>
-                                    </p:animEffect>
-                                  </p:childTnLst>
-                                </p:cTn>
-                              </p:par>
-                            </p:childTnLst>
-                          </p:cTn>
-                        </p:par>
-                      </p:childTnLst>
-                    </p:cTn>
-                  </p:par>
-                </p:childTnLst>
-              </p:cTn>
-              <p:prevCondLst>
-                <p:cond evt="onPrev" delay="0">
-                  <p:tgtEl>
-                    <p:sldTgt/>
-                  </p:tgtEl>
-                </p:cond>
-              </p:prevCondLst>
-              <p:nextCondLst>
-                <p:cond evt="onNext" delay="0">
-                  <p:tgtEl>
-                    <p:sldTgt/>
-                  </p:tgtEl>
-                </p:cond>
-              </p:nextCondLst>
-            </p:seq>
-          </p:childTnLst>
-        </p:cTn>
-      </p:par>
-    </p:tnLst>
-    <p:bldLst>
-      <p:bldP spid="6" grpId="0"/>
-      <p:bldP spid="7" grpId="0"/>
-    </p:bldLst>
-  </p:timing>
-</p:sld>
-</file>
-
-<file path=ppt/slides/slide32.xml><?xml version="1.0" encoding="utf-8"?>
-<p:sld xmlns:a="http://schemas.openxmlformats.org/drawingml/2006/main" xmlns:r="http://schemas.openxmlformats.org/officeDocument/2006/relationships" xmlns:p="http://schemas.openxmlformats.org/presentationml/2006/main">
-  <p:cSld>
-    <p:spTree>
-      <p:nvGrpSpPr>
-        <p:cNvPr id="1" name=""/>
-        <p:cNvGrpSpPr/>
-        <p:nvPr/>
-      </p:nvGrpSpPr>
-      <p:grpSpPr>
-        <a:xfrm>
-          <a:off x="0" y="0"/>
-          <a:ext cx="0" cy="0"/>
-          <a:chOff x="0" y="0"/>
-          <a:chExt cx="0" cy="0"/>
-        </a:xfrm>
-      </p:grpSpPr>
-      <p:sp>
-        <p:nvSpPr>
           <p:cNvPr id="76801" name="Titel 1"/>
           <p:cNvSpPr>
             <a:spLocks noGrp="1"/>
@@ -35787,7 +34140,7 @@
               <a:pPr>
                 <a:defRPr/>
               </a:pPr>
-              <a:t>32</a:t>
+              <a:t>30</a:t>
             </a:fld>
             <a:endParaRPr lang="de-DE"/>
           </a:p>
@@ -36953,7 +35306,7 @@
 </p:sld>
 </file>
 
-<file path=ppt/slides/slide33.xml><?xml version="1.0" encoding="utf-8"?>
+<file path=ppt/slides/slide31.xml><?xml version="1.0" encoding="utf-8"?>
 <p:sld xmlns:a="http://schemas.openxmlformats.org/drawingml/2006/main" xmlns:r="http://schemas.openxmlformats.org/officeDocument/2006/relationships" xmlns:p="http://schemas.openxmlformats.org/presentationml/2006/main">
   <p:cSld>
     <p:spTree>
@@ -37031,7 +35384,7 @@
               <a:pPr>
                 <a:defRPr/>
               </a:pPr>
-              <a:t>33</a:t>
+              <a:t>31</a:t>
             </a:fld>
             <a:endParaRPr lang="de-DE"/>
           </a:p>
@@ -39631,7 +37984,7 @@
 </p:sld>
 </file>
 
-<file path=ppt/slides/slide34.xml><?xml version="1.0" encoding="utf-8"?>
+<file path=ppt/slides/slide32.xml><?xml version="1.0" encoding="utf-8"?>
 <p:sld xmlns:a="http://schemas.openxmlformats.org/drawingml/2006/main" xmlns:r="http://schemas.openxmlformats.org/officeDocument/2006/relationships" xmlns:p="http://schemas.openxmlformats.org/presentationml/2006/main">
   <p:cSld>
     <p:spTree>
@@ -39853,12 +38206,8 @@
               <a:t> an </a:t>
             </a:r>
             <a:r>
-              <a:rPr lang="de-DE" dirty="0" err="1" smtClean="0"/>
-              <a:t>elegent</a:t>
-            </a:r>
-            <a:r>
               <a:rPr lang="de-DE" dirty="0" smtClean="0"/>
-              <a:t> </a:t>
+              <a:t>elegant </a:t>
             </a:r>
             <a:r>
               <a:rPr lang="de-DE" dirty="0" err="1" smtClean="0"/>
@@ -39963,7 +38312,7 @@
               <a:pPr>
                 <a:defRPr/>
               </a:pPr>
-              <a:t>34</a:t>
+              <a:t>32</a:t>
             </a:fld>
             <a:endParaRPr lang="de-DE"/>
           </a:p>
@@ -40015,7 +38364,7 @@
 </p:sld>
 </file>
 
-<file path=ppt/slides/slide35.xml><?xml version="1.0" encoding="utf-8"?>
+<file path=ppt/slides/slide33.xml><?xml version="1.0" encoding="utf-8"?>
 <p:sld xmlns:a="http://schemas.openxmlformats.org/drawingml/2006/main" xmlns:r="http://schemas.openxmlformats.org/officeDocument/2006/relationships" xmlns:p="http://schemas.openxmlformats.org/presentationml/2006/main">
   <p:cSld>
     <p:spTree>
@@ -40273,7 +38622,7 @@
               <a:pPr>
                 <a:defRPr/>
               </a:pPr>
-              <a:t>35</a:t>
+              <a:t>33</a:t>
             </a:fld>
             <a:endParaRPr lang="de-DE"/>
           </a:p>
@@ -40287,7 +38636,7 @@
 </p:sld>
 </file>
 
-<file path=ppt/slides/slide36.xml><?xml version="1.0" encoding="utf-8"?>
+<file path=ppt/slides/slide34.xml><?xml version="1.0" encoding="utf-8"?>
 <p:sld xmlns:a="http://schemas.openxmlformats.org/drawingml/2006/main" xmlns:r="http://schemas.openxmlformats.org/officeDocument/2006/relationships" xmlns:p="http://schemas.openxmlformats.org/presentationml/2006/main">
   <p:cSld>
     <p:spTree>
@@ -40743,7 +39092,7 @@
               <a:pPr>
                 <a:defRPr/>
               </a:pPr>
-              <a:t>36</a:t>
+              <a:t>34</a:t>
             </a:fld>
             <a:endParaRPr lang="de-DE"/>
           </a:p>
@@ -42361,231 +40710,6 @@
         <p14:creationId xmlns:p14="http://schemas.microsoft.com/office/powerpoint/2010/main" val="50364274"/>
       </p:ext>
     </p:extLst>
-  </p:cSld>
-  <p:clrMapOvr>
-    <a:masterClrMapping/>
-  </p:clrMapOvr>
-</p:sld>
-</file>
-
-<file path=ppt/slides/slide37.xml><?xml version="1.0" encoding="utf-8"?>
-<p:sld xmlns:a="http://schemas.openxmlformats.org/drawingml/2006/main" xmlns:r="http://schemas.openxmlformats.org/officeDocument/2006/relationships" xmlns:p="http://schemas.openxmlformats.org/presentationml/2006/main">
-  <p:cSld>
-    <p:spTree>
-      <p:nvGrpSpPr>
-        <p:cNvPr id="1" name=""/>
-        <p:cNvGrpSpPr/>
-        <p:nvPr/>
-      </p:nvGrpSpPr>
-      <p:grpSpPr>
-        <a:xfrm>
-          <a:off x="0" y="0"/>
-          <a:ext cx="0" cy="0"/>
-          <a:chOff x="0" y="0"/>
-          <a:chExt cx="0" cy="0"/>
-        </a:xfrm>
-      </p:grpSpPr>
-      <p:sp>
-        <p:nvSpPr>
-          <p:cNvPr id="95233" name="Titel 1"/>
-          <p:cNvSpPr>
-            <a:spLocks noGrp="1"/>
-          </p:cNvSpPr>
-          <p:nvPr>
-            <p:ph type="title"/>
-          </p:nvPr>
-        </p:nvSpPr>
-        <p:spPr/>
-        <p:txBody>
-          <a:bodyPr/>
-          <a:lstStyle/>
-          <a:p>
-            <a:r>
-              <a:rPr lang="de-DE" dirty="0" smtClean="0"/>
-              <a:t>Coming </a:t>
-            </a:r>
-            <a:r>
-              <a:rPr lang="de-DE" dirty="0" err="1" smtClean="0"/>
-              <a:t>Up</a:t>
-            </a:r>
-            <a:r>
-              <a:rPr lang="de-DE" dirty="0" smtClean="0"/>
-              <a:t> Next</a:t>
-            </a:r>
-            <a:endParaRPr lang="de-DE" dirty="0"/>
-          </a:p>
-        </p:txBody>
-      </p:sp>
-      <p:sp>
-        <p:nvSpPr>
-          <p:cNvPr id="95234" name="Inhaltsplatzhalter 2"/>
-          <p:cNvSpPr>
-            <a:spLocks noGrp="1"/>
-          </p:cNvSpPr>
-          <p:nvPr>
-            <p:ph idx="1"/>
-          </p:nvPr>
-        </p:nvSpPr>
-        <p:spPr/>
-        <p:txBody>
-          <a:bodyPr>
-            <a:normAutofit lnSpcReduction="10000"/>
-          </a:bodyPr>
-          <a:lstStyle/>
-          <a:p>
-            <a:r>
-              <a:rPr lang="de-DE" dirty="0" err="1" smtClean="0"/>
-              <a:t>We</a:t>
-            </a:r>
-            <a:r>
-              <a:rPr lang="de-DE" dirty="0" smtClean="0"/>
-              <a:t> </a:t>
-            </a:r>
-            <a:r>
-              <a:rPr lang="de-DE" dirty="0" err="1" smtClean="0"/>
-              <a:t>are</a:t>
-            </a:r>
-            <a:r>
-              <a:rPr lang="de-DE" dirty="0" smtClean="0"/>
-              <a:t> </a:t>
-            </a:r>
-            <a:r>
-              <a:rPr lang="de-DE" dirty="0" err="1" smtClean="0"/>
-              <a:t>taking</a:t>
-            </a:r>
-            <a:r>
-              <a:rPr lang="de-DE" dirty="0" smtClean="0"/>
-              <a:t> a </a:t>
-            </a:r>
-            <a:r>
-              <a:rPr lang="de-DE" dirty="0" err="1" smtClean="0"/>
-              <a:t>look</a:t>
-            </a:r>
-            <a:r>
-              <a:rPr lang="de-DE" dirty="0" smtClean="0"/>
-              <a:t> at </a:t>
-            </a:r>
-            <a:r>
-              <a:rPr lang="de-DE" dirty="0" err="1" smtClean="0"/>
-              <a:t>important</a:t>
-            </a:r>
-            <a:r>
-              <a:rPr lang="de-DE" dirty="0" smtClean="0"/>
-              <a:t> </a:t>
-            </a:r>
-            <a:r>
-              <a:rPr lang="de-DE" dirty="0" err="1" smtClean="0"/>
-              <a:t>classes</a:t>
-            </a:r>
-            <a:r>
-              <a:rPr lang="de-DE" dirty="0" smtClean="0"/>
-              <a:t> in Java</a:t>
-            </a:r>
-            <a:endParaRPr lang="de-DE" dirty="0"/>
-          </a:p>
-          <a:p>
-            <a:pPr lvl="1"/>
-            <a:r>
-              <a:rPr lang="de-DE" dirty="0" err="1"/>
-              <a:t>Object</a:t>
-            </a:r>
-            <a:endParaRPr lang="de-DE" dirty="0"/>
-          </a:p>
-          <a:p>
-            <a:pPr lvl="1"/>
-            <a:r>
-              <a:rPr lang="de-DE" dirty="0"/>
-              <a:t>String</a:t>
-            </a:r>
-          </a:p>
-          <a:p>
-            <a:pPr lvl="1"/>
-            <a:r>
-              <a:rPr lang="de-DE" dirty="0" err="1"/>
-              <a:t>StringBuilder</a:t>
-            </a:r>
-            <a:endParaRPr lang="de-DE" dirty="0"/>
-          </a:p>
-          <a:p>
-            <a:pPr lvl="1"/>
-            <a:r>
-              <a:rPr lang="de-DE" dirty="0" err="1"/>
-              <a:t>Math</a:t>
-            </a:r>
-            <a:endParaRPr lang="de-DE" dirty="0"/>
-          </a:p>
-          <a:p>
-            <a:pPr lvl="1"/>
-            <a:r>
-              <a:rPr lang="de-DE" dirty="0"/>
-              <a:t>Array</a:t>
-            </a:r>
-          </a:p>
-          <a:p>
-            <a:pPr lvl="1"/>
-            <a:r>
-              <a:rPr lang="de-DE" dirty="0" err="1"/>
-              <a:t>StringTokenizer</a:t>
-            </a:r>
-            <a:endParaRPr lang="de-DE" dirty="0"/>
-          </a:p>
-          <a:p>
-            <a:pPr lvl="1"/>
-            <a:endParaRPr lang="de-DE" dirty="0"/>
-          </a:p>
-          <a:p>
-            <a:r>
-              <a:rPr lang="de-DE" dirty="0"/>
-              <a:t>Streams</a:t>
-            </a:r>
-          </a:p>
-          <a:p>
-            <a:pPr lvl="1"/>
-            <a:r>
-              <a:rPr lang="de-DE" dirty="0"/>
-              <a:t>File</a:t>
-            </a:r>
-          </a:p>
-          <a:p>
-            <a:pPr lvl="1"/>
-            <a:r>
-              <a:rPr lang="de-DE" dirty="0" err="1"/>
-              <a:t>Read.In</a:t>
-            </a:r>
-            <a:endParaRPr lang="de-DE" dirty="0"/>
-          </a:p>
-        </p:txBody>
-      </p:sp>
-      <p:sp>
-        <p:nvSpPr>
-          <p:cNvPr id="4" name="Foliennummernplatzhalter 3"/>
-          <p:cNvSpPr>
-            <a:spLocks noGrp="1"/>
-          </p:cNvSpPr>
-          <p:nvPr>
-            <p:ph type="sldNum" sz="quarter" idx="12"/>
-          </p:nvPr>
-        </p:nvSpPr>
-        <p:spPr/>
-        <p:txBody>
-          <a:bodyPr/>
-          <a:lstStyle/>
-          <a:p>
-            <a:pPr>
-              <a:defRPr/>
-            </a:pPr>
-            <a:fld id="{9DD23EAF-E0FA-4004-9520-34545147B721}" type="slidenum">
-              <a:rPr lang="de-DE"/>
-              <a:pPr>
-                <a:defRPr/>
-              </a:pPr>
-              <a:t>37</a:t>
-            </a:fld>
-            <a:endParaRPr lang="de-DE"/>
-          </a:p>
-        </p:txBody>
-      </p:sp>
-    </p:spTree>
   </p:cSld>
   <p:clrMapOvr>
     <a:masterClrMapping/>
@@ -43766,7 +41890,12 @@
             <p:ph idx="1"/>
           </p:nvPr>
         </p:nvSpPr>
-        <p:spPr/>
+        <p:spPr>
+          <a:xfrm>
+            <a:off x="1631504" y="2132856"/>
+            <a:ext cx="4899472" cy="4594820"/>
+          </a:xfrm>
+        </p:spPr>
         <p:txBody>
           <a:bodyPr/>
           <a:lstStyle/>
